--- a/doc/ProjectArchitecture.pptx
+++ b/doc/ProjectArchitecture.pptx
@@ -1,39 +1,43 @@
 
 <file path=ppt/presentation.xml><?xml version="1.0" encoding="utf-8"?>
-<p:presentation xmlns:a="http://schemas.openxmlformats.org/drawingml/2006/main" xmlns:r="http://schemas.openxmlformats.org/officeDocument/2006/relationships" xmlns:mc="http://schemas.openxmlformats.org/markup-compatibility/2006" xmlns:mv="urn:schemas-microsoft-com:mac:vml" xmlns:p="http://schemas.openxmlformats.org/presentationml/2006/main" xmlns:c="http://schemas.openxmlformats.org/drawingml/2006/chart" xmlns:dgm="http://schemas.openxmlformats.org/drawingml/2006/diagram" xmlns:o="urn:schemas-microsoft-com:office:office" xmlns:v="urn:schemas-microsoft-com:vml" xmlns:pvml="urn:schemas-microsoft-com:office:powerpoint" xmlns:com="http://schemas.openxmlformats.org/drawingml/2006/compatibility" xmlns:p14="http://schemas.microsoft.com/office/powerpoint/2010/main" xmlns:p15="http://schemas.microsoft.com/office/powerpoint/2012/main" xmlns:ahyp="http://schemas.microsoft.com/office/drawing/2018/hyperlinkcolor" autoCompressPictures="0" embedTrueTypeFonts="1" strictFirstAndLastChars="0" saveSubsetFonts="1">
+<p:presentation xmlns:a="http://schemas.openxmlformats.org/drawingml/2006/main" xmlns:r="http://schemas.openxmlformats.org/officeDocument/2006/relationships" xmlns:p="http://schemas.openxmlformats.org/presentationml/2006/main" strictFirstAndLastChars="0" embedTrueTypeFonts="1" saveSubsetFonts="1" autoCompressPictures="0">
   <p:sldMasterIdLst>
-    <p:sldMasterId id="2147483659" r:id="rId4"/>
+    <p:sldMasterId id="2147483659" r:id="rId1"/>
   </p:sldMasterIdLst>
   <p:notesMasterIdLst>
-    <p:notesMasterId r:id="rId5"/>
+    <p:notesMasterId r:id="rId18"/>
   </p:notesMasterIdLst>
   <p:sldIdLst>
-    <p:sldId id="256" r:id="rId6"/>
-    <p:sldId id="257" r:id="rId7"/>
-    <p:sldId id="258" r:id="rId8"/>
-    <p:sldId id="259" r:id="rId9"/>
-    <p:sldId id="260" r:id="rId10"/>
-    <p:sldId id="261" r:id="rId11"/>
-    <p:sldId id="262" r:id="rId12"/>
-    <p:sldId id="263" r:id="rId13"/>
-    <p:sldId id="264" r:id="rId14"/>
-    <p:sldId id="265" r:id="rId15"/>
-    <p:sldId id="266" r:id="rId16"/>
+    <p:sldId id="256" r:id="rId2"/>
+    <p:sldId id="257" r:id="rId3"/>
+    <p:sldId id="258" r:id="rId4"/>
+    <p:sldId id="259" r:id="rId5"/>
+    <p:sldId id="260" r:id="rId6"/>
+    <p:sldId id="261" r:id="rId7"/>
+    <p:sldId id="262" r:id="rId8"/>
+    <p:sldId id="263" r:id="rId9"/>
+    <p:sldId id="264" r:id="rId10"/>
+    <p:sldId id="270" r:id="rId11"/>
+    <p:sldId id="269" r:id="rId12"/>
+    <p:sldId id="268" r:id="rId13"/>
+    <p:sldId id="266" r:id="rId14"/>
+    <p:sldId id="271" r:id="rId15"/>
+    <p:sldId id="265" r:id="rId16"/>
     <p:sldId id="267" r:id="rId17"/>
   </p:sldIdLst>
-  <p:sldSz cy="5143500" cx="9144000"/>
+  <p:sldSz cx="9144000" cy="5143500" type="screen16x9"/>
   <p:notesSz cx="6858000" cy="9144000"/>
   <p:embeddedFontLst>
     <p:embeddedFont>
-      <p:font typeface="Proxima Nova"/>
-      <p:regular r:id="rId18"/>
-      <p:bold r:id="rId19"/>
-      <p:italic r:id="rId20"/>
-      <p:boldItalic r:id="rId21"/>
+      <p:font typeface="Proxima Nova" panose="020B0604020202020204" charset="0"/>
+      <p:regular r:id="rId19"/>
+      <p:bold r:id="rId20"/>
+      <p:italic r:id="rId21"/>
+      <p:boldItalic r:id="rId22"/>
     </p:embeddedFont>
   </p:embeddedFontLst>
   <p:defaultTextStyle>
-    <a:defPPr lvl="0" marR="0" rtl="0" algn="l">
+    <a:defPPr marR="0" lvl="0" algn="l" rtl="0">
       <a:lnSpc>
         <a:spcPct val="100000"/>
       </a:lnSpc>
@@ -44,7 +48,7 @@
         <a:spcPts val="0"/>
       </a:spcAft>
     </a:defPPr>
-    <a:lvl1pPr lvl="0" marR="0" rtl="0" algn="l">
+    <a:lvl1pPr marR="0" lvl="0" algn="l" rtl="0">
       <a:lnSpc>
         <a:spcPct val="100000"/>
       </a:lnSpc>
@@ -58,7 +62,7 @@
         <a:srgbClr val="000000"/>
       </a:buClr>
       <a:buFont typeface="Arial"/>
-      <a:defRPr b="0" i="0" sz="1400" u="none" cap="none" strike="noStrike">
+      <a:defRPr sz="1400" b="0" i="0" u="none" strike="noStrike" cap="none">
         <a:solidFill>
           <a:srgbClr val="000000"/>
         </a:solidFill>
@@ -68,7 +72,7 @@
         <a:sym typeface="Arial"/>
       </a:defRPr>
     </a:lvl1pPr>
-    <a:lvl2pPr lvl="1" marR="0" rtl="0" algn="l">
+    <a:lvl2pPr marR="0" lvl="1" algn="l" rtl="0">
       <a:lnSpc>
         <a:spcPct val="100000"/>
       </a:lnSpc>
@@ -82,7 +86,7 @@
         <a:srgbClr val="000000"/>
       </a:buClr>
       <a:buFont typeface="Arial"/>
-      <a:defRPr b="0" i="0" sz="1400" u="none" cap="none" strike="noStrike">
+      <a:defRPr sz="1400" b="0" i="0" u="none" strike="noStrike" cap="none">
         <a:solidFill>
           <a:srgbClr val="000000"/>
         </a:solidFill>
@@ -92,7 +96,7 @@
         <a:sym typeface="Arial"/>
       </a:defRPr>
     </a:lvl2pPr>
-    <a:lvl3pPr lvl="2" marR="0" rtl="0" algn="l">
+    <a:lvl3pPr marR="0" lvl="2" algn="l" rtl="0">
       <a:lnSpc>
         <a:spcPct val="100000"/>
       </a:lnSpc>
@@ -106,7 +110,7 @@
         <a:srgbClr val="000000"/>
       </a:buClr>
       <a:buFont typeface="Arial"/>
-      <a:defRPr b="0" i="0" sz="1400" u="none" cap="none" strike="noStrike">
+      <a:defRPr sz="1400" b="0" i="0" u="none" strike="noStrike" cap="none">
         <a:solidFill>
           <a:srgbClr val="000000"/>
         </a:solidFill>
@@ -116,7 +120,7 @@
         <a:sym typeface="Arial"/>
       </a:defRPr>
     </a:lvl3pPr>
-    <a:lvl4pPr lvl="3" marR="0" rtl="0" algn="l">
+    <a:lvl4pPr marR="0" lvl="3" algn="l" rtl="0">
       <a:lnSpc>
         <a:spcPct val="100000"/>
       </a:lnSpc>
@@ -130,7 +134,7 @@
         <a:srgbClr val="000000"/>
       </a:buClr>
       <a:buFont typeface="Arial"/>
-      <a:defRPr b="0" i="0" sz="1400" u="none" cap="none" strike="noStrike">
+      <a:defRPr sz="1400" b="0" i="0" u="none" strike="noStrike" cap="none">
         <a:solidFill>
           <a:srgbClr val="000000"/>
         </a:solidFill>
@@ -140,7 +144,7 @@
         <a:sym typeface="Arial"/>
       </a:defRPr>
     </a:lvl4pPr>
-    <a:lvl5pPr lvl="4" marR="0" rtl="0" algn="l">
+    <a:lvl5pPr marR="0" lvl="4" algn="l" rtl="0">
       <a:lnSpc>
         <a:spcPct val="100000"/>
       </a:lnSpc>
@@ -154,7 +158,7 @@
         <a:srgbClr val="000000"/>
       </a:buClr>
       <a:buFont typeface="Arial"/>
-      <a:defRPr b="0" i="0" sz="1400" u="none" cap="none" strike="noStrike">
+      <a:defRPr sz="1400" b="0" i="0" u="none" strike="noStrike" cap="none">
         <a:solidFill>
           <a:srgbClr val="000000"/>
         </a:solidFill>
@@ -164,7 +168,7 @@
         <a:sym typeface="Arial"/>
       </a:defRPr>
     </a:lvl5pPr>
-    <a:lvl6pPr lvl="5" marR="0" rtl="0" algn="l">
+    <a:lvl6pPr marR="0" lvl="5" algn="l" rtl="0">
       <a:lnSpc>
         <a:spcPct val="100000"/>
       </a:lnSpc>
@@ -178,7 +182,7 @@
         <a:srgbClr val="000000"/>
       </a:buClr>
       <a:buFont typeface="Arial"/>
-      <a:defRPr b="0" i="0" sz="1400" u="none" cap="none" strike="noStrike">
+      <a:defRPr sz="1400" b="0" i="0" u="none" strike="noStrike" cap="none">
         <a:solidFill>
           <a:srgbClr val="000000"/>
         </a:solidFill>
@@ -188,7 +192,7 @@
         <a:sym typeface="Arial"/>
       </a:defRPr>
     </a:lvl6pPr>
-    <a:lvl7pPr lvl="6" marR="0" rtl="0" algn="l">
+    <a:lvl7pPr marR="0" lvl="6" algn="l" rtl="0">
       <a:lnSpc>
         <a:spcPct val="100000"/>
       </a:lnSpc>
@@ -202,7 +206,7 @@
         <a:srgbClr val="000000"/>
       </a:buClr>
       <a:buFont typeface="Arial"/>
-      <a:defRPr b="0" i="0" sz="1400" u="none" cap="none" strike="noStrike">
+      <a:defRPr sz="1400" b="0" i="0" u="none" strike="noStrike" cap="none">
         <a:solidFill>
           <a:srgbClr val="000000"/>
         </a:solidFill>
@@ -212,7 +216,7 @@
         <a:sym typeface="Arial"/>
       </a:defRPr>
     </a:lvl7pPr>
-    <a:lvl8pPr lvl="7" marR="0" rtl="0" algn="l">
+    <a:lvl8pPr marR="0" lvl="7" algn="l" rtl="0">
       <a:lnSpc>
         <a:spcPct val="100000"/>
       </a:lnSpc>
@@ -226,7 +230,7 @@
         <a:srgbClr val="000000"/>
       </a:buClr>
       <a:buFont typeface="Arial"/>
-      <a:defRPr b="0" i="0" sz="1400" u="none" cap="none" strike="noStrike">
+      <a:defRPr sz="1400" b="0" i="0" u="none" strike="noStrike" cap="none">
         <a:solidFill>
           <a:srgbClr val="000000"/>
         </a:solidFill>
@@ -236,7 +240,7 @@
         <a:sym typeface="Arial"/>
       </a:defRPr>
     </a:lvl8pPr>
-    <a:lvl9pPr lvl="8" marR="0" rtl="0" algn="l">
+    <a:lvl9pPr marR="0" lvl="8" algn="l" rtl="0">
       <a:lnSpc>
         <a:spcPct val="100000"/>
       </a:lnSpc>
@@ -250,7 +254,7 @@
         <a:srgbClr val="000000"/>
       </a:buClr>
       <a:buFont typeface="Arial"/>
-      <a:defRPr b="0" i="0" sz="1400" u="none" cap="none" strike="noStrike">
+      <a:defRPr sz="1400" b="0" i="0" u="none" strike="noStrike" cap="none">
         <a:solidFill>
           <a:srgbClr val="000000"/>
         </a:solidFill>
@@ -263,7 +267,7 @@
   </p:defaultTextStyle>
   <p:extLst>
     <p:ext uri="{EFAFB233-063F-42B5-8137-9DF3F51BA10A}">
-      <p15:sldGuideLst>
+      <p15:sldGuideLst xmlns:p15="http://schemas.microsoft.com/office/powerpoint/2012/main">
         <p15:guide id="1" orient="horz" pos="1620">
           <p15:clr>
             <a:srgbClr val="A4A3A4"/>
@@ -281,11 +285,16 @@
 </file>
 
 <file path=ppt/notesMasters/notesMaster1.xml><?xml version="1.0" encoding="utf-8"?>
-<p:notesMaster xmlns:a="http://schemas.openxmlformats.org/drawingml/2006/main" xmlns:r="http://schemas.openxmlformats.org/officeDocument/2006/relationships" xmlns:mc="http://schemas.openxmlformats.org/markup-compatibility/2006" xmlns:mv="urn:schemas-microsoft-com:mac:vml" xmlns:p="http://schemas.openxmlformats.org/presentationml/2006/main" xmlns:c="http://schemas.openxmlformats.org/drawingml/2006/chart" xmlns:dgm="http://schemas.openxmlformats.org/drawingml/2006/diagram" xmlns:o="urn:schemas-microsoft-com:office:office" xmlns:v="urn:schemas-microsoft-com:vml" xmlns:pvml="urn:schemas-microsoft-com:office:powerpoint" xmlns:com="http://schemas.openxmlformats.org/drawingml/2006/compatibility" xmlns:p14="http://schemas.microsoft.com/office/powerpoint/2010/main" xmlns:p15="http://schemas.microsoft.com/office/powerpoint/2012/main" xmlns:ahyp="http://schemas.microsoft.com/office/drawing/2018/hyperlinkcolor">
+<p:notesMaster xmlns:a="http://schemas.openxmlformats.org/drawingml/2006/main" xmlns:r="http://schemas.openxmlformats.org/officeDocument/2006/relationships" xmlns:p="http://schemas.openxmlformats.org/presentationml/2006/main">
   <p:cSld>
+    <p:bg>
+      <p:bgRef idx="1001">
+        <a:schemeClr val="bg1"/>
+      </p:bgRef>
+    </p:bg>
     <p:spTree>
       <p:nvGrpSpPr>
-        <p:cNvPr id="2" name="Shape 2"/>
+        <p:cNvPr id="1" name="Shape 2"/>
         <p:cNvGrpSpPr/>
         <p:nvPr/>
       </p:nvGrpSpPr>
@@ -300,9 +309,11 @@
       <p:sp>
         <p:nvSpPr>
           <p:cNvPr id="3" name="Google Shape;3;n"/>
-          <p:cNvSpPr/>
+          <p:cNvSpPr>
+            <a:spLocks noGrp="1" noRot="1" noChangeAspect="1"/>
+          </p:cNvSpPr>
           <p:nvPr>
-            <p:ph idx="2" type="sldImg"/>
+            <p:ph type="sldImg" idx="2"/>
           </p:nvPr>
         </p:nvSpPr>
         <p:spPr>
@@ -311,9 +322,13 @@
             <a:ext cx="6096075" cy="3429000"/>
           </a:xfrm>
           <a:custGeom>
-            <a:rect b="b" l="l" r="r" t="t"/>
+            <a:avLst/>
+            <a:gdLst/>
+            <a:ahLst/>
+            <a:cxnLst/>
+            <a:rect l="l" t="t" r="r" b="b"/>
             <a:pathLst>
-              <a:path extrusionOk="0" h="120000" w="120000">
+              <a:path w="120000" h="120000" extrusionOk="0">
                 <a:moveTo>
                   <a:pt x="0" y="0"/>
                 </a:moveTo>
@@ -331,23 +346,25 @@
             </a:pathLst>
           </a:custGeom>
           <a:noFill/>
-          <a:ln cap="flat" cmpd="sng" w="9525">
+          <a:ln w="9525" cap="flat" cmpd="sng">
             <a:solidFill>
               <a:srgbClr val="000000"/>
             </a:solidFill>
             <a:prstDash val="solid"/>
             <a:round/>
-            <a:headEnd len="sm" w="sm" type="none"/>
-            <a:tailEnd len="sm" w="sm" type="none"/>
+            <a:headEnd type="none" w="sm" len="sm"/>
+            <a:tailEnd type="none" w="sm" len="sm"/>
           </a:ln>
         </p:spPr>
       </p:sp>
       <p:sp>
         <p:nvSpPr>
           <p:cNvPr id="4" name="Google Shape;4;n"/>
-          <p:cNvSpPr txBox="1"/>
+          <p:cNvSpPr txBox="1">
+            <a:spLocks noGrp="1"/>
+          </p:cNvSpPr>
           <p:nvPr>
-            <p:ph idx="1" type="body"/>
+            <p:ph type="body" idx="1"/>
           </p:nvPr>
         </p:nvSpPr>
         <p:spPr>
@@ -364,11 +381,11 @@
           </a:ln>
         </p:spPr>
         <p:txBody>
-          <a:bodyPr anchorCtr="0" anchor="t" bIns="91425" lIns="91425" spcFirstLastPara="1" rIns="91425" wrap="square" tIns="91425">
+          <a:bodyPr spcFirstLastPara="1" wrap="square" lIns="91425" tIns="91425" rIns="91425" bIns="91425" anchor="t" anchorCtr="0">
             <a:noAutofit/>
           </a:bodyPr>
           <a:lstStyle>
-            <a:lvl1pPr indent="-298450" lvl="0" marL="457200">
+            <a:lvl1pPr marL="457200" lvl="0" indent="-298450">
               <a:spcBef>
                 <a:spcPts val="0"/>
               </a:spcBef>
@@ -379,7 +396,7 @@
               <a:buChar char="●"/>
               <a:defRPr sz="1100"/>
             </a:lvl1pPr>
-            <a:lvl2pPr indent="-298450" lvl="1" marL="914400">
+            <a:lvl2pPr marL="914400" lvl="1" indent="-298450">
               <a:spcBef>
                 <a:spcPts val="0"/>
               </a:spcBef>
@@ -390,7 +407,7 @@
               <a:buChar char="○"/>
               <a:defRPr sz="1100"/>
             </a:lvl2pPr>
-            <a:lvl3pPr indent="-298450" lvl="2" marL="1371600">
+            <a:lvl3pPr marL="1371600" lvl="2" indent="-298450">
               <a:spcBef>
                 <a:spcPts val="0"/>
               </a:spcBef>
@@ -401,7 +418,7 @@
               <a:buChar char="■"/>
               <a:defRPr sz="1100"/>
             </a:lvl3pPr>
-            <a:lvl4pPr indent="-298450" lvl="3" marL="1828800">
+            <a:lvl4pPr marL="1828800" lvl="3" indent="-298450">
               <a:spcBef>
                 <a:spcPts val="0"/>
               </a:spcBef>
@@ -412,7 +429,7 @@
               <a:buChar char="●"/>
               <a:defRPr sz="1100"/>
             </a:lvl4pPr>
-            <a:lvl5pPr indent="-298450" lvl="4" marL="2286000">
+            <a:lvl5pPr marL="2286000" lvl="4" indent="-298450">
               <a:spcBef>
                 <a:spcPts val="0"/>
               </a:spcBef>
@@ -423,7 +440,7 @@
               <a:buChar char="○"/>
               <a:defRPr sz="1100"/>
             </a:lvl5pPr>
-            <a:lvl6pPr indent="-298450" lvl="5" marL="2743200">
+            <a:lvl6pPr marL="2743200" lvl="5" indent="-298450">
               <a:spcBef>
                 <a:spcPts val="0"/>
               </a:spcBef>
@@ -434,7 +451,7 @@
               <a:buChar char="■"/>
               <a:defRPr sz="1100"/>
             </a:lvl6pPr>
-            <a:lvl7pPr indent="-298450" lvl="6" marL="3200400">
+            <a:lvl7pPr marL="3200400" lvl="6" indent="-298450">
               <a:spcBef>
                 <a:spcPts val="0"/>
               </a:spcBef>
@@ -445,7 +462,7 @@
               <a:buChar char="●"/>
               <a:defRPr sz="1100"/>
             </a:lvl7pPr>
-            <a:lvl8pPr indent="-298450" lvl="7" marL="3657600">
+            <a:lvl8pPr marL="3657600" lvl="7" indent="-298450">
               <a:spcBef>
                 <a:spcPts val="0"/>
               </a:spcBef>
@@ -456,7 +473,7 @@
               <a:buChar char="○"/>
               <a:defRPr sz="1100"/>
             </a:lvl8pPr>
-            <a:lvl9pPr indent="-298450" lvl="8" marL="4114800">
+            <a:lvl9pPr marL="4114800" lvl="8" indent="-298450">
               <a:spcBef>
                 <a:spcPts val="0"/>
               </a:spcBef>
@@ -468,14 +485,16 @@
               <a:defRPr sz="1100"/>
             </a:lvl9pPr>
           </a:lstStyle>
-          <a:p/>
+          <a:p>
+            <a:endParaRPr/>
+          </a:p>
         </p:txBody>
       </p:sp>
     </p:spTree>
   </p:cSld>
-  <p:clrMap accent1="accent1" accent2="accent2" accent3="accent3" accent4="accent4" accent5="accent5" accent6="accent6" bg1="lt1" bg2="dk2" tx1="dk1" tx2="lt2" folHlink="folHlink" hlink="hlink"/>
+  <p:clrMap bg1="lt1" tx1="dk1" bg2="dk2" tx2="lt2" accent1="accent1" accent2="accent2" accent3="accent3" accent4="accent4" accent5="accent5" accent6="accent6" hlink="hlink" folHlink="folHlink"/>
   <p:notesStyle>
-    <a:defPPr lvl="0" marR="0" rtl="0" algn="l">
+    <a:defPPr marR="0" lvl="0" algn="l" rtl="0">
       <a:lnSpc>
         <a:spcPct val="100000"/>
       </a:lnSpc>
@@ -486,7 +505,7 @@
         <a:spcPts val="0"/>
       </a:spcAft>
     </a:defPPr>
-    <a:lvl1pPr lvl="0" marR="0" rtl="0" algn="l">
+    <a:lvl1pPr marR="0" lvl="0" algn="l" rtl="0">
       <a:lnSpc>
         <a:spcPct val="100000"/>
       </a:lnSpc>
@@ -500,7 +519,7 @@
         <a:srgbClr val="000000"/>
       </a:buClr>
       <a:buFont typeface="Arial"/>
-      <a:defRPr b="0" i="0" sz="1400" u="none" cap="none" strike="noStrike">
+      <a:defRPr sz="1400" b="0" i="0" u="none" strike="noStrike" cap="none">
         <a:solidFill>
           <a:srgbClr val="000000"/>
         </a:solidFill>
@@ -510,7 +529,7 @@
         <a:sym typeface="Arial"/>
       </a:defRPr>
     </a:lvl1pPr>
-    <a:lvl2pPr lvl="1" marR="0" rtl="0" algn="l">
+    <a:lvl2pPr marR="0" lvl="1" algn="l" rtl="0">
       <a:lnSpc>
         <a:spcPct val="100000"/>
       </a:lnSpc>
@@ -524,7 +543,7 @@
         <a:srgbClr val="000000"/>
       </a:buClr>
       <a:buFont typeface="Arial"/>
-      <a:defRPr b="0" i="0" sz="1400" u="none" cap="none" strike="noStrike">
+      <a:defRPr sz="1400" b="0" i="0" u="none" strike="noStrike" cap="none">
         <a:solidFill>
           <a:srgbClr val="000000"/>
         </a:solidFill>
@@ -534,7 +553,7 @@
         <a:sym typeface="Arial"/>
       </a:defRPr>
     </a:lvl2pPr>
-    <a:lvl3pPr lvl="2" marR="0" rtl="0" algn="l">
+    <a:lvl3pPr marR="0" lvl="2" algn="l" rtl="0">
       <a:lnSpc>
         <a:spcPct val="100000"/>
       </a:lnSpc>
@@ -548,7 +567,7 @@
         <a:srgbClr val="000000"/>
       </a:buClr>
       <a:buFont typeface="Arial"/>
-      <a:defRPr b="0" i="0" sz="1400" u="none" cap="none" strike="noStrike">
+      <a:defRPr sz="1400" b="0" i="0" u="none" strike="noStrike" cap="none">
         <a:solidFill>
           <a:srgbClr val="000000"/>
         </a:solidFill>
@@ -558,7 +577,7 @@
         <a:sym typeface="Arial"/>
       </a:defRPr>
     </a:lvl3pPr>
-    <a:lvl4pPr lvl="3" marR="0" rtl="0" algn="l">
+    <a:lvl4pPr marR="0" lvl="3" algn="l" rtl="0">
       <a:lnSpc>
         <a:spcPct val="100000"/>
       </a:lnSpc>
@@ -572,7 +591,7 @@
         <a:srgbClr val="000000"/>
       </a:buClr>
       <a:buFont typeface="Arial"/>
-      <a:defRPr b="0" i="0" sz="1400" u="none" cap="none" strike="noStrike">
+      <a:defRPr sz="1400" b="0" i="0" u="none" strike="noStrike" cap="none">
         <a:solidFill>
           <a:srgbClr val="000000"/>
         </a:solidFill>
@@ -582,7 +601,7 @@
         <a:sym typeface="Arial"/>
       </a:defRPr>
     </a:lvl4pPr>
-    <a:lvl5pPr lvl="4" marR="0" rtl="0" algn="l">
+    <a:lvl5pPr marR="0" lvl="4" algn="l" rtl="0">
       <a:lnSpc>
         <a:spcPct val="100000"/>
       </a:lnSpc>
@@ -596,7 +615,7 @@
         <a:srgbClr val="000000"/>
       </a:buClr>
       <a:buFont typeface="Arial"/>
-      <a:defRPr b="0" i="0" sz="1400" u="none" cap="none" strike="noStrike">
+      <a:defRPr sz="1400" b="0" i="0" u="none" strike="noStrike" cap="none">
         <a:solidFill>
           <a:srgbClr val="000000"/>
         </a:solidFill>
@@ -606,7 +625,7 @@
         <a:sym typeface="Arial"/>
       </a:defRPr>
     </a:lvl5pPr>
-    <a:lvl6pPr lvl="5" marR="0" rtl="0" algn="l">
+    <a:lvl6pPr marR="0" lvl="5" algn="l" rtl="0">
       <a:lnSpc>
         <a:spcPct val="100000"/>
       </a:lnSpc>
@@ -620,7 +639,7 @@
         <a:srgbClr val="000000"/>
       </a:buClr>
       <a:buFont typeface="Arial"/>
-      <a:defRPr b="0" i="0" sz="1400" u="none" cap="none" strike="noStrike">
+      <a:defRPr sz="1400" b="0" i="0" u="none" strike="noStrike" cap="none">
         <a:solidFill>
           <a:srgbClr val="000000"/>
         </a:solidFill>
@@ -630,7 +649,7 @@
         <a:sym typeface="Arial"/>
       </a:defRPr>
     </a:lvl6pPr>
-    <a:lvl7pPr lvl="6" marR="0" rtl="0" algn="l">
+    <a:lvl7pPr marR="0" lvl="6" algn="l" rtl="0">
       <a:lnSpc>
         <a:spcPct val="100000"/>
       </a:lnSpc>
@@ -644,7 +663,7 @@
         <a:srgbClr val="000000"/>
       </a:buClr>
       <a:buFont typeface="Arial"/>
-      <a:defRPr b="0" i="0" sz="1400" u="none" cap="none" strike="noStrike">
+      <a:defRPr sz="1400" b="0" i="0" u="none" strike="noStrike" cap="none">
         <a:solidFill>
           <a:srgbClr val="000000"/>
         </a:solidFill>
@@ -654,7 +673,7 @@
         <a:sym typeface="Arial"/>
       </a:defRPr>
     </a:lvl7pPr>
-    <a:lvl8pPr lvl="7" marR="0" rtl="0" algn="l">
+    <a:lvl8pPr marR="0" lvl="7" algn="l" rtl="0">
       <a:lnSpc>
         <a:spcPct val="100000"/>
       </a:lnSpc>
@@ -668,7 +687,7 @@
         <a:srgbClr val="000000"/>
       </a:buClr>
       <a:buFont typeface="Arial"/>
-      <a:defRPr b="0" i="0" sz="1400" u="none" cap="none" strike="noStrike">
+      <a:defRPr sz="1400" b="0" i="0" u="none" strike="noStrike" cap="none">
         <a:solidFill>
           <a:srgbClr val="000000"/>
         </a:solidFill>
@@ -678,7 +697,7 @@
         <a:sym typeface="Arial"/>
       </a:defRPr>
     </a:lvl8pPr>
-    <a:lvl9pPr lvl="8" marR="0" rtl="0" algn="l">
+    <a:lvl9pPr marR="0" lvl="8" algn="l" rtl="0">
       <a:lnSpc>
         <a:spcPct val="100000"/>
       </a:lnSpc>
@@ -692,7 +711,7 @@
         <a:srgbClr val="000000"/>
       </a:buClr>
       <a:buFont typeface="Arial"/>
-      <a:defRPr b="0" i="0" sz="1400" u="none" cap="none" strike="noStrike">
+      <a:defRPr sz="1400" b="0" i="0" u="none" strike="noStrike" cap="none">
         <a:solidFill>
           <a:srgbClr val="000000"/>
         </a:solidFill>
@@ -707,11 +726,11 @@
 </file>
 
 <file path=ppt/notesSlides/notesSlide1.xml><?xml version="1.0" encoding="utf-8"?>
-<p:notes xmlns:a="http://schemas.openxmlformats.org/drawingml/2006/main" xmlns:r="http://schemas.openxmlformats.org/officeDocument/2006/relationships" xmlns:mc="http://schemas.openxmlformats.org/markup-compatibility/2006" xmlns:mv="urn:schemas-microsoft-com:mac:vml" xmlns:p="http://schemas.openxmlformats.org/presentationml/2006/main" xmlns:c="http://schemas.openxmlformats.org/drawingml/2006/chart" xmlns:dgm="http://schemas.openxmlformats.org/drawingml/2006/diagram" xmlns:o="urn:schemas-microsoft-com:office:office" xmlns:v="urn:schemas-microsoft-com:vml" xmlns:pvml="urn:schemas-microsoft-com:office:powerpoint" xmlns:com="http://schemas.openxmlformats.org/drawingml/2006/compatibility" xmlns:p14="http://schemas.microsoft.com/office/powerpoint/2010/main" xmlns:p15="http://schemas.microsoft.com/office/powerpoint/2012/main" xmlns:ahyp="http://schemas.microsoft.com/office/drawing/2018/hyperlinkcolor" showMasterPhAnim="0" showMasterSp="0">
+<p:notes xmlns:a="http://schemas.openxmlformats.org/drawingml/2006/main" xmlns:r="http://schemas.openxmlformats.org/officeDocument/2006/relationships" xmlns:p="http://schemas.openxmlformats.org/presentationml/2006/main" showMasterSp="0" showMasterPhAnim="0">
   <p:cSld>
     <p:spTree>
       <p:nvGrpSpPr>
-        <p:cNvPr id="55" name="Shape 55"/>
+        <p:cNvPr id="1" name="Shape 55"/>
         <p:cNvGrpSpPr/>
         <p:nvPr/>
       </p:nvGrpSpPr>
@@ -726,9 +745,11 @@
       <p:sp>
         <p:nvSpPr>
           <p:cNvPr id="56" name="Google Shape;56;p:notes"/>
-          <p:cNvSpPr/>
+          <p:cNvSpPr>
+            <a:spLocks noGrp="1" noRot="1" noChangeAspect="1"/>
+          </p:cNvSpPr>
           <p:nvPr>
-            <p:ph idx="2" type="sldImg"/>
+            <p:ph type="sldImg" idx="2"/>
           </p:nvPr>
         </p:nvSpPr>
         <p:spPr>
@@ -737,9 +758,13 @@
             <a:ext cx="6096075" cy="3429000"/>
           </a:xfrm>
           <a:custGeom>
-            <a:rect b="b" l="l" r="r" t="t"/>
+            <a:avLst/>
+            <a:gdLst/>
+            <a:ahLst/>
+            <a:cxnLst/>
+            <a:rect l="l" t="t" r="r" b="b"/>
             <a:pathLst>
-              <a:path extrusionOk="0" h="120000" w="120000">
+              <a:path w="120000" h="120000" extrusionOk="0">
                 <a:moveTo>
                   <a:pt x="0" y="0"/>
                 </a:moveTo>
@@ -761,9 +786,11 @@
       <p:sp>
         <p:nvSpPr>
           <p:cNvPr id="57" name="Google Shape;57;p:notes"/>
-          <p:cNvSpPr txBox="1"/>
+          <p:cNvSpPr txBox="1">
+            <a:spLocks noGrp="1"/>
+          </p:cNvSpPr>
           <p:nvPr>
-            <p:ph idx="1" type="body"/>
+            <p:ph type="body" idx="1"/>
           </p:nvPr>
         </p:nvSpPr>
         <p:spPr>
@@ -776,12 +803,12 @@
           </a:prstGeom>
         </p:spPr>
         <p:txBody>
-          <a:bodyPr anchorCtr="0" anchor="t" bIns="91425" lIns="91425" spcFirstLastPara="1" rIns="91425" wrap="square" tIns="91425">
+          <a:bodyPr spcFirstLastPara="1" wrap="square" lIns="91425" tIns="91425" rIns="91425" bIns="91425" anchor="t" anchorCtr="0">
             <a:noAutofit/>
           </a:bodyPr>
           <a:lstStyle/>
           <a:p>
-            <a:pPr indent="0" lvl="0" marL="0" rtl="0" algn="l">
+            <a:pPr marL="0" lvl="0" indent="0" algn="l" rtl="0">
               <a:spcBef>
                 <a:spcPts val="0"/>
               </a:spcBef>
@@ -790,9 +817,6 @@
               </a:spcAft>
               <a:buNone/>
             </a:pPr>
-            <a:r>
-              <a:t/>
-            </a:r>
             <a:endParaRPr/>
           </a:p>
         </p:txBody>
@@ -806,11 +830,11 @@
 </file>
 
 <file path=ppt/notesSlides/notesSlide10.xml><?xml version="1.0" encoding="utf-8"?>
-<p:notes xmlns:a="http://schemas.openxmlformats.org/drawingml/2006/main" xmlns:r="http://schemas.openxmlformats.org/officeDocument/2006/relationships" xmlns:mc="http://schemas.openxmlformats.org/markup-compatibility/2006" xmlns:mv="urn:schemas-microsoft-com:mac:vml" xmlns:p="http://schemas.openxmlformats.org/presentationml/2006/main" xmlns:c="http://schemas.openxmlformats.org/drawingml/2006/chart" xmlns:dgm="http://schemas.openxmlformats.org/drawingml/2006/diagram" xmlns:o="urn:schemas-microsoft-com:office:office" xmlns:v="urn:schemas-microsoft-com:vml" xmlns:pvml="urn:schemas-microsoft-com:office:powerpoint" xmlns:com="http://schemas.openxmlformats.org/drawingml/2006/compatibility" xmlns:p14="http://schemas.microsoft.com/office/powerpoint/2010/main" xmlns:p15="http://schemas.microsoft.com/office/powerpoint/2012/main" xmlns:ahyp="http://schemas.microsoft.com/office/drawing/2018/hyperlinkcolor" showMasterPhAnim="0" showMasterSp="0">
+<p:notes xmlns:a="http://schemas.openxmlformats.org/drawingml/2006/main" xmlns:r="http://schemas.openxmlformats.org/officeDocument/2006/relationships" xmlns:p="http://schemas.openxmlformats.org/presentationml/2006/main" showMasterSp="0" showMasterPhAnim="0">
   <p:cSld>
     <p:spTree>
       <p:nvGrpSpPr>
-        <p:cNvPr id="121" name="Shape 121"/>
+        <p:cNvPr id="1" name="Shape 115"/>
         <p:cNvGrpSpPr/>
         <p:nvPr/>
       </p:nvGrpSpPr>
@@ -824,21 +848,27 @@
       </p:grpSpPr>
       <p:sp>
         <p:nvSpPr>
-          <p:cNvPr id="122" name="Google Shape;122;g1b22dca60e7_0_276:notes"/>
-          <p:cNvSpPr/>
+          <p:cNvPr id="116" name="Google Shape;116;g1b22dca60e7_0_271:notes"/>
+          <p:cNvSpPr>
+            <a:spLocks noGrp="1" noRot="1" noChangeAspect="1"/>
+          </p:cNvSpPr>
           <p:nvPr>
-            <p:ph idx="2" type="sldImg"/>
+            <p:ph type="sldImg" idx="2"/>
           </p:nvPr>
         </p:nvSpPr>
         <p:spPr>
           <a:xfrm>
-            <a:off x="381300" y="685800"/>
+            <a:off x="381000" y="685800"/>
             <a:ext cx="6096000" cy="3429000"/>
           </a:xfrm>
           <a:custGeom>
-            <a:rect b="b" l="l" r="r" t="t"/>
+            <a:avLst/>
+            <a:gdLst/>
+            <a:ahLst/>
+            <a:cxnLst/>
+            <a:rect l="l" t="t" r="r" b="b"/>
             <a:pathLst>
-              <a:path extrusionOk="0" h="120000" w="120000">
+              <a:path w="120000" h="120000" extrusionOk="0">
                 <a:moveTo>
                   <a:pt x="0" y="0"/>
                 </a:moveTo>
@@ -859,10 +889,12 @@
       </p:sp>
       <p:sp>
         <p:nvSpPr>
-          <p:cNvPr id="123" name="Google Shape;123;g1b22dca60e7_0_276:notes"/>
-          <p:cNvSpPr txBox="1"/>
+          <p:cNvPr id="117" name="Google Shape;117;g1b22dca60e7_0_271:notes"/>
+          <p:cNvSpPr txBox="1">
+            <a:spLocks noGrp="1"/>
+          </p:cNvSpPr>
           <p:nvPr>
-            <p:ph idx="1" type="body"/>
+            <p:ph type="body" idx="1"/>
           </p:nvPr>
         </p:nvSpPr>
         <p:spPr>
@@ -875,12 +907,12 @@
           </a:prstGeom>
         </p:spPr>
         <p:txBody>
-          <a:bodyPr anchorCtr="0" anchor="t" bIns="91425" lIns="91425" spcFirstLastPara="1" rIns="91425" wrap="square" tIns="91425">
+          <a:bodyPr spcFirstLastPara="1" wrap="square" lIns="91425" tIns="91425" rIns="91425" bIns="91425" anchor="t" anchorCtr="0">
             <a:noAutofit/>
           </a:bodyPr>
           <a:lstStyle/>
           <a:p>
-            <a:pPr indent="0" lvl="0" marL="0" rtl="0" algn="l">
+            <a:pPr marL="0" lvl="0" indent="0" algn="l" rtl="0">
               <a:spcBef>
                 <a:spcPts val="0"/>
               </a:spcBef>
@@ -889,14 +921,16 @@
               </a:spcAft>
               <a:buNone/>
             </a:pPr>
-            <a:r>
-              <a:t/>
-            </a:r>
             <a:endParaRPr/>
           </a:p>
         </p:txBody>
       </p:sp>
     </p:spTree>
+    <p:extLst>
+      <p:ext uri="{BB962C8B-B14F-4D97-AF65-F5344CB8AC3E}">
+        <p14:creationId xmlns:p14="http://schemas.microsoft.com/office/powerpoint/2010/main" val="38249005"/>
+      </p:ext>
+    </p:extLst>
   </p:cSld>
   <p:clrMapOvr>
     <a:masterClrMapping/>
@@ -905,11 +939,11 @@
 </file>
 
 <file path=ppt/notesSlides/notesSlide11.xml><?xml version="1.0" encoding="utf-8"?>
-<p:notes xmlns:a="http://schemas.openxmlformats.org/drawingml/2006/main" xmlns:r="http://schemas.openxmlformats.org/officeDocument/2006/relationships" xmlns:mc="http://schemas.openxmlformats.org/markup-compatibility/2006" xmlns:mv="urn:schemas-microsoft-com:mac:vml" xmlns:p="http://schemas.openxmlformats.org/presentationml/2006/main" xmlns:c="http://schemas.openxmlformats.org/drawingml/2006/chart" xmlns:dgm="http://schemas.openxmlformats.org/drawingml/2006/diagram" xmlns:o="urn:schemas-microsoft-com:office:office" xmlns:v="urn:schemas-microsoft-com:vml" xmlns:pvml="urn:schemas-microsoft-com:office:powerpoint" xmlns:com="http://schemas.openxmlformats.org/drawingml/2006/compatibility" xmlns:p14="http://schemas.microsoft.com/office/powerpoint/2010/main" xmlns:p15="http://schemas.microsoft.com/office/powerpoint/2012/main" xmlns:ahyp="http://schemas.microsoft.com/office/drawing/2018/hyperlinkcolor" showMasterPhAnim="0" showMasterSp="0">
+<p:notes xmlns:a="http://schemas.openxmlformats.org/drawingml/2006/main" xmlns:r="http://schemas.openxmlformats.org/officeDocument/2006/relationships" xmlns:p="http://schemas.openxmlformats.org/presentationml/2006/main" showMasterSp="0" showMasterPhAnim="0">
   <p:cSld>
     <p:spTree>
       <p:nvGrpSpPr>
-        <p:cNvPr id="129" name="Shape 129"/>
+        <p:cNvPr id="1" name="Shape 115"/>
         <p:cNvGrpSpPr/>
         <p:nvPr/>
       </p:nvGrpSpPr>
@@ -923,21 +957,27 @@
       </p:grpSpPr>
       <p:sp>
         <p:nvSpPr>
-          <p:cNvPr id="130" name="Google Shape;130;g1b22dca60e7_0_283:notes"/>
-          <p:cNvSpPr/>
+          <p:cNvPr id="116" name="Google Shape;116;g1b22dca60e7_0_271:notes"/>
+          <p:cNvSpPr>
+            <a:spLocks noGrp="1" noRot="1" noChangeAspect="1"/>
+          </p:cNvSpPr>
           <p:nvPr>
-            <p:ph idx="2" type="sldImg"/>
+            <p:ph type="sldImg" idx="2"/>
           </p:nvPr>
         </p:nvSpPr>
         <p:spPr>
           <a:xfrm>
-            <a:off x="381300" y="685800"/>
+            <a:off x="381000" y="685800"/>
             <a:ext cx="6096000" cy="3429000"/>
           </a:xfrm>
           <a:custGeom>
-            <a:rect b="b" l="l" r="r" t="t"/>
+            <a:avLst/>
+            <a:gdLst/>
+            <a:ahLst/>
+            <a:cxnLst/>
+            <a:rect l="l" t="t" r="r" b="b"/>
             <a:pathLst>
-              <a:path extrusionOk="0" h="120000" w="120000">
+              <a:path w="120000" h="120000" extrusionOk="0">
                 <a:moveTo>
                   <a:pt x="0" y="0"/>
                 </a:moveTo>
@@ -958,10 +998,12 @@
       </p:sp>
       <p:sp>
         <p:nvSpPr>
-          <p:cNvPr id="131" name="Google Shape;131;g1b22dca60e7_0_283:notes"/>
-          <p:cNvSpPr txBox="1"/>
+          <p:cNvPr id="117" name="Google Shape;117;g1b22dca60e7_0_271:notes"/>
+          <p:cNvSpPr txBox="1">
+            <a:spLocks noGrp="1"/>
+          </p:cNvSpPr>
           <p:nvPr>
-            <p:ph idx="1" type="body"/>
+            <p:ph type="body" idx="1"/>
           </p:nvPr>
         </p:nvSpPr>
         <p:spPr>
@@ -974,12 +1016,12 @@
           </a:prstGeom>
         </p:spPr>
         <p:txBody>
-          <a:bodyPr anchorCtr="0" anchor="t" bIns="91425" lIns="91425" spcFirstLastPara="1" rIns="91425" wrap="square" tIns="91425">
+          <a:bodyPr spcFirstLastPara="1" wrap="square" lIns="91425" tIns="91425" rIns="91425" bIns="91425" anchor="t" anchorCtr="0">
             <a:noAutofit/>
           </a:bodyPr>
           <a:lstStyle/>
           <a:p>
-            <a:pPr indent="0" lvl="0" marL="0" rtl="0" algn="l">
+            <a:pPr marL="0" lvl="0" indent="0" algn="l" rtl="0">
               <a:spcBef>
                 <a:spcPts val="0"/>
               </a:spcBef>
@@ -988,14 +1030,16 @@
               </a:spcAft>
               <a:buNone/>
             </a:pPr>
-            <a:r>
-              <a:t/>
-            </a:r>
             <a:endParaRPr/>
           </a:p>
         </p:txBody>
       </p:sp>
     </p:spTree>
+    <p:extLst>
+      <p:ext uri="{BB962C8B-B14F-4D97-AF65-F5344CB8AC3E}">
+        <p14:creationId xmlns:p14="http://schemas.microsoft.com/office/powerpoint/2010/main" val="381684115"/>
+      </p:ext>
+    </p:extLst>
   </p:cSld>
   <p:clrMapOvr>
     <a:masterClrMapping/>
@@ -1004,11 +1048,11 @@
 </file>
 
 <file path=ppt/notesSlides/notesSlide12.xml><?xml version="1.0" encoding="utf-8"?>
-<p:notes xmlns:a="http://schemas.openxmlformats.org/drawingml/2006/main" xmlns:r="http://schemas.openxmlformats.org/officeDocument/2006/relationships" xmlns:mc="http://schemas.openxmlformats.org/markup-compatibility/2006" xmlns:mv="urn:schemas-microsoft-com:mac:vml" xmlns:p="http://schemas.openxmlformats.org/presentationml/2006/main" xmlns:c="http://schemas.openxmlformats.org/drawingml/2006/chart" xmlns:dgm="http://schemas.openxmlformats.org/drawingml/2006/diagram" xmlns:o="urn:schemas-microsoft-com:office:office" xmlns:v="urn:schemas-microsoft-com:vml" xmlns:pvml="urn:schemas-microsoft-com:office:powerpoint" xmlns:com="http://schemas.openxmlformats.org/drawingml/2006/compatibility" xmlns:p14="http://schemas.microsoft.com/office/powerpoint/2010/main" xmlns:p15="http://schemas.microsoft.com/office/powerpoint/2012/main" xmlns:ahyp="http://schemas.microsoft.com/office/drawing/2018/hyperlinkcolor" showMasterPhAnim="0" showMasterSp="0">
+<p:notes xmlns:a="http://schemas.openxmlformats.org/drawingml/2006/main" xmlns:r="http://schemas.openxmlformats.org/officeDocument/2006/relationships" xmlns:p="http://schemas.openxmlformats.org/presentationml/2006/main" showMasterSp="0" showMasterPhAnim="0">
   <p:cSld>
     <p:spTree>
       <p:nvGrpSpPr>
-        <p:cNvPr id="136" name="Shape 136"/>
+        <p:cNvPr id="1" name="Shape 115"/>
         <p:cNvGrpSpPr/>
         <p:nvPr/>
       </p:nvGrpSpPr>
@@ -1022,21 +1066,27 @@
       </p:grpSpPr>
       <p:sp>
         <p:nvSpPr>
-          <p:cNvPr id="137" name="Google Shape;137;g1b22dca60e7_0_310:notes"/>
-          <p:cNvSpPr/>
+          <p:cNvPr id="116" name="Google Shape;116;g1b22dca60e7_0_271:notes"/>
+          <p:cNvSpPr>
+            <a:spLocks noGrp="1" noRot="1" noChangeAspect="1"/>
+          </p:cNvSpPr>
           <p:nvPr>
-            <p:ph idx="2" type="sldImg"/>
+            <p:ph type="sldImg" idx="2"/>
           </p:nvPr>
         </p:nvSpPr>
         <p:spPr>
           <a:xfrm>
-            <a:off x="381300" y="685800"/>
+            <a:off x="381000" y="685800"/>
             <a:ext cx="6096000" cy="3429000"/>
           </a:xfrm>
           <a:custGeom>
-            <a:rect b="b" l="l" r="r" t="t"/>
+            <a:avLst/>
+            <a:gdLst/>
+            <a:ahLst/>
+            <a:cxnLst/>
+            <a:rect l="l" t="t" r="r" b="b"/>
             <a:pathLst>
-              <a:path extrusionOk="0" h="120000" w="120000">
+              <a:path w="120000" h="120000" extrusionOk="0">
                 <a:moveTo>
                   <a:pt x="0" y="0"/>
                 </a:moveTo>
@@ -1057,10 +1107,12 @@
       </p:sp>
       <p:sp>
         <p:nvSpPr>
-          <p:cNvPr id="138" name="Google Shape;138;g1b22dca60e7_0_310:notes"/>
-          <p:cNvSpPr txBox="1"/>
+          <p:cNvPr id="117" name="Google Shape;117;g1b22dca60e7_0_271:notes"/>
+          <p:cNvSpPr txBox="1">
+            <a:spLocks noGrp="1"/>
+          </p:cNvSpPr>
           <p:nvPr>
-            <p:ph idx="1" type="body"/>
+            <p:ph type="body" idx="1"/>
           </p:nvPr>
         </p:nvSpPr>
         <p:spPr>
@@ -1073,12 +1125,12 @@
           </a:prstGeom>
         </p:spPr>
         <p:txBody>
-          <a:bodyPr anchorCtr="0" anchor="t" bIns="91425" lIns="91425" spcFirstLastPara="1" rIns="91425" wrap="square" tIns="91425">
+          <a:bodyPr spcFirstLastPara="1" wrap="square" lIns="91425" tIns="91425" rIns="91425" bIns="91425" anchor="t" anchorCtr="0">
             <a:noAutofit/>
           </a:bodyPr>
           <a:lstStyle/>
           <a:p>
-            <a:pPr indent="0" lvl="0" marL="0" rtl="0" algn="l">
+            <a:pPr marL="0" lvl="0" indent="0" algn="l" rtl="0">
               <a:spcBef>
                 <a:spcPts val="0"/>
               </a:spcBef>
@@ -1087,14 +1139,16 @@
               </a:spcAft>
               <a:buNone/>
             </a:pPr>
-            <a:r>
-              <a:t/>
-            </a:r>
             <a:endParaRPr/>
           </a:p>
         </p:txBody>
       </p:sp>
     </p:spTree>
+    <p:extLst>
+      <p:ext uri="{BB962C8B-B14F-4D97-AF65-F5344CB8AC3E}">
+        <p14:creationId xmlns:p14="http://schemas.microsoft.com/office/powerpoint/2010/main" val="2217796006"/>
+      </p:ext>
+    </p:extLst>
   </p:cSld>
   <p:clrMapOvr>
     <a:masterClrMapping/>
@@ -1102,12 +1156,12 @@
 </p:notes>
 </file>
 
-<file path=ppt/notesSlides/notesSlide2.xml><?xml version="1.0" encoding="utf-8"?>
-<p:notes xmlns:a="http://schemas.openxmlformats.org/drawingml/2006/main" xmlns:r="http://schemas.openxmlformats.org/officeDocument/2006/relationships" xmlns:mc="http://schemas.openxmlformats.org/markup-compatibility/2006" xmlns:mv="urn:schemas-microsoft-com:mac:vml" xmlns:p="http://schemas.openxmlformats.org/presentationml/2006/main" xmlns:c="http://schemas.openxmlformats.org/drawingml/2006/chart" xmlns:dgm="http://schemas.openxmlformats.org/drawingml/2006/diagram" xmlns:o="urn:schemas-microsoft-com:office:office" xmlns:v="urn:schemas-microsoft-com:vml" xmlns:pvml="urn:schemas-microsoft-com:office:powerpoint" xmlns:com="http://schemas.openxmlformats.org/drawingml/2006/compatibility" xmlns:p14="http://schemas.microsoft.com/office/powerpoint/2010/main" xmlns:p15="http://schemas.microsoft.com/office/powerpoint/2012/main" xmlns:ahyp="http://schemas.microsoft.com/office/drawing/2018/hyperlinkcolor" showMasterPhAnim="0" showMasterSp="0">
+<file path=ppt/notesSlides/notesSlide13.xml><?xml version="1.0" encoding="utf-8"?>
+<p:notes xmlns:a="http://schemas.openxmlformats.org/drawingml/2006/main" xmlns:r="http://schemas.openxmlformats.org/officeDocument/2006/relationships" xmlns:p="http://schemas.openxmlformats.org/presentationml/2006/main" showMasterSp="0" showMasterPhAnim="0">
   <p:cSld>
     <p:spTree>
       <p:nvGrpSpPr>
-        <p:cNvPr id="61" name="Shape 61"/>
+        <p:cNvPr id="1" name="Shape 129"/>
         <p:cNvGrpSpPr/>
         <p:nvPr/>
       </p:nvGrpSpPr>
@@ -1121,21 +1175,27 @@
       </p:grpSpPr>
       <p:sp>
         <p:nvSpPr>
-          <p:cNvPr id="62" name="Google Shape;62;g1b22dca60e7_0_56:notes"/>
-          <p:cNvSpPr/>
+          <p:cNvPr id="130" name="Google Shape;130;g1b22dca60e7_0_283:notes"/>
+          <p:cNvSpPr>
+            <a:spLocks noGrp="1" noRot="1" noChangeAspect="1"/>
+          </p:cNvSpPr>
           <p:nvPr>
-            <p:ph idx="2" type="sldImg"/>
+            <p:ph type="sldImg" idx="2"/>
           </p:nvPr>
         </p:nvSpPr>
         <p:spPr>
           <a:xfrm>
-            <a:off x="381300" y="685800"/>
+            <a:off x="381000" y="685800"/>
             <a:ext cx="6096000" cy="3429000"/>
           </a:xfrm>
           <a:custGeom>
-            <a:rect b="b" l="l" r="r" t="t"/>
+            <a:avLst/>
+            <a:gdLst/>
+            <a:ahLst/>
+            <a:cxnLst/>
+            <a:rect l="l" t="t" r="r" b="b"/>
             <a:pathLst>
-              <a:path extrusionOk="0" h="120000" w="120000">
+              <a:path w="120000" h="120000" extrusionOk="0">
                 <a:moveTo>
                   <a:pt x="0" y="0"/>
                 </a:moveTo>
@@ -1156,10 +1216,12 @@
       </p:sp>
       <p:sp>
         <p:nvSpPr>
-          <p:cNvPr id="63" name="Google Shape;63;g1b22dca60e7_0_56:notes"/>
-          <p:cNvSpPr txBox="1"/>
+          <p:cNvPr id="131" name="Google Shape;131;g1b22dca60e7_0_283:notes"/>
+          <p:cNvSpPr txBox="1">
+            <a:spLocks noGrp="1"/>
+          </p:cNvSpPr>
           <p:nvPr>
-            <p:ph idx="1" type="body"/>
+            <p:ph type="body" idx="1"/>
           </p:nvPr>
         </p:nvSpPr>
         <p:spPr>
@@ -1172,12 +1234,12 @@
           </a:prstGeom>
         </p:spPr>
         <p:txBody>
-          <a:bodyPr anchorCtr="0" anchor="t" bIns="91425" lIns="91425" spcFirstLastPara="1" rIns="91425" wrap="square" tIns="91425">
+          <a:bodyPr spcFirstLastPara="1" wrap="square" lIns="91425" tIns="91425" rIns="91425" bIns="91425" anchor="t" anchorCtr="0">
             <a:noAutofit/>
           </a:bodyPr>
           <a:lstStyle/>
           <a:p>
-            <a:pPr indent="0" lvl="0" marL="0" rtl="0" algn="l">
+            <a:pPr marL="0" lvl="0" indent="0" algn="l" rtl="0">
               <a:spcBef>
                 <a:spcPts val="0"/>
               </a:spcBef>
@@ -1186,9 +1248,6 @@
               </a:spcAft>
               <a:buNone/>
             </a:pPr>
-            <a:r>
-              <a:t/>
-            </a:r>
             <a:endParaRPr/>
           </a:p>
         </p:txBody>
@@ -1201,12 +1260,12 @@
 </p:notes>
 </file>
 
-<file path=ppt/notesSlides/notesSlide3.xml><?xml version="1.0" encoding="utf-8"?>
-<p:notes xmlns:a="http://schemas.openxmlformats.org/drawingml/2006/main" xmlns:r="http://schemas.openxmlformats.org/officeDocument/2006/relationships" xmlns:mc="http://schemas.openxmlformats.org/markup-compatibility/2006" xmlns:mv="urn:schemas-microsoft-com:mac:vml" xmlns:p="http://schemas.openxmlformats.org/presentationml/2006/main" xmlns:c="http://schemas.openxmlformats.org/drawingml/2006/chart" xmlns:dgm="http://schemas.openxmlformats.org/drawingml/2006/diagram" xmlns:o="urn:schemas-microsoft-com:office:office" xmlns:v="urn:schemas-microsoft-com:vml" xmlns:pvml="urn:schemas-microsoft-com:office:powerpoint" xmlns:com="http://schemas.openxmlformats.org/drawingml/2006/compatibility" xmlns:p14="http://schemas.microsoft.com/office/powerpoint/2010/main" xmlns:p15="http://schemas.microsoft.com/office/powerpoint/2012/main" xmlns:ahyp="http://schemas.microsoft.com/office/drawing/2018/hyperlinkcolor" showMasterPhAnim="0" showMasterSp="0">
+<file path=ppt/notesSlides/notesSlide14.xml><?xml version="1.0" encoding="utf-8"?>
+<p:notes xmlns:a="http://schemas.openxmlformats.org/drawingml/2006/main" xmlns:r="http://schemas.openxmlformats.org/officeDocument/2006/relationships" xmlns:p="http://schemas.openxmlformats.org/presentationml/2006/main" showMasterSp="0" showMasterPhAnim="0">
   <p:cSld>
     <p:spTree>
       <p:nvGrpSpPr>
-        <p:cNvPr id="68" name="Shape 68"/>
+        <p:cNvPr id="1" name="Shape 129"/>
         <p:cNvGrpSpPr/>
         <p:nvPr/>
       </p:nvGrpSpPr>
@@ -1220,21 +1279,27 @@
       </p:grpSpPr>
       <p:sp>
         <p:nvSpPr>
-          <p:cNvPr id="69" name="Google Shape;69;g1b22dca60e7_0_244:notes"/>
-          <p:cNvSpPr/>
+          <p:cNvPr id="130" name="Google Shape;130;g1b22dca60e7_0_283:notes"/>
+          <p:cNvSpPr>
+            <a:spLocks noGrp="1" noRot="1" noChangeAspect="1"/>
+          </p:cNvSpPr>
           <p:nvPr>
-            <p:ph idx="2" type="sldImg"/>
+            <p:ph type="sldImg" idx="2"/>
           </p:nvPr>
         </p:nvSpPr>
         <p:spPr>
           <a:xfrm>
-            <a:off x="381300" y="685800"/>
+            <a:off x="381000" y="685800"/>
             <a:ext cx="6096000" cy="3429000"/>
           </a:xfrm>
           <a:custGeom>
-            <a:rect b="b" l="l" r="r" t="t"/>
+            <a:avLst/>
+            <a:gdLst/>
+            <a:ahLst/>
+            <a:cxnLst/>
+            <a:rect l="l" t="t" r="r" b="b"/>
             <a:pathLst>
-              <a:path extrusionOk="0" h="120000" w="120000">
+              <a:path w="120000" h="120000" extrusionOk="0">
                 <a:moveTo>
                   <a:pt x="0" y="0"/>
                 </a:moveTo>
@@ -1255,10 +1320,12 @@
       </p:sp>
       <p:sp>
         <p:nvSpPr>
-          <p:cNvPr id="70" name="Google Shape;70;g1b22dca60e7_0_244:notes"/>
-          <p:cNvSpPr txBox="1"/>
+          <p:cNvPr id="131" name="Google Shape;131;g1b22dca60e7_0_283:notes"/>
+          <p:cNvSpPr txBox="1">
+            <a:spLocks noGrp="1"/>
+          </p:cNvSpPr>
           <p:nvPr>
-            <p:ph idx="1" type="body"/>
+            <p:ph type="body" idx="1"/>
           </p:nvPr>
         </p:nvSpPr>
         <p:spPr>
@@ -1271,12 +1338,12 @@
           </a:prstGeom>
         </p:spPr>
         <p:txBody>
-          <a:bodyPr anchorCtr="0" anchor="t" bIns="91425" lIns="91425" spcFirstLastPara="1" rIns="91425" wrap="square" tIns="91425">
+          <a:bodyPr spcFirstLastPara="1" wrap="square" lIns="91425" tIns="91425" rIns="91425" bIns="91425" anchor="t" anchorCtr="0">
             <a:noAutofit/>
           </a:bodyPr>
           <a:lstStyle/>
           <a:p>
-            <a:pPr indent="0" lvl="0" marL="0" rtl="0" algn="l">
+            <a:pPr marL="0" lvl="0" indent="0" algn="l" rtl="0">
               <a:spcBef>
                 <a:spcPts val="0"/>
               </a:spcBef>
@@ -1285,14 +1352,16 @@
               </a:spcAft>
               <a:buNone/>
             </a:pPr>
-            <a:r>
-              <a:t/>
-            </a:r>
             <a:endParaRPr/>
           </a:p>
         </p:txBody>
       </p:sp>
     </p:spTree>
+    <p:extLst>
+      <p:ext uri="{BB962C8B-B14F-4D97-AF65-F5344CB8AC3E}">
+        <p14:creationId xmlns:p14="http://schemas.microsoft.com/office/powerpoint/2010/main" val="2630348391"/>
+      </p:ext>
+    </p:extLst>
   </p:cSld>
   <p:clrMapOvr>
     <a:masterClrMapping/>
@@ -1300,12 +1369,12 @@
 </p:notes>
 </file>
 
-<file path=ppt/notesSlides/notesSlide4.xml><?xml version="1.0" encoding="utf-8"?>
-<p:notes xmlns:a="http://schemas.openxmlformats.org/drawingml/2006/main" xmlns:r="http://schemas.openxmlformats.org/officeDocument/2006/relationships" xmlns:mc="http://schemas.openxmlformats.org/markup-compatibility/2006" xmlns:mv="urn:schemas-microsoft-com:mac:vml" xmlns:p="http://schemas.openxmlformats.org/presentationml/2006/main" xmlns:c="http://schemas.openxmlformats.org/drawingml/2006/chart" xmlns:dgm="http://schemas.openxmlformats.org/drawingml/2006/diagram" xmlns:o="urn:schemas-microsoft-com:office:office" xmlns:v="urn:schemas-microsoft-com:vml" xmlns:pvml="urn:schemas-microsoft-com:office:powerpoint" xmlns:com="http://schemas.openxmlformats.org/drawingml/2006/compatibility" xmlns:p14="http://schemas.microsoft.com/office/powerpoint/2010/main" xmlns:p15="http://schemas.microsoft.com/office/powerpoint/2012/main" xmlns:ahyp="http://schemas.microsoft.com/office/drawing/2018/hyperlinkcolor" showMasterPhAnim="0" showMasterSp="0">
+<file path=ppt/notesSlides/notesSlide15.xml><?xml version="1.0" encoding="utf-8"?>
+<p:notes xmlns:a="http://schemas.openxmlformats.org/drawingml/2006/main" xmlns:r="http://schemas.openxmlformats.org/officeDocument/2006/relationships" xmlns:p="http://schemas.openxmlformats.org/presentationml/2006/main" showMasterSp="0" showMasterPhAnim="0">
   <p:cSld>
     <p:spTree>
       <p:nvGrpSpPr>
-        <p:cNvPr id="76" name="Shape 76"/>
+        <p:cNvPr id="1" name="Shape 121"/>
         <p:cNvGrpSpPr/>
         <p:nvPr/>
       </p:nvGrpSpPr>
@@ -1319,21 +1388,27 @@
       </p:grpSpPr>
       <p:sp>
         <p:nvSpPr>
-          <p:cNvPr id="77" name="Google Shape;77;g1b22dca60e7_0_251:notes"/>
-          <p:cNvSpPr/>
+          <p:cNvPr id="122" name="Google Shape;122;g1b22dca60e7_0_276:notes"/>
+          <p:cNvSpPr>
+            <a:spLocks noGrp="1" noRot="1" noChangeAspect="1"/>
+          </p:cNvSpPr>
           <p:nvPr>
-            <p:ph idx="2" type="sldImg"/>
+            <p:ph type="sldImg" idx="2"/>
           </p:nvPr>
         </p:nvSpPr>
         <p:spPr>
           <a:xfrm>
-            <a:off x="381300" y="685800"/>
+            <a:off x="381000" y="685800"/>
             <a:ext cx="6096000" cy="3429000"/>
           </a:xfrm>
           <a:custGeom>
-            <a:rect b="b" l="l" r="r" t="t"/>
+            <a:avLst/>
+            <a:gdLst/>
+            <a:ahLst/>
+            <a:cxnLst/>
+            <a:rect l="l" t="t" r="r" b="b"/>
             <a:pathLst>
-              <a:path extrusionOk="0" h="120000" w="120000">
+              <a:path w="120000" h="120000" extrusionOk="0">
                 <a:moveTo>
                   <a:pt x="0" y="0"/>
                 </a:moveTo>
@@ -1354,10 +1429,12 @@
       </p:sp>
       <p:sp>
         <p:nvSpPr>
-          <p:cNvPr id="78" name="Google Shape;78;g1b22dca60e7_0_251:notes"/>
-          <p:cNvSpPr txBox="1"/>
+          <p:cNvPr id="123" name="Google Shape;123;g1b22dca60e7_0_276:notes"/>
+          <p:cNvSpPr txBox="1">
+            <a:spLocks noGrp="1"/>
+          </p:cNvSpPr>
           <p:nvPr>
-            <p:ph idx="1" type="body"/>
+            <p:ph type="body" idx="1"/>
           </p:nvPr>
         </p:nvSpPr>
         <p:spPr>
@@ -1370,12 +1447,12 @@
           </a:prstGeom>
         </p:spPr>
         <p:txBody>
-          <a:bodyPr anchorCtr="0" anchor="t" bIns="91425" lIns="91425" spcFirstLastPara="1" rIns="91425" wrap="square" tIns="91425">
+          <a:bodyPr spcFirstLastPara="1" wrap="square" lIns="91425" tIns="91425" rIns="91425" bIns="91425" anchor="t" anchorCtr="0">
             <a:noAutofit/>
           </a:bodyPr>
           <a:lstStyle/>
           <a:p>
-            <a:pPr indent="0" lvl="0" marL="0" rtl="0" algn="l">
+            <a:pPr marL="0" lvl="0" indent="0" algn="l" rtl="0">
               <a:spcBef>
                 <a:spcPts val="0"/>
               </a:spcBef>
@@ -1384,9 +1461,6 @@
               </a:spcAft>
               <a:buNone/>
             </a:pPr>
-            <a:r>
-              <a:t/>
-            </a:r>
             <a:endParaRPr/>
           </a:p>
         </p:txBody>
@@ -1399,12 +1473,12 @@
 </p:notes>
 </file>
 
-<file path=ppt/notesSlides/notesSlide5.xml><?xml version="1.0" encoding="utf-8"?>
-<p:notes xmlns:a="http://schemas.openxmlformats.org/drawingml/2006/main" xmlns:r="http://schemas.openxmlformats.org/officeDocument/2006/relationships" xmlns:mc="http://schemas.openxmlformats.org/markup-compatibility/2006" xmlns:mv="urn:schemas-microsoft-com:mac:vml" xmlns:p="http://schemas.openxmlformats.org/presentationml/2006/main" xmlns:c="http://schemas.openxmlformats.org/drawingml/2006/chart" xmlns:dgm="http://schemas.openxmlformats.org/drawingml/2006/diagram" xmlns:o="urn:schemas-microsoft-com:office:office" xmlns:v="urn:schemas-microsoft-com:vml" xmlns:pvml="urn:schemas-microsoft-com:office:powerpoint" xmlns:com="http://schemas.openxmlformats.org/drawingml/2006/compatibility" xmlns:p14="http://schemas.microsoft.com/office/powerpoint/2010/main" xmlns:p15="http://schemas.microsoft.com/office/powerpoint/2012/main" xmlns:ahyp="http://schemas.microsoft.com/office/drawing/2018/hyperlinkcolor" showMasterPhAnim="0" showMasterSp="0">
+<file path=ppt/notesSlides/notesSlide16.xml><?xml version="1.0" encoding="utf-8"?>
+<p:notes xmlns:a="http://schemas.openxmlformats.org/drawingml/2006/main" xmlns:r="http://schemas.openxmlformats.org/officeDocument/2006/relationships" xmlns:p="http://schemas.openxmlformats.org/presentationml/2006/main" showMasterSp="0" showMasterPhAnim="0">
   <p:cSld>
     <p:spTree>
       <p:nvGrpSpPr>
-        <p:cNvPr id="84" name="Shape 84"/>
+        <p:cNvPr id="1" name="Shape 136"/>
         <p:cNvGrpSpPr/>
         <p:nvPr/>
       </p:nvGrpSpPr>
@@ -1418,10 +1492,12 @@
       </p:grpSpPr>
       <p:sp>
         <p:nvSpPr>
-          <p:cNvPr id="85" name="Google Shape;85;g1b22dca60e7_0_304:notes"/>
-          <p:cNvSpPr/>
+          <p:cNvPr id="137" name="Google Shape;137;g1b22dca60e7_0_310:notes"/>
+          <p:cNvSpPr>
+            <a:spLocks noGrp="1" noRot="1" noChangeAspect="1"/>
+          </p:cNvSpPr>
           <p:nvPr>
-            <p:ph idx="2" type="sldImg"/>
+            <p:ph type="sldImg" idx="2"/>
           </p:nvPr>
         </p:nvSpPr>
         <p:spPr>
@@ -1430,9 +1506,13 @@
             <a:ext cx="6096000" cy="3429000"/>
           </a:xfrm>
           <a:custGeom>
-            <a:rect b="b" l="l" r="r" t="t"/>
+            <a:avLst/>
+            <a:gdLst/>
+            <a:ahLst/>
+            <a:cxnLst/>
+            <a:rect l="l" t="t" r="r" b="b"/>
             <a:pathLst>
-              <a:path extrusionOk="0" h="120000" w="120000">
+              <a:path w="120000" h="120000" extrusionOk="0">
                 <a:moveTo>
                   <a:pt x="0" y="0"/>
                 </a:moveTo>
@@ -1453,10 +1533,12 @@
       </p:sp>
       <p:sp>
         <p:nvSpPr>
-          <p:cNvPr id="86" name="Google Shape;86;g1b22dca60e7_0_304:notes"/>
-          <p:cNvSpPr txBox="1"/>
+          <p:cNvPr id="138" name="Google Shape;138;g1b22dca60e7_0_310:notes"/>
+          <p:cNvSpPr txBox="1">
+            <a:spLocks noGrp="1"/>
+          </p:cNvSpPr>
           <p:nvPr>
-            <p:ph idx="1" type="body"/>
+            <p:ph type="body" idx="1"/>
           </p:nvPr>
         </p:nvSpPr>
         <p:spPr>
@@ -1469,12 +1551,12 @@
           </a:prstGeom>
         </p:spPr>
         <p:txBody>
-          <a:bodyPr anchorCtr="0" anchor="t" bIns="91425" lIns="91425" spcFirstLastPara="1" rIns="91425" wrap="square" tIns="91425">
+          <a:bodyPr spcFirstLastPara="1" wrap="square" lIns="91425" tIns="91425" rIns="91425" bIns="91425" anchor="t" anchorCtr="0">
             <a:noAutofit/>
           </a:bodyPr>
           <a:lstStyle/>
           <a:p>
-            <a:pPr indent="0" lvl="0" marL="0" rtl="0" algn="l">
+            <a:pPr marL="0" lvl="0" indent="0" algn="l" rtl="0">
               <a:spcBef>
                 <a:spcPts val="0"/>
               </a:spcBef>
@@ -1483,9 +1565,6 @@
               </a:spcAft>
               <a:buNone/>
             </a:pPr>
-            <a:r>
-              <a:t/>
-            </a:r>
             <a:endParaRPr/>
           </a:p>
         </p:txBody>
@@ -1498,12 +1577,12 @@
 </p:notes>
 </file>
 
-<file path=ppt/notesSlides/notesSlide6.xml><?xml version="1.0" encoding="utf-8"?>
-<p:notes xmlns:a="http://schemas.openxmlformats.org/drawingml/2006/main" xmlns:r="http://schemas.openxmlformats.org/officeDocument/2006/relationships" xmlns:mc="http://schemas.openxmlformats.org/markup-compatibility/2006" xmlns:mv="urn:schemas-microsoft-com:mac:vml" xmlns:p="http://schemas.openxmlformats.org/presentationml/2006/main" xmlns:c="http://schemas.openxmlformats.org/drawingml/2006/chart" xmlns:dgm="http://schemas.openxmlformats.org/drawingml/2006/diagram" xmlns:o="urn:schemas-microsoft-com:office:office" xmlns:v="urn:schemas-microsoft-com:vml" xmlns:pvml="urn:schemas-microsoft-com:office:powerpoint" xmlns:com="http://schemas.openxmlformats.org/drawingml/2006/compatibility" xmlns:p14="http://schemas.microsoft.com/office/powerpoint/2010/main" xmlns:p15="http://schemas.microsoft.com/office/powerpoint/2012/main" xmlns:ahyp="http://schemas.microsoft.com/office/drawing/2018/hyperlinkcolor" showMasterPhAnim="0" showMasterSp="0">
+<file path=ppt/notesSlides/notesSlide2.xml><?xml version="1.0" encoding="utf-8"?>
+<p:notes xmlns:a="http://schemas.openxmlformats.org/drawingml/2006/main" xmlns:r="http://schemas.openxmlformats.org/officeDocument/2006/relationships" xmlns:p="http://schemas.openxmlformats.org/presentationml/2006/main" showMasterSp="0" showMasterPhAnim="0">
   <p:cSld>
     <p:spTree>
       <p:nvGrpSpPr>
-        <p:cNvPr id="91" name="Shape 91"/>
+        <p:cNvPr id="1" name="Shape 61"/>
         <p:cNvGrpSpPr/>
         <p:nvPr/>
       </p:nvGrpSpPr>
@@ -1517,10 +1596,12 @@
       </p:grpSpPr>
       <p:sp>
         <p:nvSpPr>
-          <p:cNvPr id="92" name="Google Shape;92;g1b22dca60e7_0_289:notes"/>
-          <p:cNvSpPr/>
+          <p:cNvPr id="62" name="Google Shape;62;g1b22dca60e7_0_56:notes"/>
+          <p:cNvSpPr>
+            <a:spLocks noGrp="1" noRot="1" noChangeAspect="1"/>
+          </p:cNvSpPr>
           <p:nvPr>
-            <p:ph idx="2" type="sldImg"/>
+            <p:ph type="sldImg" idx="2"/>
           </p:nvPr>
         </p:nvSpPr>
         <p:spPr>
@@ -1529,9 +1610,13 @@
             <a:ext cx="6096000" cy="3429000"/>
           </a:xfrm>
           <a:custGeom>
-            <a:rect b="b" l="l" r="r" t="t"/>
+            <a:avLst/>
+            <a:gdLst/>
+            <a:ahLst/>
+            <a:cxnLst/>
+            <a:rect l="l" t="t" r="r" b="b"/>
             <a:pathLst>
-              <a:path extrusionOk="0" h="120000" w="120000">
+              <a:path w="120000" h="120000" extrusionOk="0">
                 <a:moveTo>
                   <a:pt x="0" y="0"/>
                 </a:moveTo>
@@ -1552,10 +1637,12 @@
       </p:sp>
       <p:sp>
         <p:nvSpPr>
-          <p:cNvPr id="93" name="Google Shape;93;g1b22dca60e7_0_289:notes"/>
-          <p:cNvSpPr txBox="1"/>
+          <p:cNvPr id="63" name="Google Shape;63;g1b22dca60e7_0_56:notes"/>
+          <p:cNvSpPr txBox="1">
+            <a:spLocks noGrp="1"/>
+          </p:cNvSpPr>
           <p:nvPr>
-            <p:ph idx="1" type="body"/>
+            <p:ph type="body" idx="1"/>
           </p:nvPr>
         </p:nvSpPr>
         <p:spPr>
@@ -1568,12 +1655,12 @@
           </a:prstGeom>
         </p:spPr>
         <p:txBody>
-          <a:bodyPr anchorCtr="0" anchor="t" bIns="91425" lIns="91425" spcFirstLastPara="1" rIns="91425" wrap="square" tIns="91425">
+          <a:bodyPr spcFirstLastPara="1" wrap="square" lIns="91425" tIns="91425" rIns="91425" bIns="91425" anchor="t" anchorCtr="0">
             <a:noAutofit/>
           </a:bodyPr>
           <a:lstStyle/>
           <a:p>
-            <a:pPr indent="0" lvl="0" marL="0" rtl="0" algn="l">
+            <a:pPr marL="0" lvl="0" indent="0" algn="l" rtl="0">
               <a:spcBef>
                 <a:spcPts val="0"/>
               </a:spcBef>
@@ -1582,9 +1669,6 @@
               </a:spcAft>
               <a:buNone/>
             </a:pPr>
-            <a:r>
-              <a:t/>
-            </a:r>
             <a:endParaRPr/>
           </a:p>
         </p:txBody>
@@ -1597,12 +1681,12 @@
 </p:notes>
 </file>
 
-<file path=ppt/notesSlides/notesSlide7.xml><?xml version="1.0" encoding="utf-8"?>
-<p:notes xmlns:a="http://schemas.openxmlformats.org/drawingml/2006/main" xmlns:r="http://schemas.openxmlformats.org/officeDocument/2006/relationships" xmlns:mc="http://schemas.openxmlformats.org/markup-compatibility/2006" xmlns:mv="urn:schemas-microsoft-com:mac:vml" xmlns:p="http://schemas.openxmlformats.org/presentationml/2006/main" xmlns:c="http://schemas.openxmlformats.org/drawingml/2006/chart" xmlns:dgm="http://schemas.openxmlformats.org/drawingml/2006/diagram" xmlns:o="urn:schemas-microsoft-com:office:office" xmlns:v="urn:schemas-microsoft-com:vml" xmlns:pvml="urn:schemas-microsoft-com:office:powerpoint" xmlns:com="http://schemas.openxmlformats.org/drawingml/2006/compatibility" xmlns:p14="http://schemas.microsoft.com/office/powerpoint/2010/main" xmlns:p15="http://schemas.microsoft.com/office/powerpoint/2012/main" xmlns:ahyp="http://schemas.microsoft.com/office/drawing/2018/hyperlinkcolor" showMasterPhAnim="0" showMasterSp="0">
+<file path=ppt/notesSlides/notesSlide3.xml><?xml version="1.0" encoding="utf-8"?>
+<p:notes xmlns:a="http://schemas.openxmlformats.org/drawingml/2006/main" xmlns:r="http://schemas.openxmlformats.org/officeDocument/2006/relationships" xmlns:p="http://schemas.openxmlformats.org/presentationml/2006/main" showMasterSp="0" showMasterPhAnim="0">
   <p:cSld>
     <p:spTree>
       <p:nvGrpSpPr>
-        <p:cNvPr id="101" name="Shape 101"/>
+        <p:cNvPr id="1" name="Shape 68"/>
         <p:cNvGrpSpPr/>
         <p:nvPr/>
       </p:nvGrpSpPr>
@@ -1616,10 +1700,12 @@
       </p:grpSpPr>
       <p:sp>
         <p:nvSpPr>
-          <p:cNvPr id="102" name="Google Shape;102;g1b22dca60e7_0_258:notes"/>
-          <p:cNvSpPr/>
+          <p:cNvPr id="69" name="Google Shape;69;g1b22dca60e7_0_244:notes"/>
+          <p:cNvSpPr>
+            <a:spLocks noGrp="1" noRot="1" noChangeAspect="1"/>
+          </p:cNvSpPr>
           <p:nvPr>
-            <p:ph idx="2" type="sldImg"/>
+            <p:ph type="sldImg" idx="2"/>
           </p:nvPr>
         </p:nvSpPr>
         <p:spPr>
@@ -1628,9 +1714,13 @@
             <a:ext cx="6096000" cy="3429000"/>
           </a:xfrm>
           <a:custGeom>
-            <a:rect b="b" l="l" r="r" t="t"/>
+            <a:avLst/>
+            <a:gdLst/>
+            <a:ahLst/>
+            <a:cxnLst/>
+            <a:rect l="l" t="t" r="r" b="b"/>
             <a:pathLst>
-              <a:path extrusionOk="0" h="120000" w="120000">
+              <a:path w="120000" h="120000" extrusionOk="0">
                 <a:moveTo>
                   <a:pt x="0" y="0"/>
                 </a:moveTo>
@@ -1651,10 +1741,12 @@
       </p:sp>
       <p:sp>
         <p:nvSpPr>
-          <p:cNvPr id="103" name="Google Shape;103;g1b22dca60e7_0_258:notes"/>
-          <p:cNvSpPr txBox="1"/>
+          <p:cNvPr id="70" name="Google Shape;70;g1b22dca60e7_0_244:notes"/>
+          <p:cNvSpPr txBox="1">
+            <a:spLocks noGrp="1"/>
+          </p:cNvSpPr>
           <p:nvPr>
-            <p:ph idx="1" type="body"/>
+            <p:ph type="body" idx="1"/>
           </p:nvPr>
         </p:nvSpPr>
         <p:spPr>
@@ -1667,12 +1759,12 @@
           </a:prstGeom>
         </p:spPr>
         <p:txBody>
-          <a:bodyPr anchorCtr="0" anchor="t" bIns="91425" lIns="91425" spcFirstLastPara="1" rIns="91425" wrap="square" tIns="91425">
+          <a:bodyPr spcFirstLastPara="1" wrap="square" lIns="91425" tIns="91425" rIns="91425" bIns="91425" anchor="t" anchorCtr="0">
             <a:noAutofit/>
           </a:bodyPr>
           <a:lstStyle/>
           <a:p>
-            <a:pPr indent="0" lvl="0" marL="0" rtl="0" algn="l">
+            <a:pPr marL="0" lvl="0" indent="0" algn="l" rtl="0">
               <a:spcBef>
                 <a:spcPts val="0"/>
               </a:spcBef>
@@ -1681,9 +1773,6 @@
               </a:spcAft>
               <a:buNone/>
             </a:pPr>
-            <a:r>
-              <a:t/>
-            </a:r>
             <a:endParaRPr/>
           </a:p>
         </p:txBody>
@@ -1696,12 +1785,12 @@
 </p:notes>
 </file>
 
-<file path=ppt/notesSlides/notesSlide8.xml><?xml version="1.0" encoding="utf-8"?>
-<p:notes xmlns:a="http://schemas.openxmlformats.org/drawingml/2006/main" xmlns:r="http://schemas.openxmlformats.org/officeDocument/2006/relationships" xmlns:mc="http://schemas.openxmlformats.org/markup-compatibility/2006" xmlns:mv="urn:schemas-microsoft-com:mac:vml" xmlns:p="http://schemas.openxmlformats.org/presentationml/2006/main" xmlns:c="http://schemas.openxmlformats.org/drawingml/2006/chart" xmlns:dgm="http://schemas.openxmlformats.org/drawingml/2006/diagram" xmlns:o="urn:schemas-microsoft-com:office:office" xmlns:v="urn:schemas-microsoft-com:vml" xmlns:pvml="urn:schemas-microsoft-com:office:powerpoint" xmlns:com="http://schemas.openxmlformats.org/drawingml/2006/compatibility" xmlns:p14="http://schemas.microsoft.com/office/powerpoint/2010/main" xmlns:p15="http://schemas.microsoft.com/office/powerpoint/2012/main" xmlns:ahyp="http://schemas.microsoft.com/office/drawing/2018/hyperlinkcolor" showMasterPhAnim="0" showMasterSp="0">
+<file path=ppt/notesSlides/notesSlide4.xml><?xml version="1.0" encoding="utf-8"?>
+<p:notes xmlns:a="http://schemas.openxmlformats.org/drawingml/2006/main" xmlns:r="http://schemas.openxmlformats.org/officeDocument/2006/relationships" xmlns:p="http://schemas.openxmlformats.org/presentationml/2006/main" showMasterSp="0" showMasterPhAnim="0">
   <p:cSld>
     <p:spTree>
       <p:nvGrpSpPr>
-        <p:cNvPr id="108" name="Shape 108"/>
+        <p:cNvPr id="1" name="Shape 76"/>
         <p:cNvGrpSpPr/>
         <p:nvPr/>
       </p:nvGrpSpPr>
@@ -1715,10 +1804,12 @@
       </p:grpSpPr>
       <p:sp>
         <p:nvSpPr>
-          <p:cNvPr id="109" name="Google Shape;109;g1b22dca60e7_0_264:notes"/>
-          <p:cNvSpPr/>
+          <p:cNvPr id="77" name="Google Shape;77;g1b22dca60e7_0_251:notes"/>
+          <p:cNvSpPr>
+            <a:spLocks noGrp="1" noRot="1" noChangeAspect="1"/>
+          </p:cNvSpPr>
           <p:nvPr>
-            <p:ph idx="2" type="sldImg"/>
+            <p:ph type="sldImg" idx="2"/>
           </p:nvPr>
         </p:nvSpPr>
         <p:spPr>
@@ -1727,9 +1818,13 @@
             <a:ext cx="6096000" cy="3429000"/>
           </a:xfrm>
           <a:custGeom>
-            <a:rect b="b" l="l" r="r" t="t"/>
+            <a:avLst/>
+            <a:gdLst/>
+            <a:ahLst/>
+            <a:cxnLst/>
+            <a:rect l="l" t="t" r="r" b="b"/>
             <a:pathLst>
-              <a:path extrusionOk="0" h="120000" w="120000">
+              <a:path w="120000" h="120000" extrusionOk="0">
                 <a:moveTo>
                   <a:pt x="0" y="0"/>
                 </a:moveTo>
@@ -1750,10 +1845,12 @@
       </p:sp>
       <p:sp>
         <p:nvSpPr>
-          <p:cNvPr id="110" name="Google Shape;110;g1b22dca60e7_0_264:notes"/>
-          <p:cNvSpPr txBox="1"/>
+          <p:cNvPr id="78" name="Google Shape;78;g1b22dca60e7_0_251:notes"/>
+          <p:cNvSpPr txBox="1">
+            <a:spLocks noGrp="1"/>
+          </p:cNvSpPr>
           <p:nvPr>
-            <p:ph idx="1" type="body"/>
+            <p:ph type="body" idx="1"/>
           </p:nvPr>
         </p:nvSpPr>
         <p:spPr>
@@ -1766,12 +1863,12 @@
           </a:prstGeom>
         </p:spPr>
         <p:txBody>
-          <a:bodyPr anchorCtr="0" anchor="t" bIns="91425" lIns="91425" spcFirstLastPara="1" rIns="91425" wrap="square" tIns="91425">
+          <a:bodyPr spcFirstLastPara="1" wrap="square" lIns="91425" tIns="91425" rIns="91425" bIns="91425" anchor="t" anchorCtr="0">
             <a:noAutofit/>
           </a:bodyPr>
           <a:lstStyle/>
           <a:p>
-            <a:pPr indent="0" lvl="0" marL="0" rtl="0" algn="l">
+            <a:pPr marL="0" lvl="0" indent="0" algn="l" rtl="0">
               <a:spcBef>
                 <a:spcPts val="0"/>
               </a:spcBef>
@@ -1780,9 +1877,6 @@
               </a:spcAft>
               <a:buNone/>
             </a:pPr>
-            <a:r>
-              <a:t/>
-            </a:r>
             <a:endParaRPr/>
           </a:p>
         </p:txBody>
@@ -1795,12 +1889,12 @@
 </p:notes>
 </file>
 
-<file path=ppt/notesSlides/notesSlide9.xml><?xml version="1.0" encoding="utf-8"?>
-<p:notes xmlns:a="http://schemas.openxmlformats.org/drawingml/2006/main" xmlns:r="http://schemas.openxmlformats.org/officeDocument/2006/relationships" xmlns:mc="http://schemas.openxmlformats.org/markup-compatibility/2006" xmlns:mv="urn:schemas-microsoft-com:mac:vml" xmlns:p="http://schemas.openxmlformats.org/presentationml/2006/main" xmlns:c="http://schemas.openxmlformats.org/drawingml/2006/chart" xmlns:dgm="http://schemas.openxmlformats.org/drawingml/2006/diagram" xmlns:o="urn:schemas-microsoft-com:office:office" xmlns:v="urn:schemas-microsoft-com:vml" xmlns:pvml="urn:schemas-microsoft-com:office:powerpoint" xmlns:com="http://schemas.openxmlformats.org/drawingml/2006/compatibility" xmlns:p14="http://schemas.microsoft.com/office/powerpoint/2010/main" xmlns:p15="http://schemas.microsoft.com/office/powerpoint/2012/main" xmlns:ahyp="http://schemas.microsoft.com/office/drawing/2018/hyperlinkcolor" showMasterPhAnim="0" showMasterSp="0">
+<file path=ppt/notesSlides/notesSlide5.xml><?xml version="1.0" encoding="utf-8"?>
+<p:notes xmlns:a="http://schemas.openxmlformats.org/drawingml/2006/main" xmlns:r="http://schemas.openxmlformats.org/officeDocument/2006/relationships" xmlns:p="http://schemas.openxmlformats.org/presentationml/2006/main" showMasterSp="0" showMasterPhAnim="0">
   <p:cSld>
     <p:spTree>
       <p:nvGrpSpPr>
-        <p:cNvPr id="115" name="Shape 115"/>
+        <p:cNvPr id="1" name="Shape 84"/>
         <p:cNvGrpSpPr/>
         <p:nvPr/>
       </p:nvGrpSpPr>
@@ -1814,10 +1908,12 @@
       </p:grpSpPr>
       <p:sp>
         <p:nvSpPr>
-          <p:cNvPr id="116" name="Google Shape;116;g1b22dca60e7_0_271:notes"/>
-          <p:cNvSpPr/>
+          <p:cNvPr id="85" name="Google Shape;85;g1b22dca60e7_0_304:notes"/>
+          <p:cNvSpPr>
+            <a:spLocks noGrp="1" noRot="1" noChangeAspect="1"/>
+          </p:cNvSpPr>
           <p:nvPr>
-            <p:ph idx="2" type="sldImg"/>
+            <p:ph type="sldImg" idx="2"/>
           </p:nvPr>
         </p:nvSpPr>
         <p:spPr>
@@ -1826,9 +1922,13 @@
             <a:ext cx="6096000" cy="3429000"/>
           </a:xfrm>
           <a:custGeom>
-            <a:rect b="b" l="l" r="r" t="t"/>
+            <a:avLst/>
+            <a:gdLst/>
+            <a:ahLst/>
+            <a:cxnLst/>
+            <a:rect l="l" t="t" r="r" b="b"/>
             <a:pathLst>
-              <a:path extrusionOk="0" h="120000" w="120000">
+              <a:path w="120000" h="120000" extrusionOk="0">
                 <a:moveTo>
                   <a:pt x="0" y="0"/>
                 </a:moveTo>
@@ -1849,10 +1949,12 @@
       </p:sp>
       <p:sp>
         <p:nvSpPr>
-          <p:cNvPr id="117" name="Google Shape;117;g1b22dca60e7_0_271:notes"/>
-          <p:cNvSpPr txBox="1"/>
+          <p:cNvPr id="86" name="Google Shape;86;g1b22dca60e7_0_304:notes"/>
+          <p:cNvSpPr txBox="1">
+            <a:spLocks noGrp="1"/>
+          </p:cNvSpPr>
           <p:nvPr>
-            <p:ph idx="1" type="body"/>
+            <p:ph type="body" idx="1"/>
           </p:nvPr>
         </p:nvSpPr>
         <p:spPr>
@@ -1865,12 +1967,12 @@
           </a:prstGeom>
         </p:spPr>
         <p:txBody>
-          <a:bodyPr anchorCtr="0" anchor="t" bIns="91425" lIns="91425" spcFirstLastPara="1" rIns="91425" wrap="square" tIns="91425">
+          <a:bodyPr spcFirstLastPara="1" wrap="square" lIns="91425" tIns="91425" rIns="91425" bIns="91425" anchor="t" anchorCtr="0">
             <a:noAutofit/>
           </a:bodyPr>
           <a:lstStyle/>
           <a:p>
-            <a:pPr indent="0" lvl="0" marL="0" rtl="0" algn="l">
+            <a:pPr marL="0" lvl="0" indent="0" algn="l" rtl="0">
               <a:spcBef>
                 <a:spcPts val="0"/>
               </a:spcBef>
@@ -1879,9 +1981,422 @@
               </a:spcAft>
               <a:buNone/>
             </a:pPr>
-            <a:r>
-              <a:t/>
-            </a:r>
+            <a:endParaRPr/>
+          </a:p>
+        </p:txBody>
+      </p:sp>
+    </p:spTree>
+  </p:cSld>
+  <p:clrMapOvr>
+    <a:masterClrMapping/>
+  </p:clrMapOvr>
+</p:notes>
+</file>
+
+<file path=ppt/notesSlides/notesSlide6.xml><?xml version="1.0" encoding="utf-8"?>
+<p:notes xmlns:a="http://schemas.openxmlformats.org/drawingml/2006/main" xmlns:r="http://schemas.openxmlformats.org/officeDocument/2006/relationships" xmlns:p="http://schemas.openxmlformats.org/presentationml/2006/main" showMasterSp="0" showMasterPhAnim="0">
+  <p:cSld>
+    <p:spTree>
+      <p:nvGrpSpPr>
+        <p:cNvPr id="1" name="Shape 91"/>
+        <p:cNvGrpSpPr/>
+        <p:nvPr/>
+      </p:nvGrpSpPr>
+      <p:grpSpPr>
+        <a:xfrm>
+          <a:off x="0" y="0"/>
+          <a:ext cx="0" cy="0"/>
+          <a:chOff x="0" y="0"/>
+          <a:chExt cx="0" cy="0"/>
+        </a:xfrm>
+      </p:grpSpPr>
+      <p:sp>
+        <p:nvSpPr>
+          <p:cNvPr id="92" name="Google Shape;92;g1b22dca60e7_0_289:notes"/>
+          <p:cNvSpPr>
+            <a:spLocks noGrp="1" noRot="1" noChangeAspect="1"/>
+          </p:cNvSpPr>
+          <p:nvPr>
+            <p:ph type="sldImg" idx="2"/>
+          </p:nvPr>
+        </p:nvSpPr>
+        <p:spPr>
+          <a:xfrm>
+            <a:off x="381300" y="685800"/>
+            <a:ext cx="6096000" cy="3429000"/>
+          </a:xfrm>
+          <a:custGeom>
+            <a:avLst/>
+            <a:gdLst/>
+            <a:ahLst/>
+            <a:cxnLst/>
+            <a:rect l="l" t="t" r="r" b="b"/>
+            <a:pathLst>
+              <a:path w="120000" h="120000" extrusionOk="0">
+                <a:moveTo>
+                  <a:pt x="0" y="0"/>
+                </a:moveTo>
+                <a:lnTo>
+                  <a:pt x="120000" y="0"/>
+                </a:lnTo>
+                <a:lnTo>
+                  <a:pt x="120000" y="120000"/>
+                </a:lnTo>
+                <a:lnTo>
+                  <a:pt x="0" y="120000"/>
+                </a:lnTo>
+                <a:close/>
+              </a:path>
+            </a:pathLst>
+          </a:custGeom>
+        </p:spPr>
+      </p:sp>
+      <p:sp>
+        <p:nvSpPr>
+          <p:cNvPr id="93" name="Google Shape;93;g1b22dca60e7_0_289:notes"/>
+          <p:cNvSpPr txBox="1">
+            <a:spLocks noGrp="1"/>
+          </p:cNvSpPr>
+          <p:nvPr>
+            <p:ph type="body" idx="1"/>
+          </p:nvPr>
+        </p:nvSpPr>
+        <p:spPr>
+          <a:xfrm>
+            <a:off x="685800" y="4343400"/>
+            <a:ext cx="5486400" cy="4114800"/>
+          </a:xfrm>
+          <a:prstGeom prst="rect">
+            <a:avLst/>
+          </a:prstGeom>
+        </p:spPr>
+        <p:txBody>
+          <a:bodyPr spcFirstLastPara="1" wrap="square" lIns="91425" tIns="91425" rIns="91425" bIns="91425" anchor="t" anchorCtr="0">
+            <a:noAutofit/>
+          </a:bodyPr>
+          <a:lstStyle/>
+          <a:p>
+            <a:pPr marL="0" lvl="0" indent="0" algn="l" rtl="0">
+              <a:spcBef>
+                <a:spcPts val="0"/>
+              </a:spcBef>
+              <a:spcAft>
+                <a:spcPts val="0"/>
+              </a:spcAft>
+              <a:buNone/>
+            </a:pPr>
+            <a:endParaRPr/>
+          </a:p>
+        </p:txBody>
+      </p:sp>
+    </p:spTree>
+  </p:cSld>
+  <p:clrMapOvr>
+    <a:masterClrMapping/>
+  </p:clrMapOvr>
+</p:notes>
+</file>
+
+<file path=ppt/notesSlides/notesSlide7.xml><?xml version="1.0" encoding="utf-8"?>
+<p:notes xmlns:a="http://schemas.openxmlformats.org/drawingml/2006/main" xmlns:r="http://schemas.openxmlformats.org/officeDocument/2006/relationships" xmlns:p="http://schemas.openxmlformats.org/presentationml/2006/main" showMasterSp="0" showMasterPhAnim="0">
+  <p:cSld>
+    <p:spTree>
+      <p:nvGrpSpPr>
+        <p:cNvPr id="1" name="Shape 101"/>
+        <p:cNvGrpSpPr/>
+        <p:nvPr/>
+      </p:nvGrpSpPr>
+      <p:grpSpPr>
+        <a:xfrm>
+          <a:off x="0" y="0"/>
+          <a:ext cx="0" cy="0"/>
+          <a:chOff x="0" y="0"/>
+          <a:chExt cx="0" cy="0"/>
+        </a:xfrm>
+      </p:grpSpPr>
+      <p:sp>
+        <p:nvSpPr>
+          <p:cNvPr id="102" name="Google Shape;102;g1b22dca60e7_0_258:notes"/>
+          <p:cNvSpPr>
+            <a:spLocks noGrp="1" noRot="1" noChangeAspect="1"/>
+          </p:cNvSpPr>
+          <p:nvPr>
+            <p:ph type="sldImg" idx="2"/>
+          </p:nvPr>
+        </p:nvSpPr>
+        <p:spPr>
+          <a:xfrm>
+            <a:off x="381300" y="685800"/>
+            <a:ext cx="6096000" cy="3429000"/>
+          </a:xfrm>
+          <a:custGeom>
+            <a:avLst/>
+            <a:gdLst/>
+            <a:ahLst/>
+            <a:cxnLst/>
+            <a:rect l="l" t="t" r="r" b="b"/>
+            <a:pathLst>
+              <a:path w="120000" h="120000" extrusionOk="0">
+                <a:moveTo>
+                  <a:pt x="0" y="0"/>
+                </a:moveTo>
+                <a:lnTo>
+                  <a:pt x="120000" y="0"/>
+                </a:lnTo>
+                <a:lnTo>
+                  <a:pt x="120000" y="120000"/>
+                </a:lnTo>
+                <a:lnTo>
+                  <a:pt x="0" y="120000"/>
+                </a:lnTo>
+                <a:close/>
+              </a:path>
+            </a:pathLst>
+          </a:custGeom>
+        </p:spPr>
+      </p:sp>
+      <p:sp>
+        <p:nvSpPr>
+          <p:cNvPr id="103" name="Google Shape;103;g1b22dca60e7_0_258:notes"/>
+          <p:cNvSpPr txBox="1">
+            <a:spLocks noGrp="1"/>
+          </p:cNvSpPr>
+          <p:nvPr>
+            <p:ph type="body" idx="1"/>
+          </p:nvPr>
+        </p:nvSpPr>
+        <p:spPr>
+          <a:xfrm>
+            <a:off x="685800" y="4343400"/>
+            <a:ext cx="5486400" cy="4114800"/>
+          </a:xfrm>
+          <a:prstGeom prst="rect">
+            <a:avLst/>
+          </a:prstGeom>
+        </p:spPr>
+        <p:txBody>
+          <a:bodyPr spcFirstLastPara="1" wrap="square" lIns="91425" tIns="91425" rIns="91425" bIns="91425" anchor="t" anchorCtr="0">
+            <a:noAutofit/>
+          </a:bodyPr>
+          <a:lstStyle/>
+          <a:p>
+            <a:pPr marL="0" lvl="0" indent="0" algn="l" rtl="0">
+              <a:spcBef>
+                <a:spcPts val="0"/>
+              </a:spcBef>
+              <a:spcAft>
+                <a:spcPts val="0"/>
+              </a:spcAft>
+              <a:buNone/>
+            </a:pPr>
+            <a:endParaRPr/>
+          </a:p>
+        </p:txBody>
+      </p:sp>
+    </p:spTree>
+  </p:cSld>
+  <p:clrMapOvr>
+    <a:masterClrMapping/>
+  </p:clrMapOvr>
+</p:notes>
+</file>
+
+<file path=ppt/notesSlides/notesSlide8.xml><?xml version="1.0" encoding="utf-8"?>
+<p:notes xmlns:a="http://schemas.openxmlformats.org/drawingml/2006/main" xmlns:r="http://schemas.openxmlformats.org/officeDocument/2006/relationships" xmlns:p="http://schemas.openxmlformats.org/presentationml/2006/main" showMasterSp="0" showMasterPhAnim="0">
+  <p:cSld>
+    <p:spTree>
+      <p:nvGrpSpPr>
+        <p:cNvPr id="1" name="Shape 108"/>
+        <p:cNvGrpSpPr/>
+        <p:nvPr/>
+      </p:nvGrpSpPr>
+      <p:grpSpPr>
+        <a:xfrm>
+          <a:off x="0" y="0"/>
+          <a:ext cx="0" cy="0"/>
+          <a:chOff x="0" y="0"/>
+          <a:chExt cx="0" cy="0"/>
+        </a:xfrm>
+      </p:grpSpPr>
+      <p:sp>
+        <p:nvSpPr>
+          <p:cNvPr id="109" name="Google Shape;109;g1b22dca60e7_0_264:notes"/>
+          <p:cNvSpPr>
+            <a:spLocks noGrp="1" noRot="1" noChangeAspect="1"/>
+          </p:cNvSpPr>
+          <p:nvPr>
+            <p:ph type="sldImg" idx="2"/>
+          </p:nvPr>
+        </p:nvSpPr>
+        <p:spPr>
+          <a:xfrm>
+            <a:off x="381300" y="685800"/>
+            <a:ext cx="6096000" cy="3429000"/>
+          </a:xfrm>
+          <a:custGeom>
+            <a:avLst/>
+            <a:gdLst/>
+            <a:ahLst/>
+            <a:cxnLst/>
+            <a:rect l="l" t="t" r="r" b="b"/>
+            <a:pathLst>
+              <a:path w="120000" h="120000" extrusionOk="0">
+                <a:moveTo>
+                  <a:pt x="0" y="0"/>
+                </a:moveTo>
+                <a:lnTo>
+                  <a:pt x="120000" y="0"/>
+                </a:lnTo>
+                <a:lnTo>
+                  <a:pt x="120000" y="120000"/>
+                </a:lnTo>
+                <a:lnTo>
+                  <a:pt x="0" y="120000"/>
+                </a:lnTo>
+                <a:close/>
+              </a:path>
+            </a:pathLst>
+          </a:custGeom>
+        </p:spPr>
+      </p:sp>
+      <p:sp>
+        <p:nvSpPr>
+          <p:cNvPr id="110" name="Google Shape;110;g1b22dca60e7_0_264:notes"/>
+          <p:cNvSpPr txBox="1">
+            <a:spLocks noGrp="1"/>
+          </p:cNvSpPr>
+          <p:nvPr>
+            <p:ph type="body" idx="1"/>
+          </p:nvPr>
+        </p:nvSpPr>
+        <p:spPr>
+          <a:xfrm>
+            <a:off x="685800" y="4343400"/>
+            <a:ext cx="5486400" cy="4114800"/>
+          </a:xfrm>
+          <a:prstGeom prst="rect">
+            <a:avLst/>
+          </a:prstGeom>
+        </p:spPr>
+        <p:txBody>
+          <a:bodyPr spcFirstLastPara="1" wrap="square" lIns="91425" tIns="91425" rIns="91425" bIns="91425" anchor="t" anchorCtr="0">
+            <a:noAutofit/>
+          </a:bodyPr>
+          <a:lstStyle/>
+          <a:p>
+            <a:pPr marL="0" lvl="0" indent="0" algn="l" rtl="0">
+              <a:spcBef>
+                <a:spcPts val="0"/>
+              </a:spcBef>
+              <a:spcAft>
+                <a:spcPts val="0"/>
+              </a:spcAft>
+              <a:buNone/>
+            </a:pPr>
+            <a:endParaRPr/>
+          </a:p>
+        </p:txBody>
+      </p:sp>
+    </p:spTree>
+  </p:cSld>
+  <p:clrMapOvr>
+    <a:masterClrMapping/>
+  </p:clrMapOvr>
+</p:notes>
+</file>
+
+<file path=ppt/notesSlides/notesSlide9.xml><?xml version="1.0" encoding="utf-8"?>
+<p:notes xmlns:a="http://schemas.openxmlformats.org/drawingml/2006/main" xmlns:r="http://schemas.openxmlformats.org/officeDocument/2006/relationships" xmlns:p="http://schemas.openxmlformats.org/presentationml/2006/main" showMasterSp="0" showMasterPhAnim="0">
+  <p:cSld>
+    <p:spTree>
+      <p:nvGrpSpPr>
+        <p:cNvPr id="1" name="Shape 115"/>
+        <p:cNvGrpSpPr/>
+        <p:nvPr/>
+      </p:nvGrpSpPr>
+      <p:grpSpPr>
+        <a:xfrm>
+          <a:off x="0" y="0"/>
+          <a:ext cx="0" cy="0"/>
+          <a:chOff x="0" y="0"/>
+          <a:chExt cx="0" cy="0"/>
+        </a:xfrm>
+      </p:grpSpPr>
+      <p:sp>
+        <p:nvSpPr>
+          <p:cNvPr id="116" name="Google Shape;116;g1b22dca60e7_0_271:notes"/>
+          <p:cNvSpPr>
+            <a:spLocks noGrp="1" noRot="1" noChangeAspect="1"/>
+          </p:cNvSpPr>
+          <p:nvPr>
+            <p:ph type="sldImg" idx="2"/>
+          </p:nvPr>
+        </p:nvSpPr>
+        <p:spPr>
+          <a:xfrm>
+            <a:off x="381000" y="685800"/>
+            <a:ext cx="6096000" cy="3429000"/>
+          </a:xfrm>
+          <a:custGeom>
+            <a:avLst/>
+            <a:gdLst/>
+            <a:ahLst/>
+            <a:cxnLst/>
+            <a:rect l="l" t="t" r="r" b="b"/>
+            <a:pathLst>
+              <a:path w="120000" h="120000" extrusionOk="0">
+                <a:moveTo>
+                  <a:pt x="0" y="0"/>
+                </a:moveTo>
+                <a:lnTo>
+                  <a:pt x="120000" y="0"/>
+                </a:lnTo>
+                <a:lnTo>
+                  <a:pt x="120000" y="120000"/>
+                </a:lnTo>
+                <a:lnTo>
+                  <a:pt x="0" y="120000"/>
+                </a:lnTo>
+                <a:close/>
+              </a:path>
+            </a:pathLst>
+          </a:custGeom>
+        </p:spPr>
+      </p:sp>
+      <p:sp>
+        <p:nvSpPr>
+          <p:cNvPr id="117" name="Google Shape;117;g1b22dca60e7_0_271:notes"/>
+          <p:cNvSpPr txBox="1">
+            <a:spLocks noGrp="1"/>
+          </p:cNvSpPr>
+          <p:nvPr>
+            <p:ph type="body" idx="1"/>
+          </p:nvPr>
+        </p:nvSpPr>
+        <p:spPr>
+          <a:xfrm>
+            <a:off x="685800" y="4343400"/>
+            <a:ext cx="5486400" cy="4114800"/>
+          </a:xfrm>
+          <a:prstGeom prst="rect">
+            <a:avLst/>
+          </a:prstGeom>
+        </p:spPr>
+        <p:txBody>
+          <a:bodyPr spcFirstLastPara="1" wrap="square" lIns="91425" tIns="91425" rIns="91425" bIns="91425" anchor="t" anchorCtr="0">
+            <a:noAutofit/>
+          </a:bodyPr>
+          <a:lstStyle/>
+          <a:p>
+            <a:pPr marL="0" lvl="0" indent="0" algn="l" rtl="0">
+              <a:spcBef>
+                <a:spcPts val="0"/>
+              </a:spcBef>
+              <a:spcAft>
+                <a:spcPts val="0"/>
+              </a:spcAft>
+              <a:buNone/>
+            </a:pPr>
             <a:endParaRPr/>
           </a:p>
         </p:txBody>
@@ -1895,18 +2410,19 @@
 </file>
 
 <file path=ppt/slideLayouts/slideLayout1.xml><?xml version="1.0" encoding="utf-8"?>
-<p:sldLayout xmlns:a="http://schemas.openxmlformats.org/drawingml/2006/main" xmlns:r="http://schemas.openxmlformats.org/officeDocument/2006/relationships" xmlns:mc="http://schemas.openxmlformats.org/markup-compatibility/2006" xmlns:mv="urn:schemas-microsoft-com:mac:vml" xmlns:p="http://schemas.openxmlformats.org/presentationml/2006/main" xmlns:c="http://schemas.openxmlformats.org/drawingml/2006/chart" xmlns:dgm="http://schemas.openxmlformats.org/drawingml/2006/diagram" xmlns:o="urn:schemas-microsoft-com:office:office" xmlns:v="urn:schemas-microsoft-com:vml" xmlns:pvml="urn:schemas-microsoft-com:office:powerpoint" xmlns:com="http://schemas.openxmlformats.org/drawingml/2006/compatibility" xmlns:p14="http://schemas.microsoft.com/office/powerpoint/2010/main" xmlns:p15="http://schemas.microsoft.com/office/powerpoint/2012/main" xmlns:ahyp="http://schemas.microsoft.com/office/drawing/2018/hyperlinkcolor" matchingName="Title slide" type="title">
+<p:sldLayout xmlns:a="http://schemas.openxmlformats.org/drawingml/2006/main" xmlns:r="http://schemas.openxmlformats.org/officeDocument/2006/relationships" xmlns:p="http://schemas.openxmlformats.org/presentationml/2006/main" matchingName="Title slide" type="title">
   <p:cSld name="TITLE">
     <p:bg>
       <p:bgPr>
         <a:solidFill>
           <a:schemeClr val="dk1"/>
         </a:solidFill>
+        <a:effectLst/>
       </p:bgPr>
     </p:bg>
     <p:spTree>
       <p:nvGrpSpPr>
-        <p:cNvPr id="9" name="Shape 9"/>
+        <p:cNvPr id="1" name="Shape 9"/>
         <p:cNvGrpSpPr/>
         <p:nvPr/>
       </p:nvGrpSpPr>
@@ -1933,21 +2449,23 @@
             <a:avLst/>
           </a:prstGeom>
           <a:noFill/>
-          <a:ln cap="flat" cmpd="sng" w="19050">
+          <a:ln w="19050" cap="flat" cmpd="sng">
             <a:solidFill>
               <a:schemeClr val="lt2"/>
             </a:solidFill>
             <a:prstDash val="solid"/>
             <a:round/>
-            <a:headEnd len="sm" w="sm" type="none"/>
-            <a:tailEnd len="sm" w="sm" type="none"/>
+            <a:headEnd type="none" w="sm" len="sm"/>
+            <a:tailEnd type="none" w="sm" len="sm"/>
           </a:ln>
         </p:spPr>
       </p:cxnSp>
       <p:sp>
         <p:nvSpPr>
           <p:cNvPr id="11" name="Google Shape;11;p2"/>
-          <p:cNvSpPr txBox="1"/>
+          <p:cNvSpPr txBox="1">
+            <a:spLocks noGrp="1"/>
+          </p:cNvSpPr>
           <p:nvPr>
             <p:ph type="ctrTitle"/>
           </p:nvPr>
@@ -1962,7 +2480,7 @@
           </a:prstGeom>
         </p:spPr>
         <p:txBody>
-          <a:bodyPr anchorCtr="0" anchor="b" bIns="91425" lIns="91425" spcFirstLastPara="1" rIns="91425" wrap="square" tIns="91425">
+          <a:bodyPr spcFirstLastPara="1" wrap="square" lIns="91425" tIns="91425" rIns="91425" bIns="91425" anchor="b" anchorCtr="0">
             <a:normAutofit/>
           </a:bodyPr>
           <a:lstStyle>
@@ -2129,15 +2647,19 @@
               </a:defRPr>
             </a:lvl9pPr>
           </a:lstStyle>
-          <a:p/>
+          <a:p>
+            <a:endParaRPr/>
+          </a:p>
         </p:txBody>
       </p:sp>
       <p:sp>
         <p:nvSpPr>
           <p:cNvPr id="12" name="Google Shape;12;p2"/>
-          <p:cNvSpPr txBox="1"/>
+          <p:cNvSpPr txBox="1">
+            <a:spLocks noGrp="1"/>
+          </p:cNvSpPr>
           <p:nvPr>
-            <p:ph idx="1" type="subTitle"/>
+            <p:ph type="subTitle" idx="1"/>
           </p:nvPr>
         </p:nvSpPr>
         <p:spPr>
@@ -2150,7 +2672,7 @@
           </a:prstGeom>
         </p:spPr>
         <p:txBody>
-          <a:bodyPr anchorCtr="0" anchor="t" bIns="91425" lIns="91425" spcFirstLastPara="1" rIns="91425" wrap="square" tIns="91425">
+          <a:bodyPr spcFirstLastPara="1" wrap="square" lIns="91425" tIns="91425" rIns="91425" bIns="91425" anchor="t" anchorCtr="0">
             <a:normAutofit/>
           </a:bodyPr>
           <a:lstStyle>
@@ -2344,15 +2866,19 @@
               </a:defRPr>
             </a:lvl9pPr>
           </a:lstStyle>
-          <a:p/>
+          <a:p>
+            <a:endParaRPr/>
+          </a:p>
         </p:txBody>
       </p:sp>
       <p:sp>
         <p:nvSpPr>
           <p:cNvPr id="13" name="Google Shape;13;p2"/>
-          <p:cNvSpPr txBox="1"/>
+          <p:cNvSpPr txBox="1">
+            <a:spLocks noGrp="1"/>
+          </p:cNvSpPr>
           <p:nvPr>
-            <p:ph idx="12" type="sldNum"/>
+            <p:ph type="sldNum" idx="12"/>
           </p:nvPr>
         </p:nvSpPr>
         <p:spPr>
@@ -2365,7 +2891,7 @@
           </a:prstGeom>
         </p:spPr>
         <p:txBody>
-          <a:bodyPr anchorCtr="0" anchor="ctr" bIns="91425" lIns="91425" spcFirstLastPara="1" rIns="91425" wrap="square" tIns="91425">
+          <a:bodyPr spcFirstLastPara="1" wrap="square" lIns="91425" tIns="91425" rIns="91425" bIns="91425" anchor="ctr" anchorCtr="0">
             <a:normAutofit/>
           </a:bodyPr>
           <a:lstStyle>
@@ -2443,7 +2969,7 @@
             </a:lvl9pPr>
           </a:lstStyle>
           <a:p>
-            <a:pPr indent="0" lvl="0" marL="0" rtl="0" algn="r">
+            <a:pPr marL="0" lvl="0" indent="0" algn="r" rtl="0">
               <a:spcBef>
                 <a:spcPts val="0"/>
               </a:spcBef>
@@ -2469,11 +2995,11 @@
 </file>
 
 <file path=ppt/slideLayouts/slideLayout10.xml><?xml version="1.0" encoding="utf-8"?>
-<p:sldLayout xmlns:a="http://schemas.openxmlformats.org/drawingml/2006/main" xmlns:r="http://schemas.openxmlformats.org/officeDocument/2006/relationships" xmlns:mc="http://schemas.openxmlformats.org/markup-compatibility/2006" xmlns:mv="urn:schemas-microsoft-com:mac:vml" xmlns:p="http://schemas.openxmlformats.org/presentationml/2006/main" xmlns:c="http://schemas.openxmlformats.org/drawingml/2006/chart" xmlns:dgm="http://schemas.openxmlformats.org/drawingml/2006/diagram" xmlns:o="urn:schemas-microsoft-com:office:office" xmlns:v="urn:schemas-microsoft-com:vml" xmlns:pvml="urn:schemas-microsoft-com:office:powerpoint" xmlns:com="http://schemas.openxmlformats.org/drawingml/2006/compatibility" xmlns:p14="http://schemas.microsoft.com/office/powerpoint/2010/main" xmlns:p15="http://schemas.microsoft.com/office/powerpoint/2012/main" xmlns:ahyp="http://schemas.microsoft.com/office/drawing/2018/hyperlinkcolor" matchingName="Big number">
+<p:sldLayout xmlns:a="http://schemas.openxmlformats.org/drawingml/2006/main" xmlns:r="http://schemas.openxmlformats.org/officeDocument/2006/relationships" xmlns:p="http://schemas.openxmlformats.org/presentationml/2006/main" matchingName="Big number">
   <p:cSld name="BIG_NUMBER">
     <p:spTree>
       <p:nvGrpSpPr>
-        <p:cNvPr id="48" name="Shape 48"/>
+        <p:cNvPr id="1" name="Shape 48"/>
         <p:cNvGrpSpPr/>
         <p:nvPr/>
       </p:nvGrpSpPr>
@@ -2507,12 +3033,12 @@
           </a:ln>
         </p:spPr>
         <p:txBody>
-          <a:bodyPr anchorCtr="0" anchor="ctr" bIns="91425" lIns="91425" spcFirstLastPara="1" rIns="91425" wrap="square" tIns="91425">
+          <a:bodyPr spcFirstLastPara="1" wrap="square" lIns="91425" tIns="91425" rIns="91425" bIns="91425" anchor="ctr" anchorCtr="0">
             <a:noAutofit/>
           </a:bodyPr>
           <a:lstStyle/>
           <a:p>
-            <a:pPr indent="0" lvl="0" marL="0" rtl="0" algn="l">
+            <a:pPr marL="0" lvl="0" indent="0" algn="l" rtl="0">
               <a:spcBef>
                 <a:spcPts val="0"/>
               </a:spcBef>
@@ -2521,9 +3047,6 @@
               </a:spcAft>
               <a:buNone/>
             </a:pPr>
-            <a:r>
-              <a:t/>
-            </a:r>
             <a:endParaRPr/>
           </a:p>
         </p:txBody>
@@ -2531,9 +3054,11 @@
       <p:sp>
         <p:nvSpPr>
           <p:cNvPr id="50" name="Google Shape;50;p11"/>
-          <p:cNvSpPr txBox="1"/>
+          <p:cNvSpPr txBox="1">
+            <a:spLocks noGrp="1"/>
+          </p:cNvSpPr>
           <p:nvPr>
-            <p:ph hasCustomPrompt="1" type="title"/>
+            <p:ph type="title" hasCustomPrompt="1"/>
           </p:nvPr>
         </p:nvSpPr>
         <p:spPr>
@@ -2546,7 +3071,7 @@
           </a:prstGeom>
         </p:spPr>
         <p:txBody>
-          <a:bodyPr anchorCtr="0" anchor="ctr" bIns="91425" lIns="91425" spcFirstLastPara="1" rIns="91425" wrap="square" tIns="91425">
+          <a:bodyPr spcFirstLastPara="1" wrap="square" lIns="91425" tIns="91425" rIns="91425" bIns="91425" anchor="ctr" anchorCtr="0">
             <a:normAutofit/>
           </a:bodyPr>
           <a:lstStyle>
@@ -2559,7 +3084,7 @@
               </a:spcAft>
               <a:buSzPts val="14000"/>
               <a:buNone/>
-              <a:defRPr b="1" sz="14000"/>
+              <a:defRPr sz="14000" b="1"/>
             </a:lvl1pPr>
             <a:lvl2pPr lvl="1" algn="ctr">
               <a:spcBef>
@@ -2570,7 +3095,7 @@
               </a:spcAft>
               <a:buSzPts val="14000"/>
               <a:buNone/>
-              <a:defRPr b="1" sz="14000"/>
+              <a:defRPr sz="14000" b="1"/>
             </a:lvl2pPr>
             <a:lvl3pPr lvl="2" algn="ctr">
               <a:spcBef>
@@ -2581,7 +3106,7 @@
               </a:spcAft>
               <a:buSzPts val="14000"/>
               <a:buNone/>
-              <a:defRPr b="1" sz="14000"/>
+              <a:defRPr sz="14000" b="1"/>
             </a:lvl3pPr>
             <a:lvl4pPr lvl="3" algn="ctr">
               <a:spcBef>
@@ -2592,7 +3117,7 @@
               </a:spcAft>
               <a:buSzPts val="14000"/>
               <a:buNone/>
-              <a:defRPr b="1" sz="14000"/>
+              <a:defRPr sz="14000" b="1"/>
             </a:lvl4pPr>
             <a:lvl5pPr lvl="4" algn="ctr">
               <a:spcBef>
@@ -2603,7 +3128,7 @@
               </a:spcAft>
               <a:buSzPts val="14000"/>
               <a:buNone/>
-              <a:defRPr b="1" sz="14000"/>
+              <a:defRPr sz="14000" b="1"/>
             </a:lvl5pPr>
             <a:lvl6pPr lvl="5" algn="ctr">
               <a:spcBef>
@@ -2614,7 +3139,7 @@
               </a:spcAft>
               <a:buSzPts val="14000"/>
               <a:buNone/>
-              <a:defRPr b="1" sz="14000"/>
+              <a:defRPr sz="14000" b="1"/>
             </a:lvl6pPr>
             <a:lvl7pPr lvl="6" algn="ctr">
               <a:spcBef>
@@ -2625,7 +3150,7 @@
               </a:spcAft>
               <a:buSzPts val="14000"/>
               <a:buNone/>
-              <a:defRPr b="1" sz="14000"/>
+              <a:defRPr sz="14000" b="1"/>
             </a:lvl7pPr>
             <a:lvl8pPr lvl="7" algn="ctr">
               <a:spcBef>
@@ -2636,7 +3161,7 @@
               </a:spcAft>
               <a:buSzPts val="14000"/>
               <a:buNone/>
-              <a:defRPr b="1" sz="14000"/>
+              <a:defRPr sz="14000" b="1"/>
             </a:lvl8pPr>
             <a:lvl9pPr lvl="8" algn="ctr">
               <a:spcBef>
@@ -2647,7 +3172,7 @@
               </a:spcAft>
               <a:buSzPts val="14000"/>
               <a:buNone/>
-              <a:defRPr b="1" sz="14000"/>
+              <a:defRPr sz="14000" b="1"/>
             </a:lvl9pPr>
           </a:lstStyle>
           <a:p>
@@ -2660,9 +3185,11 @@
       <p:sp>
         <p:nvSpPr>
           <p:cNvPr id="51" name="Google Shape;51;p11"/>
-          <p:cNvSpPr txBox="1"/>
+          <p:cNvSpPr txBox="1">
+            <a:spLocks noGrp="1"/>
+          </p:cNvSpPr>
           <p:nvPr>
-            <p:ph idx="1" type="body"/>
+            <p:ph type="body" idx="1"/>
           </p:nvPr>
         </p:nvSpPr>
         <p:spPr>
@@ -2675,11 +3202,11 @@
           </a:prstGeom>
         </p:spPr>
         <p:txBody>
-          <a:bodyPr anchorCtr="0" anchor="t" bIns="91425" lIns="91425" spcFirstLastPara="1" rIns="91425" wrap="square" tIns="91425">
+          <a:bodyPr spcFirstLastPara="1" wrap="square" lIns="91425" tIns="91425" rIns="91425" bIns="91425" anchor="t" anchorCtr="0">
             <a:normAutofit/>
           </a:bodyPr>
           <a:lstStyle>
-            <a:lvl1pPr indent="-342900" lvl="0" marL="457200" algn="ctr">
+            <a:lvl1pPr marL="457200" lvl="0" indent="-342900" algn="ctr">
               <a:spcBef>
                 <a:spcPts val="0"/>
               </a:spcBef>
@@ -2690,7 +3217,7 @@
               <a:buChar char="●"/>
               <a:defRPr/>
             </a:lvl1pPr>
-            <a:lvl2pPr indent="-317500" lvl="1" marL="914400" algn="ctr">
+            <a:lvl2pPr marL="914400" lvl="1" indent="-317500" algn="ctr">
               <a:spcBef>
                 <a:spcPts val="0"/>
               </a:spcBef>
@@ -2701,7 +3228,7 @@
               <a:buChar char="○"/>
               <a:defRPr/>
             </a:lvl2pPr>
-            <a:lvl3pPr indent="-317500" lvl="2" marL="1371600" algn="ctr">
+            <a:lvl3pPr marL="1371600" lvl="2" indent="-317500" algn="ctr">
               <a:spcBef>
                 <a:spcPts val="0"/>
               </a:spcBef>
@@ -2712,7 +3239,7 @@
               <a:buChar char="■"/>
               <a:defRPr/>
             </a:lvl3pPr>
-            <a:lvl4pPr indent="-317500" lvl="3" marL="1828800" algn="ctr">
+            <a:lvl4pPr marL="1828800" lvl="3" indent="-317500" algn="ctr">
               <a:spcBef>
                 <a:spcPts val="0"/>
               </a:spcBef>
@@ -2723,7 +3250,7 @@
               <a:buChar char="●"/>
               <a:defRPr/>
             </a:lvl4pPr>
-            <a:lvl5pPr indent="-317500" lvl="4" marL="2286000" algn="ctr">
+            <a:lvl5pPr marL="2286000" lvl="4" indent="-317500" algn="ctr">
               <a:spcBef>
                 <a:spcPts val="0"/>
               </a:spcBef>
@@ -2734,7 +3261,7 @@
               <a:buChar char="○"/>
               <a:defRPr/>
             </a:lvl5pPr>
-            <a:lvl6pPr indent="-317500" lvl="5" marL="2743200" algn="ctr">
+            <a:lvl6pPr marL="2743200" lvl="5" indent="-317500" algn="ctr">
               <a:spcBef>
                 <a:spcPts val="0"/>
               </a:spcBef>
@@ -2745,7 +3272,7 @@
               <a:buChar char="■"/>
               <a:defRPr/>
             </a:lvl6pPr>
-            <a:lvl7pPr indent="-317500" lvl="6" marL="3200400" algn="ctr">
+            <a:lvl7pPr marL="3200400" lvl="6" indent="-317500" algn="ctr">
               <a:spcBef>
                 <a:spcPts val="0"/>
               </a:spcBef>
@@ -2756,7 +3283,7 @@
               <a:buChar char="●"/>
               <a:defRPr/>
             </a:lvl7pPr>
-            <a:lvl8pPr indent="-317500" lvl="7" marL="3657600" algn="ctr">
+            <a:lvl8pPr marL="3657600" lvl="7" indent="-317500" algn="ctr">
               <a:spcBef>
                 <a:spcPts val="0"/>
               </a:spcBef>
@@ -2767,7 +3294,7 @@
               <a:buChar char="○"/>
               <a:defRPr/>
             </a:lvl8pPr>
-            <a:lvl9pPr indent="-317500" lvl="8" marL="4114800" algn="ctr">
+            <a:lvl9pPr marL="4114800" lvl="8" indent="-317500" algn="ctr">
               <a:spcBef>
                 <a:spcPts val="0"/>
               </a:spcBef>
@@ -2779,15 +3306,19 @@
               <a:defRPr/>
             </a:lvl9pPr>
           </a:lstStyle>
-          <a:p/>
+          <a:p>
+            <a:endParaRPr/>
+          </a:p>
         </p:txBody>
       </p:sp>
       <p:sp>
         <p:nvSpPr>
           <p:cNvPr id="52" name="Google Shape;52;p11"/>
-          <p:cNvSpPr txBox="1"/>
+          <p:cNvSpPr txBox="1">
+            <a:spLocks noGrp="1"/>
+          </p:cNvSpPr>
           <p:nvPr>
-            <p:ph idx="12" type="sldNum"/>
+            <p:ph type="sldNum" idx="12"/>
           </p:nvPr>
         </p:nvSpPr>
         <p:spPr>
@@ -2800,7 +3331,7 @@
           </a:prstGeom>
         </p:spPr>
         <p:txBody>
-          <a:bodyPr anchorCtr="0" anchor="ctr" bIns="91425" lIns="91425" spcFirstLastPara="1" rIns="91425" wrap="square" tIns="91425">
+          <a:bodyPr spcFirstLastPara="1" wrap="square" lIns="91425" tIns="91425" rIns="91425" bIns="91425" anchor="ctr" anchorCtr="0">
             <a:normAutofit/>
           </a:bodyPr>
           <a:lstStyle>
@@ -2842,7 +3373,7 @@
             </a:lvl9pPr>
           </a:lstStyle>
           <a:p>
-            <a:pPr indent="0" lvl="0" marL="0" rtl="0" algn="r">
+            <a:pPr marL="0" lvl="0" indent="0" algn="r" rtl="0">
               <a:spcBef>
                 <a:spcPts val="0"/>
               </a:spcBef>
@@ -2868,11 +3399,11 @@
 </file>
 
 <file path=ppt/slideLayouts/slideLayout11.xml><?xml version="1.0" encoding="utf-8"?>
-<p:sldLayout xmlns:a="http://schemas.openxmlformats.org/drawingml/2006/main" xmlns:r="http://schemas.openxmlformats.org/officeDocument/2006/relationships" xmlns:mc="http://schemas.openxmlformats.org/markup-compatibility/2006" xmlns:mv="urn:schemas-microsoft-com:mac:vml" xmlns:p="http://schemas.openxmlformats.org/presentationml/2006/main" xmlns:c="http://schemas.openxmlformats.org/drawingml/2006/chart" xmlns:dgm="http://schemas.openxmlformats.org/drawingml/2006/diagram" xmlns:o="urn:schemas-microsoft-com:office:office" xmlns:v="urn:schemas-microsoft-com:vml" xmlns:pvml="urn:schemas-microsoft-com:office:powerpoint" xmlns:com="http://schemas.openxmlformats.org/drawingml/2006/compatibility" xmlns:p14="http://schemas.microsoft.com/office/powerpoint/2010/main" xmlns:p15="http://schemas.microsoft.com/office/powerpoint/2012/main" xmlns:ahyp="http://schemas.microsoft.com/office/drawing/2018/hyperlinkcolor" matchingName="Blank" type="blank">
+<p:sldLayout xmlns:a="http://schemas.openxmlformats.org/drawingml/2006/main" xmlns:r="http://schemas.openxmlformats.org/officeDocument/2006/relationships" xmlns:p="http://schemas.openxmlformats.org/presentationml/2006/main" matchingName="Blank" type="blank">
   <p:cSld name="BLANK">
     <p:spTree>
       <p:nvGrpSpPr>
-        <p:cNvPr id="53" name="Shape 53"/>
+        <p:cNvPr id="1" name="Shape 53"/>
         <p:cNvGrpSpPr/>
         <p:nvPr/>
       </p:nvGrpSpPr>
@@ -2887,9 +3418,11 @@
       <p:sp>
         <p:nvSpPr>
           <p:cNvPr id="54" name="Google Shape;54;p12"/>
-          <p:cNvSpPr txBox="1"/>
+          <p:cNvSpPr txBox="1">
+            <a:spLocks noGrp="1"/>
+          </p:cNvSpPr>
           <p:nvPr>
-            <p:ph idx="12" type="sldNum"/>
+            <p:ph type="sldNum" idx="12"/>
           </p:nvPr>
         </p:nvSpPr>
         <p:spPr>
@@ -2902,7 +3435,7 @@
           </a:prstGeom>
         </p:spPr>
         <p:txBody>
-          <a:bodyPr anchorCtr="0" anchor="ctr" bIns="91425" lIns="91425" spcFirstLastPara="1" rIns="91425" wrap="square" tIns="91425">
+          <a:bodyPr spcFirstLastPara="1" wrap="square" lIns="91425" tIns="91425" rIns="91425" bIns="91425" anchor="ctr" anchorCtr="0">
             <a:normAutofit/>
           </a:bodyPr>
           <a:lstStyle>
@@ -2944,7 +3477,7 @@
             </a:lvl9pPr>
           </a:lstStyle>
           <a:p>
-            <a:pPr indent="0" lvl="0" marL="0" rtl="0" algn="r">
+            <a:pPr marL="0" lvl="0" indent="0" algn="r" rtl="0">
               <a:spcBef>
                 <a:spcPts val="0"/>
               </a:spcBef>
@@ -2970,18 +3503,19 @@
 </file>
 
 <file path=ppt/slideLayouts/slideLayout2.xml><?xml version="1.0" encoding="utf-8"?>
-<p:sldLayout xmlns:a="http://schemas.openxmlformats.org/drawingml/2006/main" xmlns:r="http://schemas.openxmlformats.org/officeDocument/2006/relationships" xmlns:mc="http://schemas.openxmlformats.org/markup-compatibility/2006" xmlns:mv="urn:schemas-microsoft-com:mac:vml" xmlns:p="http://schemas.openxmlformats.org/presentationml/2006/main" xmlns:c="http://schemas.openxmlformats.org/drawingml/2006/chart" xmlns:dgm="http://schemas.openxmlformats.org/drawingml/2006/diagram" xmlns:o="urn:schemas-microsoft-com:office:office" xmlns:v="urn:schemas-microsoft-com:vml" xmlns:pvml="urn:schemas-microsoft-com:office:powerpoint" xmlns:com="http://schemas.openxmlformats.org/drawingml/2006/compatibility" xmlns:p14="http://schemas.microsoft.com/office/powerpoint/2010/main" xmlns:p15="http://schemas.microsoft.com/office/powerpoint/2012/main" xmlns:ahyp="http://schemas.microsoft.com/office/drawing/2018/hyperlinkcolor" matchingName="Section header" type="secHead">
+<p:sldLayout xmlns:a="http://schemas.openxmlformats.org/drawingml/2006/main" xmlns:r="http://schemas.openxmlformats.org/officeDocument/2006/relationships" xmlns:p="http://schemas.openxmlformats.org/presentationml/2006/main" matchingName="Section header" type="secHead">
   <p:cSld name="SECTION_HEADER">
     <p:bg>
       <p:bgPr>
         <a:solidFill>
           <a:schemeClr val="dk1"/>
         </a:solidFill>
+        <a:effectLst/>
       </p:bgPr>
     </p:bg>
     <p:spTree>
       <p:nvGrpSpPr>
-        <p:cNvPr id="14" name="Shape 14"/>
+        <p:cNvPr id="1" name="Shape 14"/>
         <p:cNvGrpSpPr/>
         <p:nvPr/>
       </p:nvGrpSpPr>
@@ -3008,21 +3542,23 @@
             <a:avLst/>
           </a:prstGeom>
           <a:noFill/>
-          <a:ln cap="flat" cmpd="sng" w="19050">
+          <a:ln w="19050" cap="flat" cmpd="sng">
             <a:solidFill>
               <a:schemeClr val="lt2"/>
             </a:solidFill>
             <a:prstDash val="solid"/>
             <a:round/>
-            <a:headEnd len="sm" w="sm" type="none"/>
-            <a:tailEnd len="sm" w="sm" type="none"/>
+            <a:headEnd type="none" w="sm" len="sm"/>
+            <a:tailEnd type="none" w="sm" len="sm"/>
           </a:ln>
         </p:spPr>
       </p:cxnSp>
       <p:sp>
         <p:nvSpPr>
           <p:cNvPr id="16" name="Google Shape;16;p3"/>
-          <p:cNvSpPr txBox="1"/>
+          <p:cNvSpPr txBox="1">
+            <a:spLocks noGrp="1"/>
+          </p:cNvSpPr>
           <p:nvPr>
             <p:ph type="title"/>
           </p:nvPr>
@@ -3037,7 +3573,7 @@
           </a:prstGeom>
         </p:spPr>
         <p:txBody>
-          <a:bodyPr anchorCtr="0" anchor="b" bIns="91425" lIns="91425" spcFirstLastPara="1" rIns="91425" wrap="square" tIns="91425">
+          <a:bodyPr spcFirstLastPara="1" wrap="square" lIns="91425" tIns="91425" rIns="91425" bIns="91425" anchor="b" anchorCtr="0">
             <a:normAutofit/>
           </a:bodyPr>
           <a:lstStyle>
@@ -3204,15 +3740,19 @@
               </a:defRPr>
             </a:lvl9pPr>
           </a:lstStyle>
-          <a:p/>
+          <a:p>
+            <a:endParaRPr/>
+          </a:p>
         </p:txBody>
       </p:sp>
       <p:sp>
         <p:nvSpPr>
           <p:cNvPr id="17" name="Google Shape;17;p3"/>
-          <p:cNvSpPr txBox="1"/>
+          <p:cNvSpPr txBox="1">
+            <a:spLocks noGrp="1"/>
+          </p:cNvSpPr>
           <p:nvPr>
-            <p:ph idx="12" type="sldNum"/>
+            <p:ph type="sldNum" idx="12"/>
           </p:nvPr>
         </p:nvSpPr>
         <p:spPr>
@@ -3225,7 +3765,7 @@
           </a:prstGeom>
         </p:spPr>
         <p:txBody>
-          <a:bodyPr anchorCtr="0" anchor="ctr" bIns="91425" lIns="91425" spcFirstLastPara="1" rIns="91425" wrap="square" tIns="91425">
+          <a:bodyPr spcFirstLastPara="1" wrap="square" lIns="91425" tIns="91425" rIns="91425" bIns="91425" anchor="ctr" anchorCtr="0">
             <a:normAutofit/>
           </a:bodyPr>
           <a:lstStyle>
@@ -3303,7 +3843,7 @@
             </a:lvl9pPr>
           </a:lstStyle>
           <a:p>
-            <a:pPr indent="0" lvl="0" marL="0" rtl="0" algn="r">
+            <a:pPr marL="0" lvl="0" indent="0" algn="r" rtl="0">
               <a:spcBef>
                 <a:spcPts val="0"/>
               </a:spcBef>
@@ -3329,11 +3869,11 @@
 </file>
 
 <file path=ppt/slideLayouts/slideLayout3.xml><?xml version="1.0" encoding="utf-8"?>
-<p:sldLayout xmlns:a="http://schemas.openxmlformats.org/drawingml/2006/main" xmlns:r="http://schemas.openxmlformats.org/officeDocument/2006/relationships" xmlns:mc="http://schemas.openxmlformats.org/markup-compatibility/2006" xmlns:mv="urn:schemas-microsoft-com:mac:vml" xmlns:p="http://schemas.openxmlformats.org/presentationml/2006/main" xmlns:c="http://schemas.openxmlformats.org/drawingml/2006/chart" xmlns:dgm="http://schemas.openxmlformats.org/drawingml/2006/diagram" xmlns:o="urn:schemas-microsoft-com:office:office" xmlns:v="urn:schemas-microsoft-com:vml" xmlns:pvml="urn:schemas-microsoft-com:office:powerpoint" xmlns:com="http://schemas.openxmlformats.org/drawingml/2006/compatibility" xmlns:p14="http://schemas.microsoft.com/office/powerpoint/2010/main" xmlns:p15="http://schemas.microsoft.com/office/powerpoint/2012/main" xmlns:ahyp="http://schemas.microsoft.com/office/drawing/2018/hyperlinkcolor" matchingName="Title and body" type="tx">
+<p:sldLayout xmlns:a="http://schemas.openxmlformats.org/drawingml/2006/main" xmlns:r="http://schemas.openxmlformats.org/officeDocument/2006/relationships" xmlns:p="http://schemas.openxmlformats.org/presentationml/2006/main" matchingName="Title and body" type="tx">
   <p:cSld name="TITLE_AND_BODY">
     <p:spTree>
       <p:nvGrpSpPr>
-        <p:cNvPr id="18" name="Shape 18"/>
+        <p:cNvPr id="1" name="Shape 18"/>
         <p:cNvGrpSpPr/>
         <p:nvPr/>
       </p:nvGrpSpPr>
@@ -3367,12 +3907,12 @@
           </a:ln>
         </p:spPr>
         <p:txBody>
-          <a:bodyPr anchorCtr="0" anchor="ctr" bIns="91425" lIns="91425" spcFirstLastPara="1" rIns="91425" wrap="square" tIns="91425">
+          <a:bodyPr spcFirstLastPara="1" wrap="square" lIns="91425" tIns="91425" rIns="91425" bIns="91425" anchor="ctr" anchorCtr="0">
             <a:noAutofit/>
           </a:bodyPr>
           <a:lstStyle/>
           <a:p>
-            <a:pPr indent="0" lvl="0" marL="0" rtl="0" algn="l">
+            <a:pPr marL="0" lvl="0" indent="0" algn="l" rtl="0">
               <a:spcBef>
                 <a:spcPts val="0"/>
               </a:spcBef>
@@ -3381,9 +3921,6 @@
               </a:spcAft>
               <a:buNone/>
             </a:pPr>
-            <a:r>
-              <a:t/>
-            </a:r>
             <a:endParaRPr/>
           </a:p>
         </p:txBody>
@@ -3391,7 +3928,9 @@
       <p:sp>
         <p:nvSpPr>
           <p:cNvPr id="20" name="Google Shape;20;p4"/>
-          <p:cNvSpPr txBox="1"/>
+          <p:cNvSpPr txBox="1">
+            <a:spLocks noGrp="1"/>
+          </p:cNvSpPr>
           <p:nvPr>
             <p:ph type="title"/>
           </p:nvPr>
@@ -3406,7 +3945,7 @@
           </a:prstGeom>
         </p:spPr>
         <p:txBody>
-          <a:bodyPr anchorCtr="0" anchor="t" bIns="91425" lIns="91425" spcFirstLastPara="1" rIns="91425" wrap="square" tIns="91425">
+          <a:bodyPr spcFirstLastPara="1" wrap="square" lIns="91425" tIns="91425" rIns="91425" bIns="91425" anchor="t" anchorCtr="0">
             <a:normAutofit/>
           </a:bodyPr>
           <a:lstStyle>
@@ -3510,15 +4049,19 @@
               <a:defRPr/>
             </a:lvl9pPr>
           </a:lstStyle>
-          <a:p/>
+          <a:p>
+            <a:endParaRPr/>
+          </a:p>
         </p:txBody>
       </p:sp>
       <p:sp>
         <p:nvSpPr>
           <p:cNvPr id="21" name="Google Shape;21;p4"/>
-          <p:cNvSpPr txBox="1"/>
+          <p:cNvSpPr txBox="1">
+            <a:spLocks noGrp="1"/>
+          </p:cNvSpPr>
           <p:nvPr>
-            <p:ph idx="1" type="body"/>
+            <p:ph type="body" idx="1"/>
           </p:nvPr>
         </p:nvSpPr>
         <p:spPr>
@@ -3531,11 +4074,11 @@
           </a:prstGeom>
         </p:spPr>
         <p:txBody>
-          <a:bodyPr anchorCtr="0" anchor="t" bIns="91425" lIns="91425" spcFirstLastPara="1" rIns="91425" wrap="square" tIns="91425">
+          <a:bodyPr spcFirstLastPara="1" wrap="square" lIns="91425" tIns="91425" rIns="91425" bIns="91425" anchor="t" anchorCtr="0">
             <a:normAutofit/>
           </a:bodyPr>
           <a:lstStyle>
-            <a:lvl1pPr indent="-342900" lvl="0" marL="457200">
+            <a:lvl1pPr marL="457200" lvl="0" indent="-342900">
               <a:spcBef>
                 <a:spcPts val="0"/>
               </a:spcBef>
@@ -3546,7 +4089,7 @@
               <a:buChar char="●"/>
               <a:defRPr/>
             </a:lvl1pPr>
-            <a:lvl2pPr indent="-317500" lvl="1" marL="914400">
+            <a:lvl2pPr marL="914400" lvl="1" indent="-317500">
               <a:spcBef>
                 <a:spcPts val="0"/>
               </a:spcBef>
@@ -3557,7 +4100,7 @@
               <a:buChar char="○"/>
               <a:defRPr/>
             </a:lvl2pPr>
-            <a:lvl3pPr indent="-317500" lvl="2" marL="1371600">
+            <a:lvl3pPr marL="1371600" lvl="2" indent="-317500">
               <a:spcBef>
                 <a:spcPts val="0"/>
               </a:spcBef>
@@ -3568,7 +4111,7 @@
               <a:buChar char="■"/>
               <a:defRPr/>
             </a:lvl3pPr>
-            <a:lvl4pPr indent="-317500" lvl="3" marL="1828800">
+            <a:lvl4pPr marL="1828800" lvl="3" indent="-317500">
               <a:spcBef>
                 <a:spcPts val="0"/>
               </a:spcBef>
@@ -3579,7 +4122,7 @@
               <a:buChar char="●"/>
               <a:defRPr/>
             </a:lvl4pPr>
-            <a:lvl5pPr indent="-317500" lvl="4" marL="2286000">
+            <a:lvl5pPr marL="2286000" lvl="4" indent="-317500">
               <a:spcBef>
                 <a:spcPts val="0"/>
               </a:spcBef>
@@ -3590,7 +4133,7 @@
               <a:buChar char="○"/>
               <a:defRPr/>
             </a:lvl5pPr>
-            <a:lvl6pPr indent="-317500" lvl="5" marL="2743200">
+            <a:lvl6pPr marL="2743200" lvl="5" indent="-317500">
               <a:spcBef>
                 <a:spcPts val="0"/>
               </a:spcBef>
@@ -3601,7 +4144,7 @@
               <a:buChar char="■"/>
               <a:defRPr/>
             </a:lvl6pPr>
-            <a:lvl7pPr indent="-317500" lvl="6" marL="3200400">
+            <a:lvl7pPr marL="3200400" lvl="6" indent="-317500">
               <a:spcBef>
                 <a:spcPts val="0"/>
               </a:spcBef>
@@ -3612,7 +4155,7 @@
               <a:buChar char="●"/>
               <a:defRPr/>
             </a:lvl7pPr>
-            <a:lvl8pPr indent="-317500" lvl="7" marL="3657600">
+            <a:lvl8pPr marL="3657600" lvl="7" indent="-317500">
               <a:spcBef>
                 <a:spcPts val="0"/>
               </a:spcBef>
@@ -3623,7 +4166,7 @@
               <a:buChar char="○"/>
               <a:defRPr/>
             </a:lvl8pPr>
-            <a:lvl9pPr indent="-317500" lvl="8" marL="4114800">
+            <a:lvl9pPr marL="4114800" lvl="8" indent="-317500">
               <a:spcBef>
                 <a:spcPts val="0"/>
               </a:spcBef>
@@ -3635,15 +4178,19 @@
               <a:defRPr/>
             </a:lvl9pPr>
           </a:lstStyle>
-          <a:p/>
+          <a:p>
+            <a:endParaRPr/>
+          </a:p>
         </p:txBody>
       </p:sp>
       <p:sp>
         <p:nvSpPr>
           <p:cNvPr id="22" name="Google Shape;22;p4"/>
-          <p:cNvSpPr txBox="1"/>
+          <p:cNvSpPr txBox="1">
+            <a:spLocks noGrp="1"/>
+          </p:cNvSpPr>
           <p:nvPr>
-            <p:ph idx="12" type="sldNum"/>
+            <p:ph type="sldNum" idx="12"/>
           </p:nvPr>
         </p:nvSpPr>
         <p:spPr>
@@ -3656,7 +4203,7 @@
           </a:prstGeom>
         </p:spPr>
         <p:txBody>
-          <a:bodyPr anchorCtr="0" anchor="ctr" bIns="91425" lIns="91425" spcFirstLastPara="1" rIns="91425" wrap="square" tIns="91425">
+          <a:bodyPr spcFirstLastPara="1" wrap="square" lIns="91425" tIns="91425" rIns="91425" bIns="91425" anchor="ctr" anchorCtr="0">
             <a:normAutofit/>
           </a:bodyPr>
           <a:lstStyle>
@@ -3698,7 +4245,7 @@
             </a:lvl9pPr>
           </a:lstStyle>
           <a:p>
-            <a:pPr indent="0" lvl="0" marL="0" rtl="0" algn="r">
+            <a:pPr marL="0" lvl="0" indent="0" algn="r" rtl="0">
               <a:spcBef>
                 <a:spcPts val="0"/>
               </a:spcBef>
@@ -3724,11 +4271,11 @@
 </file>
 
 <file path=ppt/slideLayouts/slideLayout4.xml><?xml version="1.0" encoding="utf-8"?>
-<p:sldLayout xmlns:a="http://schemas.openxmlformats.org/drawingml/2006/main" xmlns:r="http://schemas.openxmlformats.org/officeDocument/2006/relationships" xmlns:mc="http://schemas.openxmlformats.org/markup-compatibility/2006" xmlns:mv="urn:schemas-microsoft-com:mac:vml" xmlns:p="http://schemas.openxmlformats.org/presentationml/2006/main" xmlns:c="http://schemas.openxmlformats.org/drawingml/2006/chart" xmlns:dgm="http://schemas.openxmlformats.org/drawingml/2006/diagram" xmlns:o="urn:schemas-microsoft-com:office:office" xmlns:v="urn:schemas-microsoft-com:vml" xmlns:pvml="urn:schemas-microsoft-com:office:powerpoint" xmlns:com="http://schemas.openxmlformats.org/drawingml/2006/compatibility" xmlns:p14="http://schemas.microsoft.com/office/powerpoint/2010/main" xmlns:p15="http://schemas.microsoft.com/office/powerpoint/2012/main" xmlns:ahyp="http://schemas.microsoft.com/office/drawing/2018/hyperlinkcolor" matchingName="Title and two columns" type="twoColTx">
+<p:sldLayout xmlns:a="http://schemas.openxmlformats.org/drawingml/2006/main" xmlns:r="http://schemas.openxmlformats.org/officeDocument/2006/relationships" xmlns:p="http://schemas.openxmlformats.org/presentationml/2006/main" matchingName="Title and two columns" type="twoColTx">
   <p:cSld name="TITLE_AND_TWO_COLUMNS">
     <p:spTree>
       <p:nvGrpSpPr>
-        <p:cNvPr id="23" name="Shape 23"/>
+        <p:cNvPr id="1" name="Shape 23"/>
         <p:cNvGrpSpPr/>
         <p:nvPr/>
       </p:nvGrpSpPr>
@@ -3743,7 +4290,9 @@
       <p:sp>
         <p:nvSpPr>
           <p:cNvPr id="24" name="Google Shape;24;p5"/>
-          <p:cNvSpPr txBox="1"/>
+          <p:cNvSpPr txBox="1">
+            <a:spLocks noGrp="1"/>
+          </p:cNvSpPr>
           <p:nvPr>
             <p:ph type="title"/>
           </p:nvPr>
@@ -3758,7 +4307,7 @@
           </a:prstGeom>
         </p:spPr>
         <p:txBody>
-          <a:bodyPr anchorCtr="0" anchor="t" bIns="91425" lIns="91425" spcFirstLastPara="1" rIns="91425" wrap="square" tIns="91425">
+          <a:bodyPr spcFirstLastPara="1" wrap="square" lIns="91425" tIns="91425" rIns="91425" bIns="91425" anchor="t" anchorCtr="0">
             <a:normAutofit/>
           </a:bodyPr>
           <a:lstStyle>
@@ -3862,15 +4411,19 @@
               <a:defRPr/>
             </a:lvl9pPr>
           </a:lstStyle>
-          <a:p/>
+          <a:p>
+            <a:endParaRPr/>
+          </a:p>
         </p:txBody>
       </p:sp>
       <p:sp>
         <p:nvSpPr>
           <p:cNvPr id="25" name="Google Shape;25;p5"/>
-          <p:cNvSpPr txBox="1"/>
+          <p:cNvSpPr txBox="1">
+            <a:spLocks noGrp="1"/>
+          </p:cNvSpPr>
           <p:nvPr>
-            <p:ph idx="1" type="body"/>
+            <p:ph type="body" idx="1"/>
           </p:nvPr>
         </p:nvSpPr>
         <p:spPr>
@@ -3883,11 +4436,11 @@
           </a:prstGeom>
         </p:spPr>
         <p:txBody>
-          <a:bodyPr anchorCtr="0" anchor="t" bIns="91425" lIns="91425" spcFirstLastPara="1" rIns="91425" wrap="square" tIns="91425">
+          <a:bodyPr spcFirstLastPara="1" wrap="square" lIns="91425" tIns="91425" rIns="91425" bIns="91425" anchor="t" anchorCtr="0">
             <a:normAutofit/>
           </a:bodyPr>
           <a:lstStyle>
-            <a:lvl1pPr indent="-317500" lvl="0" marL="457200">
+            <a:lvl1pPr marL="457200" lvl="0" indent="-317500">
               <a:spcBef>
                 <a:spcPts val="0"/>
               </a:spcBef>
@@ -3898,7 +4451,7 @@
               <a:buChar char="●"/>
               <a:defRPr sz="1400"/>
             </a:lvl1pPr>
-            <a:lvl2pPr indent="-304800" lvl="1" marL="914400">
+            <a:lvl2pPr marL="914400" lvl="1" indent="-304800">
               <a:spcBef>
                 <a:spcPts val="0"/>
               </a:spcBef>
@@ -3909,7 +4462,7 @@
               <a:buChar char="○"/>
               <a:defRPr sz="1200"/>
             </a:lvl2pPr>
-            <a:lvl3pPr indent="-304800" lvl="2" marL="1371600">
+            <a:lvl3pPr marL="1371600" lvl="2" indent="-304800">
               <a:spcBef>
                 <a:spcPts val="0"/>
               </a:spcBef>
@@ -3920,7 +4473,7 @@
               <a:buChar char="■"/>
               <a:defRPr sz="1200"/>
             </a:lvl3pPr>
-            <a:lvl4pPr indent="-304800" lvl="3" marL="1828800">
+            <a:lvl4pPr marL="1828800" lvl="3" indent="-304800">
               <a:spcBef>
                 <a:spcPts val="0"/>
               </a:spcBef>
@@ -3931,7 +4484,7 @@
               <a:buChar char="●"/>
               <a:defRPr sz="1200"/>
             </a:lvl4pPr>
-            <a:lvl5pPr indent="-304800" lvl="4" marL="2286000">
+            <a:lvl5pPr marL="2286000" lvl="4" indent="-304800">
               <a:spcBef>
                 <a:spcPts val="0"/>
               </a:spcBef>
@@ -3942,7 +4495,7 @@
               <a:buChar char="○"/>
               <a:defRPr sz="1200"/>
             </a:lvl5pPr>
-            <a:lvl6pPr indent="-304800" lvl="5" marL="2743200">
+            <a:lvl6pPr marL="2743200" lvl="5" indent="-304800">
               <a:spcBef>
                 <a:spcPts val="0"/>
               </a:spcBef>
@@ -3953,7 +4506,7 @@
               <a:buChar char="■"/>
               <a:defRPr sz="1200"/>
             </a:lvl6pPr>
-            <a:lvl7pPr indent="-304800" lvl="6" marL="3200400">
+            <a:lvl7pPr marL="3200400" lvl="6" indent="-304800">
               <a:spcBef>
                 <a:spcPts val="0"/>
               </a:spcBef>
@@ -3964,7 +4517,7 @@
               <a:buChar char="●"/>
               <a:defRPr sz="1200"/>
             </a:lvl7pPr>
-            <a:lvl8pPr indent="-304800" lvl="7" marL="3657600">
+            <a:lvl8pPr marL="3657600" lvl="7" indent="-304800">
               <a:spcBef>
                 <a:spcPts val="0"/>
               </a:spcBef>
@@ -3975,7 +4528,7 @@
               <a:buChar char="○"/>
               <a:defRPr sz="1200"/>
             </a:lvl8pPr>
-            <a:lvl9pPr indent="-304800" lvl="8" marL="4114800">
+            <a:lvl9pPr marL="4114800" lvl="8" indent="-304800">
               <a:spcBef>
                 <a:spcPts val="0"/>
               </a:spcBef>
@@ -3987,15 +4540,19 @@
               <a:defRPr sz="1200"/>
             </a:lvl9pPr>
           </a:lstStyle>
-          <a:p/>
+          <a:p>
+            <a:endParaRPr/>
+          </a:p>
         </p:txBody>
       </p:sp>
       <p:sp>
         <p:nvSpPr>
           <p:cNvPr id="26" name="Google Shape;26;p5"/>
-          <p:cNvSpPr txBox="1"/>
+          <p:cNvSpPr txBox="1">
+            <a:spLocks noGrp="1"/>
+          </p:cNvSpPr>
           <p:nvPr>
-            <p:ph idx="2" type="body"/>
+            <p:ph type="body" idx="2"/>
           </p:nvPr>
         </p:nvSpPr>
         <p:spPr>
@@ -4008,11 +4565,11 @@
           </a:prstGeom>
         </p:spPr>
         <p:txBody>
-          <a:bodyPr anchorCtr="0" anchor="t" bIns="91425" lIns="91425" spcFirstLastPara="1" rIns="91425" wrap="square" tIns="91425">
+          <a:bodyPr spcFirstLastPara="1" wrap="square" lIns="91425" tIns="91425" rIns="91425" bIns="91425" anchor="t" anchorCtr="0">
             <a:normAutofit/>
           </a:bodyPr>
           <a:lstStyle>
-            <a:lvl1pPr indent="-317500" lvl="0" marL="457200">
+            <a:lvl1pPr marL="457200" lvl="0" indent="-317500">
               <a:spcBef>
                 <a:spcPts val="0"/>
               </a:spcBef>
@@ -4023,7 +4580,7 @@
               <a:buChar char="●"/>
               <a:defRPr sz="1400"/>
             </a:lvl1pPr>
-            <a:lvl2pPr indent="-304800" lvl="1" marL="914400">
+            <a:lvl2pPr marL="914400" lvl="1" indent="-304800">
               <a:spcBef>
                 <a:spcPts val="0"/>
               </a:spcBef>
@@ -4034,7 +4591,7 @@
               <a:buChar char="○"/>
               <a:defRPr sz="1200"/>
             </a:lvl2pPr>
-            <a:lvl3pPr indent="-304800" lvl="2" marL="1371600">
+            <a:lvl3pPr marL="1371600" lvl="2" indent="-304800">
               <a:spcBef>
                 <a:spcPts val="0"/>
               </a:spcBef>
@@ -4045,7 +4602,7 @@
               <a:buChar char="■"/>
               <a:defRPr sz="1200"/>
             </a:lvl3pPr>
-            <a:lvl4pPr indent="-304800" lvl="3" marL="1828800">
+            <a:lvl4pPr marL="1828800" lvl="3" indent="-304800">
               <a:spcBef>
                 <a:spcPts val="0"/>
               </a:spcBef>
@@ -4056,7 +4613,7 @@
               <a:buChar char="●"/>
               <a:defRPr sz="1200"/>
             </a:lvl4pPr>
-            <a:lvl5pPr indent="-304800" lvl="4" marL="2286000">
+            <a:lvl5pPr marL="2286000" lvl="4" indent="-304800">
               <a:spcBef>
                 <a:spcPts val="0"/>
               </a:spcBef>
@@ -4067,7 +4624,7 @@
               <a:buChar char="○"/>
               <a:defRPr sz="1200"/>
             </a:lvl5pPr>
-            <a:lvl6pPr indent="-304800" lvl="5" marL="2743200">
+            <a:lvl6pPr marL="2743200" lvl="5" indent="-304800">
               <a:spcBef>
                 <a:spcPts val="0"/>
               </a:spcBef>
@@ -4078,7 +4635,7 @@
               <a:buChar char="■"/>
               <a:defRPr sz="1200"/>
             </a:lvl6pPr>
-            <a:lvl7pPr indent="-304800" lvl="6" marL="3200400">
+            <a:lvl7pPr marL="3200400" lvl="6" indent="-304800">
               <a:spcBef>
                 <a:spcPts val="0"/>
               </a:spcBef>
@@ -4089,7 +4646,7 @@
               <a:buChar char="●"/>
               <a:defRPr sz="1200"/>
             </a:lvl7pPr>
-            <a:lvl8pPr indent="-304800" lvl="7" marL="3657600">
+            <a:lvl8pPr marL="3657600" lvl="7" indent="-304800">
               <a:spcBef>
                 <a:spcPts val="0"/>
               </a:spcBef>
@@ -4100,7 +4657,7 @@
               <a:buChar char="○"/>
               <a:defRPr sz="1200"/>
             </a:lvl8pPr>
-            <a:lvl9pPr indent="-304800" lvl="8" marL="4114800">
+            <a:lvl9pPr marL="4114800" lvl="8" indent="-304800">
               <a:spcBef>
                 <a:spcPts val="0"/>
               </a:spcBef>
@@ -4112,15 +4669,19 @@
               <a:defRPr sz="1200"/>
             </a:lvl9pPr>
           </a:lstStyle>
-          <a:p/>
+          <a:p>
+            <a:endParaRPr/>
+          </a:p>
         </p:txBody>
       </p:sp>
       <p:sp>
         <p:nvSpPr>
           <p:cNvPr id="27" name="Google Shape;27;p5"/>
-          <p:cNvSpPr txBox="1"/>
+          <p:cNvSpPr txBox="1">
+            <a:spLocks noGrp="1"/>
+          </p:cNvSpPr>
           <p:nvPr>
-            <p:ph idx="12" type="sldNum"/>
+            <p:ph type="sldNum" idx="12"/>
           </p:nvPr>
         </p:nvSpPr>
         <p:spPr>
@@ -4133,7 +4694,7 @@
           </a:prstGeom>
         </p:spPr>
         <p:txBody>
-          <a:bodyPr anchorCtr="0" anchor="ctr" bIns="91425" lIns="91425" spcFirstLastPara="1" rIns="91425" wrap="square" tIns="91425">
+          <a:bodyPr spcFirstLastPara="1" wrap="square" lIns="91425" tIns="91425" rIns="91425" bIns="91425" anchor="ctr" anchorCtr="0">
             <a:normAutofit/>
           </a:bodyPr>
           <a:lstStyle>
@@ -4175,7 +4736,7 @@
             </a:lvl9pPr>
           </a:lstStyle>
           <a:p>
-            <a:pPr indent="0" lvl="0" marL="0" rtl="0" algn="r">
+            <a:pPr marL="0" lvl="0" indent="0" algn="r" rtl="0">
               <a:spcBef>
                 <a:spcPts val="0"/>
               </a:spcBef>
@@ -4201,11 +4762,11 @@
 </file>
 
 <file path=ppt/slideLayouts/slideLayout5.xml><?xml version="1.0" encoding="utf-8"?>
-<p:sldLayout xmlns:a="http://schemas.openxmlformats.org/drawingml/2006/main" xmlns:r="http://schemas.openxmlformats.org/officeDocument/2006/relationships" xmlns:mc="http://schemas.openxmlformats.org/markup-compatibility/2006" xmlns:mv="urn:schemas-microsoft-com:mac:vml" xmlns:p="http://schemas.openxmlformats.org/presentationml/2006/main" xmlns:c="http://schemas.openxmlformats.org/drawingml/2006/chart" xmlns:dgm="http://schemas.openxmlformats.org/drawingml/2006/diagram" xmlns:o="urn:schemas-microsoft-com:office:office" xmlns:v="urn:schemas-microsoft-com:vml" xmlns:pvml="urn:schemas-microsoft-com:office:powerpoint" xmlns:com="http://schemas.openxmlformats.org/drawingml/2006/compatibility" xmlns:p14="http://schemas.microsoft.com/office/powerpoint/2010/main" xmlns:p15="http://schemas.microsoft.com/office/powerpoint/2012/main" xmlns:ahyp="http://schemas.microsoft.com/office/drawing/2018/hyperlinkcolor" matchingName="Title only" type="titleOnly">
+<p:sldLayout xmlns:a="http://schemas.openxmlformats.org/drawingml/2006/main" xmlns:r="http://schemas.openxmlformats.org/officeDocument/2006/relationships" xmlns:p="http://schemas.openxmlformats.org/presentationml/2006/main" matchingName="Title only" type="titleOnly">
   <p:cSld name="TITLE_ONLY">
     <p:spTree>
       <p:nvGrpSpPr>
-        <p:cNvPr id="28" name="Shape 28"/>
+        <p:cNvPr id="1" name="Shape 28"/>
         <p:cNvGrpSpPr/>
         <p:nvPr/>
       </p:nvGrpSpPr>
@@ -4220,7 +4781,9 @@
       <p:sp>
         <p:nvSpPr>
           <p:cNvPr id="29" name="Google Shape;29;p6"/>
-          <p:cNvSpPr txBox="1"/>
+          <p:cNvSpPr txBox="1">
+            <a:spLocks noGrp="1"/>
+          </p:cNvSpPr>
           <p:nvPr>
             <p:ph type="title"/>
           </p:nvPr>
@@ -4235,7 +4798,7 @@
           </a:prstGeom>
         </p:spPr>
         <p:txBody>
-          <a:bodyPr anchorCtr="0" anchor="t" bIns="91425" lIns="91425" spcFirstLastPara="1" rIns="91425" wrap="square" tIns="91425">
+          <a:bodyPr spcFirstLastPara="1" wrap="square" lIns="91425" tIns="91425" rIns="91425" bIns="91425" anchor="t" anchorCtr="0">
             <a:normAutofit/>
           </a:bodyPr>
           <a:lstStyle>
@@ -4339,15 +4902,19 @@
               <a:defRPr/>
             </a:lvl9pPr>
           </a:lstStyle>
-          <a:p/>
+          <a:p>
+            <a:endParaRPr/>
+          </a:p>
         </p:txBody>
       </p:sp>
       <p:sp>
         <p:nvSpPr>
           <p:cNvPr id="30" name="Google Shape;30;p6"/>
-          <p:cNvSpPr txBox="1"/>
+          <p:cNvSpPr txBox="1">
+            <a:spLocks noGrp="1"/>
+          </p:cNvSpPr>
           <p:nvPr>
-            <p:ph idx="12" type="sldNum"/>
+            <p:ph type="sldNum" idx="12"/>
           </p:nvPr>
         </p:nvSpPr>
         <p:spPr>
@@ -4360,7 +4927,7 @@
           </a:prstGeom>
         </p:spPr>
         <p:txBody>
-          <a:bodyPr anchorCtr="0" anchor="ctr" bIns="91425" lIns="91425" spcFirstLastPara="1" rIns="91425" wrap="square" tIns="91425">
+          <a:bodyPr spcFirstLastPara="1" wrap="square" lIns="91425" tIns="91425" rIns="91425" bIns="91425" anchor="ctr" anchorCtr="0">
             <a:normAutofit/>
           </a:bodyPr>
           <a:lstStyle>
@@ -4402,7 +4969,7 @@
             </a:lvl9pPr>
           </a:lstStyle>
           <a:p>
-            <a:pPr indent="0" lvl="0" marL="0" rtl="0" algn="r">
+            <a:pPr marL="0" lvl="0" indent="0" algn="r" rtl="0">
               <a:spcBef>
                 <a:spcPts val="0"/>
               </a:spcBef>
@@ -4428,11 +4995,11 @@
 </file>
 
 <file path=ppt/slideLayouts/slideLayout6.xml><?xml version="1.0" encoding="utf-8"?>
-<p:sldLayout xmlns:a="http://schemas.openxmlformats.org/drawingml/2006/main" xmlns:r="http://schemas.openxmlformats.org/officeDocument/2006/relationships" xmlns:mc="http://schemas.openxmlformats.org/markup-compatibility/2006" xmlns:mv="urn:schemas-microsoft-com:mac:vml" xmlns:p="http://schemas.openxmlformats.org/presentationml/2006/main" xmlns:c="http://schemas.openxmlformats.org/drawingml/2006/chart" xmlns:dgm="http://schemas.openxmlformats.org/drawingml/2006/diagram" xmlns:o="urn:schemas-microsoft-com:office:office" xmlns:v="urn:schemas-microsoft-com:vml" xmlns:pvml="urn:schemas-microsoft-com:office:powerpoint" xmlns:com="http://schemas.openxmlformats.org/drawingml/2006/compatibility" xmlns:p14="http://schemas.microsoft.com/office/powerpoint/2010/main" xmlns:p15="http://schemas.microsoft.com/office/powerpoint/2012/main" xmlns:ahyp="http://schemas.microsoft.com/office/drawing/2018/hyperlinkcolor" matchingName="One column text">
+<p:sldLayout xmlns:a="http://schemas.openxmlformats.org/drawingml/2006/main" xmlns:r="http://schemas.openxmlformats.org/officeDocument/2006/relationships" xmlns:p="http://schemas.openxmlformats.org/presentationml/2006/main" matchingName="One column text">
   <p:cSld name="ONE_COLUMN_TEXT">
     <p:spTree>
       <p:nvGrpSpPr>
-        <p:cNvPr id="31" name="Shape 31"/>
+        <p:cNvPr id="1" name="Shape 31"/>
         <p:cNvGrpSpPr/>
         <p:nvPr/>
       </p:nvGrpSpPr>
@@ -4447,7 +5014,9 @@
       <p:sp>
         <p:nvSpPr>
           <p:cNvPr id="32" name="Google Shape;32;p7"/>
-          <p:cNvSpPr txBox="1"/>
+          <p:cNvSpPr txBox="1">
+            <a:spLocks noGrp="1"/>
+          </p:cNvSpPr>
           <p:nvPr>
             <p:ph type="title"/>
           </p:nvPr>
@@ -4462,7 +5031,7 @@
           </a:prstGeom>
         </p:spPr>
         <p:txBody>
-          <a:bodyPr anchorCtr="0" anchor="b" bIns="91425" lIns="91425" spcFirstLastPara="1" rIns="91425" wrap="square" tIns="91425">
+          <a:bodyPr spcFirstLastPara="1" wrap="square" lIns="91425" tIns="91425" rIns="91425" bIns="91425" anchor="b" anchorCtr="0">
             <a:normAutofit/>
           </a:bodyPr>
           <a:lstStyle>
@@ -4566,15 +5135,19 @@
               <a:defRPr sz="2400"/>
             </a:lvl9pPr>
           </a:lstStyle>
-          <a:p/>
+          <a:p>
+            <a:endParaRPr/>
+          </a:p>
         </p:txBody>
       </p:sp>
       <p:sp>
         <p:nvSpPr>
           <p:cNvPr id="33" name="Google Shape;33;p7"/>
-          <p:cNvSpPr txBox="1"/>
+          <p:cNvSpPr txBox="1">
+            <a:spLocks noGrp="1"/>
+          </p:cNvSpPr>
           <p:nvPr>
-            <p:ph idx="1" type="body"/>
+            <p:ph type="body" idx="1"/>
           </p:nvPr>
         </p:nvSpPr>
         <p:spPr>
@@ -4587,11 +5160,11 @@
           </a:prstGeom>
         </p:spPr>
         <p:txBody>
-          <a:bodyPr anchorCtr="0" anchor="t" bIns="91425" lIns="91425" spcFirstLastPara="1" rIns="91425" wrap="square" tIns="91425">
+          <a:bodyPr spcFirstLastPara="1" wrap="square" lIns="91425" tIns="91425" rIns="91425" bIns="91425" anchor="t" anchorCtr="0">
             <a:normAutofit/>
           </a:bodyPr>
           <a:lstStyle>
-            <a:lvl1pPr indent="-304800" lvl="0" marL="457200">
+            <a:lvl1pPr marL="457200" lvl="0" indent="-304800">
               <a:spcBef>
                 <a:spcPts val="0"/>
               </a:spcBef>
@@ -4602,7 +5175,7 @@
               <a:buChar char="●"/>
               <a:defRPr sz="1200"/>
             </a:lvl1pPr>
-            <a:lvl2pPr indent="-304800" lvl="1" marL="914400">
+            <a:lvl2pPr marL="914400" lvl="1" indent="-304800">
               <a:spcBef>
                 <a:spcPts val="0"/>
               </a:spcBef>
@@ -4613,7 +5186,7 @@
               <a:buChar char="○"/>
               <a:defRPr sz="1200"/>
             </a:lvl2pPr>
-            <a:lvl3pPr indent="-304800" lvl="2" marL="1371600">
+            <a:lvl3pPr marL="1371600" lvl="2" indent="-304800">
               <a:spcBef>
                 <a:spcPts val="0"/>
               </a:spcBef>
@@ -4624,7 +5197,7 @@
               <a:buChar char="■"/>
               <a:defRPr sz="1200"/>
             </a:lvl3pPr>
-            <a:lvl4pPr indent="-304800" lvl="3" marL="1828800">
+            <a:lvl4pPr marL="1828800" lvl="3" indent="-304800">
               <a:spcBef>
                 <a:spcPts val="0"/>
               </a:spcBef>
@@ -4635,7 +5208,7 @@
               <a:buChar char="●"/>
               <a:defRPr sz="1200"/>
             </a:lvl4pPr>
-            <a:lvl5pPr indent="-304800" lvl="4" marL="2286000">
+            <a:lvl5pPr marL="2286000" lvl="4" indent="-304800">
               <a:spcBef>
                 <a:spcPts val="0"/>
               </a:spcBef>
@@ -4646,7 +5219,7 @@
               <a:buChar char="○"/>
               <a:defRPr sz="1200"/>
             </a:lvl5pPr>
-            <a:lvl6pPr indent="-304800" lvl="5" marL="2743200">
+            <a:lvl6pPr marL="2743200" lvl="5" indent="-304800">
               <a:spcBef>
                 <a:spcPts val="0"/>
               </a:spcBef>
@@ -4657,7 +5230,7 @@
               <a:buChar char="■"/>
               <a:defRPr sz="1200"/>
             </a:lvl6pPr>
-            <a:lvl7pPr indent="-304800" lvl="6" marL="3200400">
+            <a:lvl7pPr marL="3200400" lvl="6" indent="-304800">
               <a:spcBef>
                 <a:spcPts val="0"/>
               </a:spcBef>
@@ -4668,7 +5241,7 @@
               <a:buChar char="●"/>
               <a:defRPr sz="1200"/>
             </a:lvl7pPr>
-            <a:lvl8pPr indent="-304800" lvl="7" marL="3657600">
+            <a:lvl8pPr marL="3657600" lvl="7" indent="-304800">
               <a:spcBef>
                 <a:spcPts val="0"/>
               </a:spcBef>
@@ -4679,7 +5252,7 @@
               <a:buChar char="○"/>
               <a:defRPr sz="1200"/>
             </a:lvl8pPr>
-            <a:lvl9pPr indent="-304800" lvl="8" marL="4114800">
+            <a:lvl9pPr marL="4114800" lvl="8" indent="-304800">
               <a:spcBef>
                 <a:spcPts val="0"/>
               </a:spcBef>
@@ -4691,15 +5264,19 @@
               <a:defRPr sz="1200"/>
             </a:lvl9pPr>
           </a:lstStyle>
-          <a:p/>
+          <a:p>
+            <a:endParaRPr/>
+          </a:p>
         </p:txBody>
       </p:sp>
       <p:sp>
         <p:nvSpPr>
           <p:cNvPr id="34" name="Google Shape;34;p7"/>
-          <p:cNvSpPr txBox="1"/>
+          <p:cNvSpPr txBox="1">
+            <a:spLocks noGrp="1"/>
+          </p:cNvSpPr>
           <p:nvPr>
-            <p:ph idx="12" type="sldNum"/>
+            <p:ph type="sldNum" idx="12"/>
           </p:nvPr>
         </p:nvSpPr>
         <p:spPr>
@@ -4712,7 +5289,7 @@
           </a:prstGeom>
         </p:spPr>
         <p:txBody>
-          <a:bodyPr anchorCtr="0" anchor="ctr" bIns="91425" lIns="91425" spcFirstLastPara="1" rIns="91425" wrap="square" tIns="91425">
+          <a:bodyPr spcFirstLastPara="1" wrap="square" lIns="91425" tIns="91425" rIns="91425" bIns="91425" anchor="ctr" anchorCtr="0">
             <a:normAutofit/>
           </a:bodyPr>
           <a:lstStyle>
@@ -4754,7 +5331,7 @@
             </a:lvl9pPr>
           </a:lstStyle>
           <a:p>
-            <a:pPr indent="0" lvl="0" marL="0" rtl="0" algn="r">
+            <a:pPr marL="0" lvl="0" indent="0" algn="r" rtl="0">
               <a:spcBef>
                 <a:spcPts val="0"/>
               </a:spcBef>
@@ -4780,18 +5357,19 @@
 </file>
 
 <file path=ppt/slideLayouts/slideLayout7.xml><?xml version="1.0" encoding="utf-8"?>
-<p:sldLayout xmlns:a="http://schemas.openxmlformats.org/drawingml/2006/main" xmlns:r="http://schemas.openxmlformats.org/officeDocument/2006/relationships" xmlns:mc="http://schemas.openxmlformats.org/markup-compatibility/2006" xmlns:mv="urn:schemas-microsoft-com:mac:vml" xmlns:p="http://schemas.openxmlformats.org/presentationml/2006/main" xmlns:c="http://schemas.openxmlformats.org/drawingml/2006/chart" xmlns:dgm="http://schemas.openxmlformats.org/drawingml/2006/diagram" xmlns:o="urn:schemas-microsoft-com:office:office" xmlns:v="urn:schemas-microsoft-com:vml" xmlns:pvml="urn:schemas-microsoft-com:office:powerpoint" xmlns:com="http://schemas.openxmlformats.org/drawingml/2006/compatibility" xmlns:p14="http://schemas.microsoft.com/office/powerpoint/2010/main" xmlns:p15="http://schemas.microsoft.com/office/powerpoint/2012/main" xmlns:ahyp="http://schemas.microsoft.com/office/drawing/2018/hyperlinkcolor" matchingName="Main point">
+<p:sldLayout xmlns:a="http://schemas.openxmlformats.org/drawingml/2006/main" xmlns:r="http://schemas.openxmlformats.org/officeDocument/2006/relationships" xmlns:p="http://schemas.openxmlformats.org/presentationml/2006/main" matchingName="Main point">
   <p:cSld name="MAIN_POINT">
     <p:bg>
       <p:bgPr>
         <a:solidFill>
           <a:schemeClr val="lt2"/>
         </a:solidFill>
+        <a:effectLst/>
       </p:bgPr>
     </p:bg>
     <p:spTree>
       <p:nvGrpSpPr>
-        <p:cNvPr id="35" name="Shape 35"/>
+        <p:cNvPr id="1" name="Shape 35"/>
         <p:cNvGrpSpPr/>
         <p:nvPr/>
       </p:nvGrpSpPr>
@@ -4806,7 +5384,9 @@
       <p:sp>
         <p:nvSpPr>
           <p:cNvPr id="36" name="Google Shape;36;p8"/>
-          <p:cNvSpPr txBox="1"/>
+          <p:cNvSpPr txBox="1">
+            <a:spLocks noGrp="1"/>
+          </p:cNvSpPr>
           <p:nvPr>
             <p:ph type="title"/>
           </p:nvPr>
@@ -4821,7 +5401,7 @@
           </a:prstGeom>
         </p:spPr>
         <p:txBody>
-          <a:bodyPr anchorCtr="0" anchor="ctr" bIns="91425" lIns="91425" spcFirstLastPara="1" rIns="91425" wrap="square" tIns="91425">
+          <a:bodyPr spcFirstLastPara="1" wrap="square" lIns="91425" tIns="91425" rIns="91425" bIns="91425" anchor="ctr" anchorCtr="0">
             <a:normAutofit/>
           </a:bodyPr>
           <a:lstStyle>
@@ -4925,15 +5505,19 @@
               <a:defRPr sz="4800"/>
             </a:lvl9pPr>
           </a:lstStyle>
-          <a:p/>
+          <a:p>
+            <a:endParaRPr/>
+          </a:p>
         </p:txBody>
       </p:sp>
       <p:sp>
         <p:nvSpPr>
           <p:cNvPr id="37" name="Google Shape;37;p8"/>
-          <p:cNvSpPr txBox="1"/>
+          <p:cNvSpPr txBox="1">
+            <a:spLocks noGrp="1"/>
+          </p:cNvSpPr>
           <p:nvPr>
-            <p:ph idx="12" type="sldNum"/>
+            <p:ph type="sldNum" idx="12"/>
           </p:nvPr>
         </p:nvSpPr>
         <p:spPr>
@@ -4946,7 +5530,7 @@
           </a:prstGeom>
         </p:spPr>
         <p:txBody>
-          <a:bodyPr anchorCtr="0" anchor="ctr" bIns="91425" lIns="91425" spcFirstLastPara="1" rIns="91425" wrap="square" tIns="91425">
+          <a:bodyPr spcFirstLastPara="1" wrap="square" lIns="91425" tIns="91425" rIns="91425" bIns="91425" anchor="ctr" anchorCtr="0">
             <a:normAutofit/>
           </a:bodyPr>
           <a:lstStyle>
@@ -4988,7 +5572,7 @@
             </a:lvl9pPr>
           </a:lstStyle>
           <a:p>
-            <a:pPr indent="0" lvl="0" marL="0" rtl="0" algn="r">
+            <a:pPr marL="0" lvl="0" indent="0" algn="r" rtl="0">
               <a:spcBef>
                 <a:spcPts val="0"/>
               </a:spcBef>
@@ -5014,11 +5598,11 @@
 </file>
 
 <file path=ppt/slideLayouts/slideLayout8.xml><?xml version="1.0" encoding="utf-8"?>
-<p:sldLayout xmlns:a="http://schemas.openxmlformats.org/drawingml/2006/main" xmlns:r="http://schemas.openxmlformats.org/officeDocument/2006/relationships" xmlns:mc="http://schemas.openxmlformats.org/markup-compatibility/2006" xmlns:mv="urn:schemas-microsoft-com:mac:vml" xmlns:p="http://schemas.openxmlformats.org/presentationml/2006/main" xmlns:c="http://schemas.openxmlformats.org/drawingml/2006/chart" xmlns:dgm="http://schemas.openxmlformats.org/drawingml/2006/diagram" xmlns:o="urn:schemas-microsoft-com:office:office" xmlns:v="urn:schemas-microsoft-com:vml" xmlns:pvml="urn:schemas-microsoft-com:office:powerpoint" xmlns:com="http://schemas.openxmlformats.org/drawingml/2006/compatibility" xmlns:p14="http://schemas.microsoft.com/office/powerpoint/2010/main" xmlns:p15="http://schemas.microsoft.com/office/powerpoint/2012/main" xmlns:ahyp="http://schemas.microsoft.com/office/drawing/2018/hyperlinkcolor" matchingName="Section title and description">
+<p:sldLayout xmlns:a="http://schemas.openxmlformats.org/drawingml/2006/main" xmlns:r="http://schemas.openxmlformats.org/officeDocument/2006/relationships" xmlns:p="http://schemas.openxmlformats.org/presentationml/2006/main" matchingName="Section title and description">
   <p:cSld name="SECTION_TITLE_AND_DESCRIPTION">
     <p:spTree>
       <p:nvGrpSpPr>
-        <p:cNvPr id="38" name="Shape 38"/>
+        <p:cNvPr id="1" name="Shape 38"/>
         <p:cNvGrpSpPr/>
         <p:nvPr/>
       </p:nvGrpSpPr>
@@ -5052,12 +5636,12 @@
           </a:ln>
         </p:spPr>
         <p:txBody>
-          <a:bodyPr anchorCtr="0" anchor="ctr" bIns="91425" lIns="91425" spcFirstLastPara="1" rIns="91425" wrap="square" tIns="91425">
+          <a:bodyPr spcFirstLastPara="1" wrap="square" lIns="91425" tIns="91425" rIns="91425" bIns="91425" anchor="ctr" anchorCtr="0">
             <a:noAutofit/>
           </a:bodyPr>
           <a:lstStyle/>
           <a:p>
-            <a:pPr indent="0" lvl="0" marL="0" rtl="0" algn="l">
+            <a:pPr marL="0" lvl="0" indent="0" algn="l" rtl="0">
               <a:spcBef>
                 <a:spcPts val="0"/>
               </a:spcBef>
@@ -5066,9 +5650,6 @@
               </a:spcAft>
               <a:buNone/>
             </a:pPr>
-            <a:r>
-              <a:t/>
-            </a:r>
             <a:endParaRPr/>
           </a:p>
         </p:txBody>
@@ -5088,21 +5669,23 @@
             <a:avLst/>
           </a:prstGeom>
           <a:noFill/>
-          <a:ln cap="flat" cmpd="sng" w="19050">
+          <a:ln w="19050" cap="flat" cmpd="sng">
             <a:solidFill>
               <a:schemeClr val="lt2"/>
             </a:solidFill>
             <a:prstDash val="solid"/>
             <a:round/>
-            <a:headEnd len="sm" w="sm" type="none"/>
-            <a:tailEnd len="sm" w="sm" type="none"/>
+            <a:headEnd type="none" w="sm" len="sm"/>
+            <a:tailEnd type="none" w="sm" len="sm"/>
           </a:ln>
         </p:spPr>
       </p:cxnSp>
       <p:sp>
         <p:nvSpPr>
           <p:cNvPr id="41" name="Google Shape;41;p9"/>
-          <p:cNvSpPr txBox="1"/>
+          <p:cNvSpPr txBox="1">
+            <a:spLocks noGrp="1"/>
+          </p:cNvSpPr>
           <p:nvPr>
             <p:ph type="title"/>
           </p:nvPr>
@@ -5117,7 +5700,7 @@
           </a:prstGeom>
         </p:spPr>
         <p:txBody>
-          <a:bodyPr anchorCtr="0" anchor="b" bIns="91425" lIns="91425" spcFirstLastPara="1" rIns="91425" wrap="square" tIns="91425">
+          <a:bodyPr spcFirstLastPara="1" wrap="square" lIns="91425" tIns="91425" rIns="91425" bIns="91425" anchor="b" anchorCtr="0">
             <a:normAutofit/>
           </a:bodyPr>
           <a:lstStyle>
@@ -5221,15 +5804,19 @@
               <a:defRPr sz="4200"/>
             </a:lvl9pPr>
           </a:lstStyle>
-          <a:p/>
+          <a:p>
+            <a:endParaRPr/>
+          </a:p>
         </p:txBody>
       </p:sp>
       <p:sp>
         <p:nvSpPr>
           <p:cNvPr id="42" name="Google Shape;42;p9"/>
-          <p:cNvSpPr txBox="1"/>
+          <p:cNvSpPr txBox="1">
+            <a:spLocks noGrp="1"/>
+          </p:cNvSpPr>
           <p:nvPr>
-            <p:ph idx="1" type="subTitle"/>
+            <p:ph type="subTitle" idx="1"/>
           </p:nvPr>
         </p:nvSpPr>
         <p:spPr>
@@ -5242,7 +5829,7 @@
           </a:prstGeom>
         </p:spPr>
         <p:txBody>
-          <a:bodyPr anchorCtr="0" anchor="t" bIns="91425" lIns="91425" spcFirstLastPara="1" rIns="91425" wrap="square" tIns="91425">
+          <a:bodyPr spcFirstLastPara="1" wrap="square" lIns="91425" tIns="91425" rIns="91425" bIns="91425" anchor="t" anchorCtr="0">
             <a:normAutofit/>
           </a:bodyPr>
           <a:lstStyle>
@@ -5373,15 +5960,19 @@
               <a:defRPr sz="2100"/>
             </a:lvl9pPr>
           </a:lstStyle>
-          <a:p/>
+          <a:p>
+            <a:endParaRPr/>
+          </a:p>
         </p:txBody>
       </p:sp>
       <p:sp>
         <p:nvSpPr>
           <p:cNvPr id="43" name="Google Shape;43;p9"/>
-          <p:cNvSpPr txBox="1"/>
+          <p:cNvSpPr txBox="1">
+            <a:spLocks noGrp="1"/>
+          </p:cNvSpPr>
           <p:nvPr>
-            <p:ph idx="2" type="body"/>
+            <p:ph type="body" idx="2"/>
           </p:nvPr>
         </p:nvSpPr>
         <p:spPr>
@@ -5394,11 +5985,11 @@
           </a:prstGeom>
         </p:spPr>
         <p:txBody>
-          <a:bodyPr anchorCtr="0" anchor="ctr" bIns="91425" lIns="91425" spcFirstLastPara="1" rIns="91425" wrap="square" tIns="91425">
+          <a:bodyPr spcFirstLastPara="1" wrap="square" lIns="91425" tIns="91425" rIns="91425" bIns="91425" anchor="ctr" anchorCtr="0">
             <a:normAutofit/>
           </a:bodyPr>
           <a:lstStyle>
-            <a:lvl1pPr indent="-342900" lvl="0" marL="457200">
+            <a:lvl1pPr marL="457200" lvl="0" indent="-342900">
               <a:spcBef>
                 <a:spcPts val="0"/>
               </a:spcBef>
@@ -5416,7 +6007,7 @@
                 </a:solidFill>
               </a:defRPr>
             </a:lvl1pPr>
-            <a:lvl2pPr indent="-317500" lvl="1" marL="914400">
+            <a:lvl2pPr marL="914400" lvl="1" indent="-317500">
               <a:spcBef>
                 <a:spcPts val="0"/>
               </a:spcBef>
@@ -5434,7 +6025,7 @@
                 </a:solidFill>
               </a:defRPr>
             </a:lvl2pPr>
-            <a:lvl3pPr indent="-317500" lvl="2" marL="1371600">
+            <a:lvl3pPr marL="1371600" lvl="2" indent="-317500">
               <a:spcBef>
                 <a:spcPts val="0"/>
               </a:spcBef>
@@ -5452,7 +6043,7 @@
                 </a:solidFill>
               </a:defRPr>
             </a:lvl3pPr>
-            <a:lvl4pPr indent="-317500" lvl="3" marL="1828800">
+            <a:lvl4pPr marL="1828800" lvl="3" indent="-317500">
               <a:spcBef>
                 <a:spcPts val="0"/>
               </a:spcBef>
@@ -5470,7 +6061,7 @@
                 </a:solidFill>
               </a:defRPr>
             </a:lvl4pPr>
-            <a:lvl5pPr indent="-317500" lvl="4" marL="2286000">
+            <a:lvl5pPr marL="2286000" lvl="4" indent="-317500">
               <a:spcBef>
                 <a:spcPts val="0"/>
               </a:spcBef>
@@ -5488,7 +6079,7 @@
                 </a:solidFill>
               </a:defRPr>
             </a:lvl5pPr>
-            <a:lvl6pPr indent="-317500" lvl="5" marL="2743200">
+            <a:lvl6pPr marL="2743200" lvl="5" indent="-317500">
               <a:spcBef>
                 <a:spcPts val="0"/>
               </a:spcBef>
@@ -5506,7 +6097,7 @@
                 </a:solidFill>
               </a:defRPr>
             </a:lvl6pPr>
-            <a:lvl7pPr indent="-317500" lvl="6" marL="3200400">
+            <a:lvl7pPr marL="3200400" lvl="6" indent="-317500">
               <a:spcBef>
                 <a:spcPts val="0"/>
               </a:spcBef>
@@ -5524,7 +6115,7 @@
                 </a:solidFill>
               </a:defRPr>
             </a:lvl7pPr>
-            <a:lvl8pPr indent="-317500" lvl="7" marL="3657600">
+            <a:lvl8pPr marL="3657600" lvl="7" indent="-317500">
               <a:spcBef>
                 <a:spcPts val="0"/>
               </a:spcBef>
@@ -5542,7 +6133,7 @@
                 </a:solidFill>
               </a:defRPr>
             </a:lvl8pPr>
-            <a:lvl9pPr indent="-317500" lvl="8" marL="4114800">
+            <a:lvl9pPr marL="4114800" lvl="8" indent="-317500">
               <a:spcBef>
                 <a:spcPts val="0"/>
               </a:spcBef>
@@ -5561,15 +6152,19 @@
               </a:defRPr>
             </a:lvl9pPr>
           </a:lstStyle>
-          <a:p/>
+          <a:p>
+            <a:endParaRPr/>
+          </a:p>
         </p:txBody>
       </p:sp>
       <p:sp>
         <p:nvSpPr>
           <p:cNvPr id="44" name="Google Shape;44;p9"/>
-          <p:cNvSpPr txBox="1"/>
+          <p:cNvSpPr txBox="1">
+            <a:spLocks noGrp="1"/>
+          </p:cNvSpPr>
           <p:nvPr>
-            <p:ph idx="12" type="sldNum"/>
+            <p:ph type="sldNum" idx="12"/>
           </p:nvPr>
         </p:nvSpPr>
         <p:spPr>
@@ -5582,7 +6177,7 @@
           </a:prstGeom>
         </p:spPr>
         <p:txBody>
-          <a:bodyPr anchorCtr="0" anchor="ctr" bIns="91425" lIns="91425" spcFirstLastPara="1" rIns="91425" wrap="square" tIns="91425">
+          <a:bodyPr spcFirstLastPara="1" wrap="square" lIns="91425" tIns="91425" rIns="91425" bIns="91425" anchor="ctr" anchorCtr="0">
             <a:normAutofit/>
           </a:bodyPr>
           <a:lstStyle>
@@ -5660,7 +6255,7 @@
             </a:lvl9pPr>
           </a:lstStyle>
           <a:p>
-            <a:pPr indent="0" lvl="0" marL="0" rtl="0" algn="r">
+            <a:pPr marL="0" lvl="0" indent="0" algn="r" rtl="0">
               <a:spcBef>
                 <a:spcPts val="0"/>
               </a:spcBef>
@@ -5686,11 +6281,11 @@
 </file>
 
 <file path=ppt/slideLayouts/slideLayout9.xml><?xml version="1.0" encoding="utf-8"?>
-<p:sldLayout xmlns:a="http://schemas.openxmlformats.org/drawingml/2006/main" xmlns:r="http://schemas.openxmlformats.org/officeDocument/2006/relationships" xmlns:mc="http://schemas.openxmlformats.org/markup-compatibility/2006" xmlns:mv="urn:schemas-microsoft-com:mac:vml" xmlns:p="http://schemas.openxmlformats.org/presentationml/2006/main" xmlns:c="http://schemas.openxmlformats.org/drawingml/2006/chart" xmlns:dgm="http://schemas.openxmlformats.org/drawingml/2006/diagram" xmlns:o="urn:schemas-microsoft-com:office:office" xmlns:v="urn:schemas-microsoft-com:vml" xmlns:pvml="urn:schemas-microsoft-com:office:powerpoint" xmlns:com="http://schemas.openxmlformats.org/drawingml/2006/compatibility" xmlns:p14="http://schemas.microsoft.com/office/powerpoint/2010/main" xmlns:p15="http://schemas.microsoft.com/office/powerpoint/2012/main" xmlns:ahyp="http://schemas.microsoft.com/office/drawing/2018/hyperlinkcolor" matchingName="Caption">
+<p:sldLayout xmlns:a="http://schemas.openxmlformats.org/drawingml/2006/main" xmlns:r="http://schemas.openxmlformats.org/officeDocument/2006/relationships" xmlns:p="http://schemas.openxmlformats.org/presentationml/2006/main" matchingName="Caption">
   <p:cSld name="CAPTION_ONLY">
     <p:spTree>
       <p:nvGrpSpPr>
-        <p:cNvPr id="45" name="Shape 45"/>
+        <p:cNvPr id="1" name="Shape 45"/>
         <p:cNvGrpSpPr/>
         <p:nvPr/>
       </p:nvGrpSpPr>
@@ -5705,9 +6300,11 @@
       <p:sp>
         <p:nvSpPr>
           <p:cNvPr id="46" name="Google Shape;46;p10"/>
-          <p:cNvSpPr txBox="1"/>
+          <p:cNvSpPr txBox="1">
+            <a:spLocks noGrp="1"/>
+          </p:cNvSpPr>
           <p:nvPr>
-            <p:ph idx="1" type="body"/>
+            <p:ph type="body" idx="1"/>
           </p:nvPr>
         </p:nvSpPr>
         <p:spPr>
@@ -5720,11 +6317,11 @@
           </a:prstGeom>
         </p:spPr>
         <p:txBody>
-          <a:bodyPr anchorCtr="0" anchor="ctr" bIns="91425" lIns="91425" spcFirstLastPara="1" rIns="91425" wrap="square" tIns="91425">
+          <a:bodyPr spcFirstLastPara="1" wrap="square" lIns="91425" tIns="91425" rIns="91425" bIns="91425" anchor="ctr" anchorCtr="0">
             <a:normAutofit/>
           </a:bodyPr>
           <a:lstStyle>
-            <a:lvl1pPr indent="-228600" lvl="0" marL="457200">
+            <a:lvl1pPr marL="457200" lvl="0" indent="-228600">
               <a:lnSpc>
                 <a:spcPct val="100000"/>
               </a:lnSpc>
@@ -5739,15 +6336,19 @@
               <a:defRPr sz="2100"/>
             </a:lvl1pPr>
           </a:lstStyle>
-          <a:p/>
+          <a:p>
+            <a:endParaRPr/>
+          </a:p>
         </p:txBody>
       </p:sp>
       <p:sp>
         <p:nvSpPr>
           <p:cNvPr id="47" name="Google Shape;47;p10"/>
-          <p:cNvSpPr txBox="1"/>
+          <p:cNvSpPr txBox="1">
+            <a:spLocks noGrp="1"/>
+          </p:cNvSpPr>
           <p:nvPr>
-            <p:ph idx="12" type="sldNum"/>
+            <p:ph type="sldNum" idx="12"/>
           </p:nvPr>
         </p:nvSpPr>
         <p:spPr>
@@ -5760,7 +6361,7 @@
           </a:prstGeom>
         </p:spPr>
         <p:txBody>
-          <a:bodyPr anchorCtr="0" anchor="ctr" bIns="91425" lIns="91425" spcFirstLastPara="1" rIns="91425" wrap="square" tIns="91425">
+          <a:bodyPr spcFirstLastPara="1" wrap="square" lIns="91425" tIns="91425" rIns="91425" bIns="91425" anchor="ctr" anchorCtr="0">
             <a:normAutofit/>
           </a:bodyPr>
           <a:lstStyle>
@@ -5802,7 +6403,7 @@
             </a:lvl9pPr>
           </a:lstStyle>
           <a:p>
-            <a:pPr indent="0" lvl="0" marL="0" rtl="0" algn="r">
+            <a:pPr marL="0" lvl="0" indent="0" algn="r" rtl="0">
               <a:spcBef>
                 <a:spcPts val="0"/>
               </a:spcBef>
@@ -5828,18 +6429,19 @@
 </file>
 
 <file path=ppt/slideMasters/slideMaster1.xml><?xml version="1.0" encoding="utf-8"?>
-<p:sldMaster xmlns:a="http://schemas.openxmlformats.org/drawingml/2006/main" xmlns:r="http://schemas.openxmlformats.org/officeDocument/2006/relationships" xmlns:mc="http://schemas.openxmlformats.org/markup-compatibility/2006" xmlns:mv="urn:schemas-microsoft-com:mac:vml" xmlns:p="http://schemas.openxmlformats.org/presentationml/2006/main" xmlns:c="http://schemas.openxmlformats.org/drawingml/2006/chart" xmlns:dgm="http://schemas.openxmlformats.org/drawingml/2006/diagram" xmlns:o="urn:schemas-microsoft-com:office:office" xmlns:v="urn:schemas-microsoft-com:vml" xmlns:pvml="urn:schemas-microsoft-com:office:powerpoint" xmlns:com="http://schemas.openxmlformats.org/drawingml/2006/compatibility" xmlns:p14="http://schemas.microsoft.com/office/powerpoint/2010/main" xmlns:p15="http://schemas.microsoft.com/office/powerpoint/2012/main" xmlns:ahyp="http://schemas.microsoft.com/office/drawing/2018/hyperlinkcolor">
+<p:sldMaster xmlns:a="http://schemas.openxmlformats.org/drawingml/2006/main" xmlns:r="http://schemas.openxmlformats.org/officeDocument/2006/relationships" xmlns:p="http://schemas.openxmlformats.org/presentationml/2006/main">
   <p:cSld name="spearmint">
     <p:bg>
       <p:bgPr>
         <a:solidFill>
           <a:schemeClr val="lt1"/>
         </a:solidFill>
+        <a:effectLst/>
       </p:bgPr>
     </p:bg>
     <p:spTree>
       <p:nvGrpSpPr>
-        <p:cNvPr id="5" name="Shape 5"/>
+        <p:cNvPr id="1" name="Shape 5"/>
         <p:cNvGrpSpPr/>
         <p:nvPr/>
       </p:nvGrpSpPr>
@@ -5854,7 +6456,9 @@
       <p:sp>
         <p:nvSpPr>
           <p:cNvPr id="6" name="Google Shape;6;p1"/>
-          <p:cNvSpPr txBox="1"/>
+          <p:cNvSpPr txBox="1">
+            <a:spLocks noGrp="1"/>
+          </p:cNvSpPr>
           <p:nvPr>
             <p:ph type="title"/>
           </p:nvPr>
@@ -5873,7 +6477,7 @@
           </a:ln>
         </p:spPr>
         <p:txBody>
-          <a:bodyPr anchorCtr="0" anchor="t" bIns="91425" lIns="91425" spcFirstLastPara="1" rIns="91425" wrap="square" tIns="91425">
+          <a:bodyPr spcFirstLastPara="1" wrap="square" lIns="91425" tIns="91425" rIns="91425" bIns="91425" anchor="t" anchorCtr="0">
             <a:normAutofit/>
           </a:bodyPr>
           <a:lstStyle>
@@ -6085,15 +6689,19 @@
               </a:defRPr>
             </a:lvl9pPr>
           </a:lstStyle>
-          <a:p/>
+          <a:p>
+            <a:endParaRPr/>
+          </a:p>
         </p:txBody>
       </p:sp>
       <p:sp>
         <p:nvSpPr>
           <p:cNvPr id="7" name="Google Shape;7;p1"/>
-          <p:cNvSpPr txBox="1"/>
+          <p:cNvSpPr txBox="1">
+            <a:spLocks noGrp="1"/>
+          </p:cNvSpPr>
           <p:nvPr>
-            <p:ph idx="1" type="body"/>
+            <p:ph type="body" idx="1"/>
           </p:nvPr>
         </p:nvSpPr>
         <p:spPr>
@@ -6110,11 +6718,11 @@
           </a:ln>
         </p:spPr>
         <p:txBody>
-          <a:bodyPr anchorCtr="0" anchor="t" bIns="91425" lIns="91425" spcFirstLastPara="1" rIns="91425" wrap="square" tIns="91425">
+          <a:bodyPr spcFirstLastPara="1" wrap="square" lIns="91425" tIns="91425" rIns="91425" bIns="91425" anchor="t" anchorCtr="0">
             <a:normAutofit/>
           </a:bodyPr>
           <a:lstStyle>
-            <a:lvl1pPr indent="-342900" lvl="0" marL="457200">
+            <a:lvl1pPr marL="457200" lvl="0" indent="-342900">
               <a:lnSpc>
                 <a:spcPct val="115000"/>
               </a:lnSpc>
@@ -6140,7 +6748,7 @@
                 <a:sym typeface="Proxima Nova"/>
               </a:defRPr>
             </a:lvl1pPr>
-            <a:lvl2pPr indent="-317500" lvl="1" marL="914400">
+            <a:lvl2pPr marL="914400" lvl="1" indent="-317500">
               <a:lnSpc>
                 <a:spcPct val="115000"/>
               </a:lnSpc>
@@ -6166,7 +6774,7 @@
                 <a:sym typeface="Proxima Nova"/>
               </a:defRPr>
             </a:lvl2pPr>
-            <a:lvl3pPr indent="-317500" lvl="2" marL="1371600">
+            <a:lvl3pPr marL="1371600" lvl="2" indent="-317500">
               <a:lnSpc>
                 <a:spcPct val="115000"/>
               </a:lnSpc>
@@ -6192,7 +6800,7 @@
                 <a:sym typeface="Proxima Nova"/>
               </a:defRPr>
             </a:lvl3pPr>
-            <a:lvl4pPr indent="-317500" lvl="3" marL="1828800">
+            <a:lvl4pPr marL="1828800" lvl="3" indent="-317500">
               <a:lnSpc>
                 <a:spcPct val="115000"/>
               </a:lnSpc>
@@ -6218,7 +6826,7 @@
                 <a:sym typeface="Proxima Nova"/>
               </a:defRPr>
             </a:lvl4pPr>
-            <a:lvl5pPr indent="-317500" lvl="4" marL="2286000">
+            <a:lvl5pPr marL="2286000" lvl="4" indent="-317500">
               <a:lnSpc>
                 <a:spcPct val="115000"/>
               </a:lnSpc>
@@ -6244,7 +6852,7 @@
                 <a:sym typeface="Proxima Nova"/>
               </a:defRPr>
             </a:lvl5pPr>
-            <a:lvl6pPr indent="-317500" lvl="5" marL="2743200">
+            <a:lvl6pPr marL="2743200" lvl="5" indent="-317500">
               <a:lnSpc>
                 <a:spcPct val="115000"/>
               </a:lnSpc>
@@ -6270,7 +6878,7 @@
                 <a:sym typeface="Proxima Nova"/>
               </a:defRPr>
             </a:lvl6pPr>
-            <a:lvl7pPr indent="-317500" lvl="6" marL="3200400">
+            <a:lvl7pPr marL="3200400" lvl="6" indent="-317500">
               <a:lnSpc>
                 <a:spcPct val="115000"/>
               </a:lnSpc>
@@ -6296,7 +6904,7 @@
                 <a:sym typeface="Proxima Nova"/>
               </a:defRPr>
             </a:lvl7pPr>
-            <a:lvl8pPr indent="-317500" lvl="7" marL="3657600">
+            <a:lvl8pPr marL="3657600" lvl="7" indent="-317500">
               <a:lnSpc>
                 <a:spcPct val="115000"/>
               </a:lnSpc>
@@ -6322,7 +6930,7 @@
                 <a:sym typeface="Proxima Nova"/>
               </a:defRPr>
             </a:lvl8pPr>
-            <a:lvl9pPr indent="-317500" lvl="8" marL="4114800">
+            <a:lvl9pPr marL="4114800" lvl="8" indent="-317500">
               <a:lnSpc>
                 <a:spcPct val="115000"/>
               </a:lnSpc>
@@ -6349,15 +6957,19 @@
               </a:defRPr>
             </a:lvl9pPr>
           </a:lstStyle>
-          <a:p/>
+          <a:p>
+            <a:endParaRPr/>
+          </a:p>
         </p:txBody>
       </p:sp>
       <p:sp>
         <p:nvSpPr>
           <p:cNvPr id="8" name="Google Shape;8;p1"/>
-          <p:cNvSpPr txBox="1"/>
+          <p:cNvSpPr txBox="1">
+            <a:spLocks noGrp="1"/>
+          </p:cNvSpPr>
           <p:nvPr>
-            <p:ph idx="12" type="sldNum"/>
+            <p:ph type="sldNum" idx="12"/>
           </p:nvPr>
         </p:nvSpPr>
         <p:spPr>
@@ -6374,7 +6986,7 @@
           </a:ln>
         </p:spPr>
         <p:txBody>
-          <a:bodyPr anchorCtr="0" anchor="ctr" bIns="91425" lIns="91425" spcFirstLastPara="1" rIns="91425" wrap="square" tIns="91425">
+          <a:bodyPr spcFirstLastPara="1" wrap="square" lIns="91425" tIns="91425" rIns="91425" bIns="91425" anchor="ctr" anchorCtr="0">
             <a:normAutofit/>
           </a:bodyPr>
           <a:lstStyle>
@@ -6488,7 +7100,7 @@
             </a:lvl9pPr>
           </a:lstStyle>
           <a:p>
-            <a:pPr indent="0" lvl="0" marL="0" rtl="0" algn="r">
+            <a:pPr marL="0" lvl="0" indent="0" algn="r" rtl="0">
               <a:spcBef>
                 <a:spcPts val="0"/>
               </a:spcBef>
@@ -6507,7 +7119,7 @@
       </p:sp>
     </p:spTree>
   </p:cSld>
-  <p:clrMap accent1="accent1" accent2="accent2" accent3="accent3" accent4="accent4" accent5="accent5" accent6="accent6" bg1="lt1" bg2="dk2" tx1="dk1" tx2="lt2" folHlink="folHlink" hlink="hlink"/>
+  <p:clrMap bg1="lt1" tx1="dk1" bg2="dk2" tx2="lt2" accent1="accent1" accent2="accent2" accent3="accent3" accent4="accent4" accent5="accent5" accent6="accent6" hlink="hlink" folHlink="folHlink"/>
   <p:sldLayoutIdLst>
     <p:sldLayoutId id="2147483648" r:id="rId1"/>
     <p:sldLayoutId id="2147483649" r:id="rId2"/>
@@ -6521,10 +7133,10 @@
     <p:sldLayoutId id="2147483657" r:id="rId10"/>
     <p:sldLayoutId id="2147483658" r:id="rId11"/>
   </p:sldLayoutIdLst>
-  <p:hf dt="0" ftr="0" hdr="0" sldNum="0"/>
+  <p:hf sldNum="0" hdr="0" ftr="0" dt="0"/>
   <p:txStyles>
     <p:titleStyle>
-      <a:defPPr lvl="0" marR="0" rtl="0" algn="l">
+      <a:defPPr marR="0" lvl="0" algn="l" rtl="0">
         <a:lnSpc>
           <a:spcPct val="100000"/>
         </a:lnSpc>
@@ -6535,7 +7147,7 @@
           <a:spcPts val="0"/>
         </a:spcAft>
       </a:defPPr>
-      <a:lvl1pPr lvl="0" marR="0" rtl="0" algn="l">
+      <a:lvl1pPr marR="0" lvl="0" algn="l" rtl="0">
         <a:lnSpc>
           <a:spcPct val="100000"/>
         </a:lnSpc>
@@ -6549,7 +7161,7 @@
           <a:srgbClr val="000000"/>
         </a:buClr>
         <a:buFont typeface="Arial"/>
-        <a:defRPr b="0" i="0" sz="1400" u="none" cap="none" strike="noStrike">
+        <a:defRPr sz="1400" b="0" i="0" u="none" strike="noStrike" cap="none">
           <a:solidFill>
             <a:srgbClr val="000000"/>
           </a:solidFill>
@@ -6559,7 +7171,7 @@
           <a:sym typeface="Arial"/>
         </a:defRPr>
       </a:lvl1pPr>
-      <a:lvl2pPr lvl="1" marR="0" rtl="0" algn="l">
+      <a:lvl2pPr marR="0" lvl="1" algn="l" rtl="0">
         <a:lnSpc>
           <a:spcPct val="100000"/>
         </a:lnSpc>
@@ -6573,7 +7185,7 @@
           <a:srgbClr val="000000"/>
         </a:buClr>
         <a:buFont typeface="Arial"/>
-        <a:defRPr b="0" i="0" sz="1400" u="none" cap="none" strike="noStrike">
+        <a:defRPr sz="1400" b="0" i="0" u="none" strike="noStrike" cap="none">
           <a:solidFill>
             <a:srgbClr val="000000"/>
           </a:solidFill>
@@ -6583,7 +7195,7 @@
           <a:sym typeface="Arial"/>
         </a:defRPr>
       </a:lvl2pPr>
-      <a:lvl3pPr lvl="2" marR="0" rtl="0" algn="l">
+      <a:lvl3pPr marR="0" lvl="2" algn="l" rtl="0">
         <a:lnSpc>
           <a:spcPct val="100000"/>
         </a:lnSpc>
@@ -6597,7 +7209,7 @@
           <a:srgbClr val="000000"/>
         </a:buClr>
         <a:buFont typeface="Arial"/>
-        <a:defRPr b="0" i="0" sz="1400" u="none" cap="none" strike="noStrike">
+        <a:defRPr sz="1400" b="0" i="0" u="none" strike="noStrike" cap="none">
           <a:solidFill>
             <a:srgbClr val="000000"/>
           </a:solidFill>
@@ -6607,7 +7219,7 @@
           <a:sym typeface="Arial"/>
         </a:defRPr>
       </a:lvl3pPr>
-      <a:lvl4pPr lvl="3" marR="0" rtl="0" algn="l">
+      <a:lvl4pPr marR="0" lvl="3" algn="l" rtl="0">
         <a:lnSpc>
           <a:spcPct val="100000"/>
         </a:lnSpc>
@@ -6621,7 +7233,7 @@
           <a:srgbClr val="000000"/>
         </a:buClr>
         <a:buFont typeface="Arial"/>
-        <a:defRPr b="0" i="0" sz="1400" u="none" cap="none" strike="noStrike">
+        <a:defRPr sz="1400" b="0" i="0" u="none" strike="noStrike" cap="none">
           <a:solidFill>
             <a:srgbClr val="000000"/>
           </a:solidFill>
@@ -6631,7 +7243,7 @@
           <a:sym typeface="Arial"/>
         </a:defRPr>
       </a:lvl4pPr>
-      <a:lvl5pPr lvl="4" marR="0" rtl="0" algn="l">
+      <a:lvl5pPr marR="0" lvl="4" algn="l" rtl="0">
         <a:lnSpc>
           <a:spcPct val="100000"/>
         </a:lnSpc>
@@ -6645,7 +7257,7 @@
           <a:srgbClr val="000000"/>
         </a:buClr>
         <a:buFont typeface="Arial"/>
-        <a:defRPr b="0" i="0" sz="1400" u="none" cap="none" strike="noStrike">
+        <a:defRPr sz="1400" b="0" i="0" u="none" strike="noStrike" cap="none">
           <a:solidFill>
             <a:srgbClr val="000000"/>
           </a:solidFill>
@@ -6655,7 +7267,7 @@
           <a:sym typeface="Arial"/>
         </a:defRPr>
       </a:lvl5pPr>
-      <a:lvl6pPr lvl="5" marR="0" rtl="0" algn="l">
+      <a:lvl6pPr marR="0" lvl="5" algn="l" rtl="0">
         <a:lnSpc>
           <a:spcPct val="100000"/>
         </a:lnSpc>
@@ -6669,7 +7281,7 @@
           <a:srgbClr val="000000"/>
         </a:buClr>
         <a:buFont typeface="Arial"/>
-        <a:defRPr b="0" i="0" sz="1400" u="none" cap="none" strike="noStrike">
+        <a:defRPr sz="1400" b="0" i="0" u="none" strike="noStrike" cap="none">
           <a:solidFill>
             <a:srgbClr val="000000"/>
           </a:solidFill>
@@ -6679,7 +7291,7 @@
           <a:sym typeface="Arial"/>
         </a:defRPr>
       </a:lvl6pPr>
-      <a:lvl7pPr lvl="6" marR="0" rtl="0" algn="l">
+      <a:lvl7pPr marR="0" lvl="6" algn="l" rtl="0">
         <a:lnSpc>
           <a:spcPct val="100000"/>
         </a:lnSpc>
@@ -6693,7 +7305,7 @@
           <a:srgbClr val="000000"/>
         </a:buClr>
         <a:buFont typeface="Arial"/>
-        <a:defRPr b="0" i="0" sz="1400" u="none" cap="none" strike="noStrike">
+        <a:defRPr sz="1400" b="0" i="0" u="none" strike="noStrike" cap="none">
           <a:solidFill>
             <a:srgbClr val="000000"/>
           </a:solidFill>
@@ -6703,7 +7315,7 @@
           <a:sym typeface="Arial"/>
         </a:defRPr>
       </a:lvl7pPr>
-      <a:lvl8pPr lvl="7" marR="0" rtl="0" algn="l">
+      <a:lvl8pPr marR="0" lvl="7" algn="l" rtl="0">
         <a:lnSpc>
           <a:spcPct val="100000"/>
         </a:lnSpc>
@@ -6717,7 +7329,7 @@
           <a:srgbClr val="000000"/>
         </a:buClr>
         <a:buFont typeface="Arial"/>
-        <a:defRPr b="0" i="0" sz="1400" u="none" cap="none" strike="noStrike">
+        <a:defRPr sz="1400" b="0" i="0" u="none" strike="noStrike" cap="none">
           <a:solidFill>
             <a:srgbClr val="000000"/>
           </a:solidFill>
@@ -6727,7 +7339,7 @@
           <a:sym typeface="Arial"/>
         </a:defRPr>
       </a:lvl8pPr>
-      <a:lvl9pPr lvl="8" marR="0" rtl="0" algn="l">
+      <a:lvl9pPr marR="0" lvl="8" algn="l" rtl="0">
         <a:lnSpc>
           <a:spcPct val="100000"/>
         </a:lnSpc>
@@ -6741,7 +7353,7 @@
           <a:srgbClr val="000000"/>
         </a:buClr>
         <a:buFont typeface="Arial"/>
-        <a:defRPr b="0" i="0" sz="1400" u="none" cap="none" strike="noStrike">
+        <a:defRPr sz="1400" b="0" i="0" u="none" strike="noStrike" cap="none">
           <a:solidFill>
             <a:srgbClr val="000000"/>
           </a:solidFill>
@@ -6753,7 +7365,7 @@
       </a:lvl9pPr>
     </p:titleStyle>
     <p:bodyStyle>
-      <a:defPPr lvl="0" marR="0" rtl="0" algn="l">
+      <a:defPPr marR="0" lvl="0" algn="l" rtl="0">
         <a:lnSpc>
           <a:spcPct val="100000"/>
         </a:lnSpc>
@@ -6764,7 +7376,7 @@
           <a:spcPts val="0"/>
         </a:spcAft>
       </a:defPPr>
-      <a:lvl1pPr lvl="0" marR="0" rtl="0" algn="l">
+      <a:lvl1pPr marR="0" lvl="0" algn="l" rtl="0">
         <a:lnSpc>
           <a:spcPct val="100000"/>
         </a:lnSpc>
@@ -6778,7 +7390,7 @@
           <a:srgbClr val="000000"/>
         </a:buClr>
         <a:buFont typeface="Arial"/>
-        <a:defRPr b="0" i="0" sz="1400" u="none" cap="none" strike="noStrike">
+        <a:defRPr sz="1400" b="0" i="0" u="none" strike="noStrike" cap="none">
           <a:solidFill>
             <a:srgbClr val="000000"/>
           </a:solidFill>
@@ -6788,7 +7400,7 @@
           <a:sym typeface="Arial"/>
         </a:defRPr>
       </a:lvl1pPr>
-      <a:lvl2pPr lvl="1" marR="0" rtl="0" algn="l">
+      <a:lvl2pPr marR="0" lvl="1" algn="l" rtl="0">
         <a:lnSpc>
           <a:spcPct val="100000"/>
         </a:lnSpc>
@@ -6802,7 +7414,7 @@
           <a:srgbClr val="000000"/>
         </a:buClr>
         <a:buFont typeface="Arial"/>
-        <a:defRPr b="0" i="0" sz="1400" u="none" cap="none" strike="noStrike">
+        <a:defRPr sz="1400" b="0" i="0" u="none" strike="noStrike" cap="none">
           <a:solidFill>
             <a:srgbClr val="000000"/>
           </a:solidFill>
@@ -6812,7 +7424,7 @@
           <a:sym typeface="Arial"/>
         </a:defRPr>
       </a:lvl2pPr>
-      <a:lvl3pPr lvl="2" marR="0" rtl="0" algn="l">
+      <a:lvl3pPr marR="0" lvl="2" algn="l" rtl="0">
         <a:lnSpc>
           <a:spcPct val="100000"/>
         </a:lnSpc>
@@ -6826,7 +7438,7 @@
           <a:srgbClr val="000000"/>
         </a:buClr>
         <a:buFont typeface="Arial"/>
-        <a:defRPr b="0" i="0" sz="1400" u="none" cap="none" strike="noStrike">
+        <a:defRPr sz="1400" b="0" i="0" u="none" strike="noStrike" cap="none">
           <a:solidFill>
             <a:srgbClr val="000000"/>
           </a:solidFill>
@@ -6836,7 +7448,7 @@
           <a:sym typeface="Arial"/>
         </a:defRPr>
       </a:lvl3pPr>
-      <a:lvl4pPr lvl="3" marR="0" rtl="0" algn="l">
+      <a:lvl4pPr marR="0" lvl="3" algn="l" rtl="0">
         <a:lnSpc>
           <a:spcPct val="100000"/>
         </a:lnSpc>
@@ -6850,7 +7462,7 @@
           <a:srgbClr val="000000"/>
         </a:buClr>
         <a:buFont typeface="Arial"/>
-        <a:defRPr b="0" i="0" sz="1400" u="none" cap="none" strike="noStrike">
+        <a:defRPr sz="1400" b="0" i="0" u="none" strike="noStrike" cap="none">
           <a:solidFill>
             <a:srgbClr val="000000"/>
           </a:solidFill>
@@ -6860,7 +7472,7 @@
           <a:sym typeface="Arial"/>
         </a:defRPr>
       </a:lvl4pPr>
-      <a:lvl5pPr lvl="4" marR="0" rtl="0" algn="l">
+      <a:lvl5pPr marR="0" lvl="4" algn="l" rtl="0">
         <a:lnSpc>
           <a:spcPct val="100000"/>
         </a:lnSpc>
@@ -6874,7 +7486,7 @@
           <a:srgbClr val="000000"/>
         </a:buClr>
         <a:buFont typeface="Arial"/>
-        <a:defRPr b="0" i="0" sz="1400" u="none" cap="none" strike="noStrike">
+        <a:defRPr sz="1400" b="0" i="0" u="none" strike="noStrike" cap="none">
           <a:solidFill>
             <a:srgbClr val="000000"/>
           </a:solidFill>
@@ -6884,7 +7496,7 @@
           <a:sym typeface="Arial"/>
         </a:defRPr>
       </a:lvl5pPr>
-      <a:lvl6pPr lvl="5" marR="0" rtl="0" algn="l">
+      <a:lvl6pPr marR="0" lvl="5" algn="l" rtl="0">
         <a:lnSpc>
           <a:spcPct val="100000"/>
         </a:lnSpc>
@@ -6898,7 +7510,7 @@
           <a:srgbClr val="000000"/>
         </a:buClr>
         <a:buFont typeface="Arial"/>
-        <a:defRPr b="0" i="0" sz="1400" u="none" cap="none" strike="noStrike">
+        <a:defRPr sz="1400" b="0" i="0" u="none" strike="noStrike" cap="none">
           <a:solidFill>
             <a:srgbClr val="000000"/>
           </a:solidFill>
@@ -6908,7 +7520,7 @@
           <a:sym typeface="Arial"/>
         </a:defRPr>
       </a:lvl6pPr>
-      <a:lvl7pPr lvl="6" marR="0" rtl="0" algn="l">
+      <a:lvl7pPr marR="0" lvl="6" algn="l" rtl="0">
         <a:lnSpc>
           <a:spcPct val="100000"/>
         </a:lnSpc>
@@ -6922,7 +7534,7 @@
           <a:srgbClr val="000000"/>
         </a:buClr>
         <a:buFont typeface="Arial"/>
-        <a:defRPr b="0" i="0" sz="1400" u="none" cap="none" strike="noStrike">
+        <a:defRPr sz="1400" b="0" i="0" u="none" strike="noStrike" cap="none">
           <a:solidFill>
             <a:srgbClr val="000000"/>
           </a:solidFill>
@@ -6932,7 +7544,7 @@
           <a:sym typeface="Arial"/>
         </a:defRPr>
       </a:lvl7pPr>
-      <a:lvl8pPr lvl="7" marR="0" rtl="0" algn="l">
+      <a:lvl8pPr marR="0" lvl="7" algn="l" rtl="0">
         <a:lnSpc>
           <a:spcPct val="100000"/>
         </a:lnSpc>
@@ -6946,7 +7558,7 @@
           <a:srgbClr val="000000"/>
         </a:buClr>
         <a:buFont typeface="Arial"/>
-        <a:defRPr b="0" i="0" sz="1400" u="none" cap="none" strike="noStrike">
+        <a:defRPr sz="1400" b="0" i="0" u="none" strike="noStrike" cap="none">
           <a:solidFill>
             <a:srgbClr val="000000"/>
           </a:solidFill>
@@ -6956,7 +7568,7 @@
           <a:sym typeface="Arial"/>
         </a:defRPr>
       </a:lvl8pPr>
-      <a:lvl9pPr lvl="8" marR="0" rtl="0" algn="l">
+      <a:lvl9pPr marR="0" lvl="8" algn="l" rtl="0">
         <a:lnSpc>
           <a:spcPct val="100000"/>
         </a:lnSpc>
@@ -6970,7 +7582,7 @@
           <a:srgbClr val="000000"/>
         </a:buClr>
         <a:buFont typeface="Arial"/>
-        <a:defRPr b="0" i="0" sz="1400" u="none" cap="none" strike="noStrike">
+        <a:defRPr sz="1400" b="0" i="0" u="none" strike="noStrike" cap="none">
           <a:solidFill>
             <a:srgbClr val="000000"/>
           </a:solidFill>
@@ -6982,7 +7594,7 @@
       </a:lvl9pPr>
     </p:bodyStyle>
     <p:otherStyle>
-      <a:defPPr lvl="0" marR="0" rtl="0" algn="l">
+      <a:defPPr marR="0" lvl="0" algn="l" rtl="0">
         <a:lnSpc>
           <a:spcPct val="100000"/>
         </a:lnSpc>
@@ -6993,7 +7605,7 @@
           <a:spcPts val="0"/>
         </a:spcAft>
       </a:defPPr>
-      <a:lvl1pPr lvl="0" marR="0" rtl="0" algn="l">
+      <a:lvl1pPr marR="0" lvl="0" algn="l" rtl="0">
         <a:lnSpc>
           <a:spcPct val="100000"/>
         </a:lnSpc>
@@ -7007,7 +7619,7 @@
           <a:srgbClr val="000000"/>
         </a:buClr>
         <a:buFont typeface="Arial"/>
-        <a:defRPr b="0" i="0" sz="1400" u="none" cap="none" strike="noStrike">
+        <a:defRPr sz="1400" b="0" i="0" u="none" strike="noStrike" cap="none">
           <a:solidFill>
             <a:srgbClr val="000000"/>
           </a:solidFill>
@@ -7017,7 +7629,7 @@
           <a:sym typeface="Arial"/>
         </a:defRPr>
       </a:lvl1pPr>
-      <a:lvl2pPr lvl="1" marR="0" rtl="0" algn="l">
+      <a:lvl2pPr marR="0" lvl="1" algn="l" rtl="0">
         <a:lnSpc>
           <a:spcPct val="100000"/>
         </a:lnSpc>
@@ -7031,7 +7643,7 @@
           <a:srgbClr val="000000"/>
         </a:buClr>
         <a:buFont typeface="Arial"/>
-        <a:defRPr b="0" i="0" sz="1400" u="none" cap="none" strike="noStrike">
+        <a:defRPr sz="1400" b="0" i="0" u="none" strike="noStrike" cap="none">
           <a:solidFill>
             <a:srgbClr val="000000"/>
           </a:solidFill>
@@ -7041,7 +7653,7 @@
           <a:sym typeface="Arial"/>
         </a:defRPr>
       </a:lvl2pPr>
-      <a:lvl3pPr lvl="2" marR="0" rtl="0" algn="l">
+      <a:lvl3pPr marR="0" lvl="2" algn="l" rtl="0">
         <a:lnSpc>
           <a:spcPct val="100000"/>
         </a:lnSpc>
@@ -7055,7 +7667,7 @@
           <a:srgbClr val="000000"/>
         </a:buClr>
         <a:buFont typeface="Arial"/>
-        <a:defRPr b="0" i="0" sz="1400" u="none" cap="none" strike="noStrike">
+        <a:defRPr sz="1400" b="0" i="0" u="none" strike="noStrike" cap="none">
           <a:solidFill>
             <a:srgbClr val="000000"/>
           </a:solidFill>
@@ -7065,7 +7677,7 @@
           <a:sym typeface="Arial"/>
         </a:defRPr>
       </a:lvl3pPr>
-      <a:lvl4pPr lvl="3" marR="0" rtl="0" algn="l">
+      <a:lvl4pPr marR="0" lvl="3" algn="l" rtl="0">
         <a:lnSpc>
           <a:spcPct val="100000"/>
         </a:lnSpc>
@@ -7079,7 +7691,7 @@
           <a:srgbClr val="000000"/>
         </a:buClr>
         <a:buFont typeface="Arial"/>
-        <a:defRPr b="0" i="0" sz="1400" u="none" cap="none" strike="noStrike">
+        <a:defRPr sz="1400" b="0" i="0" u="none" strike="noStrike" cap="none">
           <a:solidFill>
             <a:srgbClr val="000000"/>
           </a:solidFill>
@@ -7089,7 +7701,7 @@
           <a:sym typeface="Arial"/>
         </a:defRPr>
       </a:lvl4pPr>
-      <a:lvl5pPr lvl="4" marR="0" rtl="0" algn="l">
+      <a:lvl5pPr marR="0" lvl="4" algn="l" rtl="0">
         <a:lnSpc>
           <a:spcPct val="100000"/>
         </a:lnSpc>
@@ -7103,7 +7715,7 @@
           <a:srgbClr val="000000"/>
         </a:buClr>
         <a:buFont typeface="Arial"/>
-        <a:defRPr b="0" i="0" sz="1400" u="none" cap="none" strike="noStrike">
+        <a:defRPr sz="1400" b="0" i="0" u="none" strike="noStrike" cap="none">
           <a:solidFill>
             <a:srgbClr val="000000"/>
           </a:solidFill>
@@ -7113,7 +7725,7 @@
           <a:sym typeface="Arial"/>
         </a:defRPr>
       </a:lvl5pPr>
-      <a:lvl6pPr lvl="5" marR="0" rtl="0" algn="l">
+      <a:lvl6pPr marR="0" lvl="5" algn="l" rtl="0">
         <a:lnSpc>
           <a:spcPct val="100000"/>
         </a:lnSpc>
@@ -7127,7 +7739,7 @@
           <a:srgbClr val="000000"/>
         </a:buClr>
         <a:buFont typeface="Arial"/>
-        <a:defRPr b="0" i="0" sz="1400" u="none" cap="none" strike="noStrike">
+        <a:defRPr sz="1400" b="0" i="0" u="none" strike="noStrike" cap="none">
           <a:solidFill>
             <a:srgbClr val="000000"/>
           </a:solidFill>
@@ -7137,7 +7749,7 @@
           <a:sym typeface="Arial"/>
         </a:defRPr>
       </a:lvl6pPr>
-      <a:lvl7pPr lvl="6" marR="0" rtl="0" algn="l">
+      <a:lvl7pPr marR="0" lvl="6" algn="l" rtl="0">
         <a:lnSpc>
           <a:spcPct val="100000"/>
         </a:lnSpc>
@@ -7151,7 +7763,7 @@
           <a:srgbClr val="000000"/>
         </a:buClr>
         <a:buFont typeface="Arial"/>
-        <a:defRPr b="0" i="0" sz="1400" u="none" cap="none" strike="noStrike">
+        <a:defRPr sz="1400" b="0" i="0" u="none" strike="noStrike" cap="none">
           <a:solidFill>
             <a:srgbClr val="000000"/>
           </a:solidFill>
@@ -7161,7 +7773,7 @@
           <a:sym typeface="Arial"/>
         </a:defRPr>
       </a:lvl7pPr>
-      <a:lvl8pPr lvl="7" marR="0" rtl="0" algn="l">
+      <a:lvl8pPr marR="0" lvl="7" algn="l" rtl="0">
         <a:lnSpc>
           <a:spcPct val="100000"/>
         </a:lnSpc>
@@ -7175,7 +7787,7 @@
           <a:srgbClr val="000000"/>
         </a:buClr>
         <a:buFont typeface="Arial"/>
-        <a:defRPr b="0" i="0" sz="1400" u="none" cap="none" strike="noStrike">
+        <a:defRPr sz="1400" b="0" i="0" u="none" strike="noStrike" cap="none">
           <a:solidFill>
             <a:srgbClr val="000000"/>
           </a:solidFill>
@@ -7185,7 +7797,7 @@
           <a:sym typeface="Arial"/>
         </a:defRPr>
       </a:lvl8pPr>
-      <a:lvl9pPr lvl="8" marR="0" rtl="0" algn="l">
+      <a:lvl9pPr marR="0" lvl="8" algn="l" rtl="0">
         <a:lnSpc>
           <a:spcPct val="100000"/>
         </a:lnSpc>
@@ -7199,7 +7811,7 @@
           <a:srgbClr val="000000"/>
         </a:buClr>
         <a:buFont typeface="Arial"/>
-        <a:defRPr b="0" i="0" sz="1400" u="none" cap="none" strike="noStrike">
+        <a:defRPr sz="1400" b="0" i="0" u="none" strike="noStrike" cap="none">
           <a:solidFill>
             <a:srgbClr val="000000"/>
           </a:solidFill>
@@ -7215,11 +7827,11 @@
 </file>
 
 <file path=ppt/slides/slide1.xml><?xml version="1.0" encoding="utf-8"?>
-<p:sld xmlns:a="http://schemas.openxmlformats.org/drawingml/2006/main" xmlns:r="http://schemas.openxmlformats.org/officeDocument/2006/relationships" xmlns:mc="http://schemas.openxmlformats.org/markup-compatibility/2006" xmlns:mv="urn:schemas-microsoft-com:mac:vml" xmlns:p="http://schemas.openxmlformats.org/presentationml/2006/main" xmlns:c="http://schemas.openxmlformats.org/drawingml/2006/chart" xmlns:dgm="http://schemas.openxmlformats.org/drawingml/2006/diagram" xmlns:o="urn:schemas-microsoft-com:office:office" xmlns:v="urn:schemas-microsoft-com:vml" xmlns:pvml="urn:schemas-microsoft-com:office:powerpoint" xmlns:com="http://schemas.openxmlformats.org/drawingml/2006/compatibility" xmlns:p14="http://schemas.microsoft.com/office/powerpoint/2010/main" xmlns:p15="http://schemas.microsoft.com/office/powerpoint/2012/main" xmlns:ahyp="http://schemas.microsoft.com/office/drawing/2018/hyperlinkcolor">
+<p:sld xmlns:a="http://schemas.openxmlformats.org/drawingml/2006/main" xmlns:r="http://schemas.openxmlformats.org/officeDocument/2006/relationships" xmlns:p="http://schemas.openxmlformats.org/presentationml/2006/main">
   <p:cSld>
     <p:spTree>
       <p:nvGrpSpPr>
-        <p:cNvPr id="58" name="Shape 58"/>
+        <p:cNvPr id="1" name="Shape 58"/>
         <p:cNvGrpSpPr/>
         <p:nvPr/>
       </p:nvGrpSpPr>
@@ -7234,7 +7846,9 @@
       <p:sp>
         <p:nvSpPr>
           <p:cNvPr id="59" name="Google Shape;59;p13"/>
-          <p:cNvSpPr txBox="1"/>
+          <p:cNvSpPr txBox="1">
+            <a:spLocks noGrp="1"/>
+          </p:cNvSpPr>
           <p:nvPr>
             <p:ph type="ctrTitle"/>
           </p:nvPr>
@@ -7249,12 +7863,12 @@
           </a:prstGeom>
         </p:spPr>
         <p:txBody>
-          <a:bodyPr anchorCtr="0" anchor="b" bIns="91425" lIns="91425" spcFirstLastPara="1" rIns="91425" wrap="square" tIns="91425">
+          <a:bodyPr spcFirstLastPara="1" wrap="square" lIns="91425" tIns="91425" rIns="91425" bIns="91425" anchor="b" anchorCtr="0">
             <a:normAutofit fontScale="90000"/>
           </a:bodyPr>
           <a:lstStyle/>
           <a:p>
-            <a:pPr indent="0" lvl="0" marL="0" rtl="0" algn="l">
+            <a:pPr marL="0" lvl="0" indent="0" algn="l" rtl="0">
               <a:spcBef>
                 <a:spcPts val="0"/>
               </a:spcBef>
@@ -7270,7 +7884,7 @@
             <a:endParaRPr/>
           </a:p>
           <a:p>
-            <a:pPr indent="0" lvl="0" marL="0" rtl="0" algn="l">
+            <a:pPr marL="0" lvl="0" indent="0" algn="l" rtl="0">
               <a:spcBef>
                 <a:spcPts val="0"/>
               </a:spcBef>
@@ -7290,9 +7904,11 @@
       <p:sp>
         <p:nvSpPr>
           <p:cNvPr id="60" name="Google Shape;60;p13"/>
-          <p:cNvSpPr txBox="1"/>
+          <p:cNvSpPr txBox="1">
+            <a:spLocks noGrp="1"/>
+          </p:cNvSpPr>
           <p:nvPr>
-            <p:ph idx="1" type="subTitle"/>
+            <p:ph type="subTitle" idx="1"/>
           </p:nvPr>
         </p:nvSpPr>
         <p:spPr>
@@ -7305,12 +7921,12 @@
           </a:prstGeom>
         </p:spPr>
         <p:txBody>
-          <a:bodyPr anchorCtr="0" anchor="t" bIns="91425" lIns="91425" spcFirstLastPara="1" rIns="91425" wrap="square" tIns="91425">
+          <a:bodyPr spcFirstLastPara="1" wrap="square" lIns="91425" tIns="91425" rIns="91425" bIns="91425" anchor="t" anchorCtr="0">
             <a:normAutofit/>
           </a:bodyPr>
           <a:lstStyle/>
           <a:p>
-            <a:pPr indent="0" lvl="0" marL="0" rtl="0" algn="l">
+            <a:pPr marL="0" lvl="0" indent="0" algn="l" rtl="0">
               <a:spcBef>
                 <a:spcPts val="0"/>
               </a:spcBef>
@@ -7336,11 +7952,816 @@
 </file>
 
 <file path=ppt/slides/slide10.xml><?xml version="1.0" encoding="utf-8"?>
-<p:sld xmlns:a="http://schemas.openxmlformats.org/drawingml/2006/main" xmlns:r="http://schemas.openxmlformats.org/officeDocument/2006/relationships" xmlns:mc="http://schemas.openxmlformats.org/markup-compatibility/2006" xmlns:mv="urn:schemas-microsoft-com:mac:vml" xmlns:p="http://schemas.openxmlformats.org/presentationml/2006/main" xmlns:c="http://schemas.openxmlformats.org/drawingml/2006/chart" xmlns:dgm="http://schemas.openxmlformats.org/drawingml/2006/diagram" xmlns:o="urn:schemas-microsoft-com:office:office" xmlns:v="urn:schemas-microsoft-com:vml" xmlns:pvml="urn:schemas-microsoft-com:office:powerpoint" xmlns:com="http://schemas.openxmlformats.org/drawingml/2006/compatibility" xmlns:p14="http://schemas.microsoft.com/office/powerpoint/2010/main" xmlns:p15="http://schemas.microsoft.com/office/powerpoint/2012/main" xmlns:ahyp="http://schemas.microsoft.com/office/drawing/2018/hyperlinkcolor">
+<p:sld xmlns:a="http://schemas.openxmlformats.org/drawingml/2006/main" xmlns:r="http://schemas.openxmlformats.org/officeDocument/2006/relationships" xmlns:p="http://schemas.openxmlformats.org/presentationml/2006/main">
   <p:cSld>
     <p:spTree>
       <p:nvGrpSpPr>
-        <p:cNvPr id="124" name="Shape 124"/>
+        <p:cNvPr id="1" name="Shape 118"/>
+        <p:cNvGrpSpPr/>
+        <p:nvPr/>
+      </p:nvGrpSpPr>
+      <p:grpSpPr>
+        <a:xfrm>
+          <a:off x="0" y="0"/>
+          <a:ext cx="0" cy="0"/>
+          <a:chOff x="0" y="0"/>
+          <a:chExt cx="0" cy="0"/>
+        </a:xfrm>
+      </p:grpSpPr>
+      <p:sp>
+        <p:nvSpPr>
+          <p:cNvPr id="119" name="Google Shape;119;p21"/>
+          <p:cNvSpPr txBox="1">
+            <a:spLocks noGrp="1"/>
+          </p:cNvSpPr>
+          <p:nvPr>
+            <p:ph type="title"/>
+          </p:nvPr>
+        </p:nvSpPr>
+        <p:spPr>
+          <a:xfrm>
+            <a:off x="311700" y="445025"/>
+            <a:ext cx="8520600" cy="572700"/>
+          </a:xfrm>
+          <a:prstGeom prst="rect">
+            <a:avLst/>
+          </a:prstGeom>
+        </p:spPr>
+        <p:txBody>
+          <a:bodyPr spcFirstLastPara="1" wrap="square" lIns="91425" tIns="91425" rIns="91425" bIns="91425" anchor="t" anchorCtr="0">
+            <a:normAutofit fontScale="90000"/>
+          </a:bodyPr>
+          <a:lstStyle/>
+          <a:p>
+            <a:pPr marL="0" lvl="0" indent="0" algn="l" rtl="0">
+              <a:spcBef>
+                <a:spcPts val="0"/>
+              </a:spcBef>
+              <a:spcAft>
+                <a:spcPts val="0"/>
+              </a:spcAft>
+              <a:buNone/>
+            </a:pPr>
+            <a:r>
+              <a:rPr lang="en" dirty="0"/>
+              <a:t>Tetromino Scripts pt 2</a:t>
+            </a:r>
+            <a:endParaRPr dirty="0"/>
+          </a:p>
+        </p:txBody>
+      </p:sp>
+      <p:sp>
+        <p:nvSpPr>
+          <p:cNvPr id="120" name="Google Shape;120;p21"/>
+          <p:cNvSpPr txBox="1">
+            <a:spLocks noGrp="1"/>
+          </p:cNvSpPr>
+          <p:nvPr>
+            <p:ph type="body" idx="1"/>
+          </p:nvPr>
+        </p:nvSpPr>
+        <p:spPr>
+          <a:xfrm>
+            <a:off x="311700" y="1152475"/>
+            <a:ext cx="8520600" cy="3416400"/>
+          </a:xfrm>
+          <a:prstGeom prst="rect">
+            <a:avLst/>
+          </a:prstGeom>
+        </p:spPr>
+        <p:txBody>
+          <a:bodyPr spcFirstLastPara="1" wrap="square" lIns="91425" tIns="91425" rIns="91425" bIns="91425" anchor="t" anchorCtr="0">
+            <a:normAutofit/>
+          </a:bodyPr>
+          <a:lstStyle/>
+          <a:p>
+            <a:pPr marL="457200" lvl="0" indent="-342900" algn="l" rtl="0">
+              <a:spcBef>
+                <a:spcPts val="0"/>
+              </a:spcBef>
+              <a:spcAft>
+                <a:spcPts val="0"/>
+              </a:spcAft>
+              <a:buSzPts val="1800"/>
+              <a:buChar char="●"/>
+            </a:pPr>
+            <a:r>
+              <a:rPr lang="en" dirty="0"/>
+              <a:t>While active the script checks each frame if the player has input a command and if the block should drop automatically using an incrementing count variable</a:t>
+            </a:r>
+          </a:p>
+        </p:txBody>
+      </p:sp>
+      <p:pic>
+        <p:nvPicPr>
+          <p:cNvPr id="4" name="Picture 3">
+            <a:extLst>
+              <a:ext uri="{FF2B5EF4-FFF2-40B4-BE49-F238E27FC236}">
+                <a16:creationId xmlns:a16="http://schemas.microsoft.com/office/drawing/2014/main" id="{71996870-E578-6BEA-32BC-71534678F423}"/>
+              </a:ext>
+            </a:extLst>
+          </p:cNvPr>
+          <p:cNvPicPr>
+            <a:picLocks noChangeAspect="1"/>
+          </p:cNvPicPr>
+          <p:nvPr/>
+        </p:nvPicPr>
+        <p:blipFill>
+          <a:blip r:embed="rId3"/>
+          <a:stretch>
+            <a:fillRect/>
+          </a:stretch>
+        </p:blipFill>
+        <p:spPr>
+          <a:xfrm>
+            <a:off x="234727" y="2196515"/>
+            <a:ext cx="8674546" cy="2883048"/>
+          </a:xfrm>
+          <a:prstGeom prst="rect">
+            <a:avLst/>
+          </a:prstGeom>
+        </p:spPr>
+      </p:pic>
+    </p:spTree>
+    <p:extLst>
+      <p:ext uri="{BB962C8B-B14F-4D97-AF65-F5344CB8AC3E}">
+        <p14:creationId xmlns:p14="http://schemas.microsoft.com/office/powerpoint/2010/main" val="3012331107"/>
+      </p:ext>
+    </p:extLst>
+  </p:cSld>
+  <p:clrMapOvr>
+    <a:masterClrMapping/>
+  </p:clrMapOvr>
+</p:sld>
+</file>
+
+<file path=ppt/slides/slide11.xml><?xml version="1.0" encoding="utf-8"?>
+<p:sld xmlns:a="http://schemas.openxmlformats.org/drawingml/2006/main" xmlns:r="http://schemas.openxmlformats.org/officeDocument/2006/relationships" xmlns:p="http://schemas.openxmlformats.org/presentationml/2006/main">
+  <p:cSld>
+    <p:spTree>
+      <p:nvGrpSpPr>
+        <p:cNvPr id="1" name="Shape 118"/>
+        <p:cNvGrpSpPr/>
+        <p:nvPr/>
+      </p:nvGrpSpPr>
+      <p:grpSpPr>
+        <a:xfrm>
+          <a:off x="0" y="0"/>
+          <a:ext cx="0" cy="0"/>
+          <a:chOff x="0" y="0"/>
+          <a:chExt cx="0" cy="0"/>
+        </a:xfrm>
+      </p:grpSpPr>
+      <p:sp>
+        <p:nvSpPr>
+          <p:cNvPr id="119" name="Google Shape;119;p21"/>
+          <p:cNvSpPr txBox="1">
+            <a:spLocks noGrp="1"/>
+          </p:cNvSpPr>
+          <p:nvPr>
+            <p:ph type="title"/>
+          </p:nvPr>
+        </p:nvSpPr>
+        <p:spPr>
+          <a:xfrm>
+            <a:off x="311700" y="445025"/>
+            <a:ext cx="8520600" cy="572700"/>
+          </a:xfrm>
+          <a:prstGeom prst="rect">
+            <a:avLst/>
+          </a:prstGeom>
+        </p:spPr>
+        <p:txBody>
+          <a:bodyPr spcFirstLastPara="1" wrap="square" lIns="91425" tIns="91425" rIns="91425" bIns="91425" anchor="t" anchorCtr="0">
+            <a:normAutofit fontScale="90000"/>
+          </a:bodyPr>
+          <a:lstStyle/>
+          <a:p>
+            <a:pPr marL="0" lvl="0" indent="0" algn="l" rtl="0">
+              <a:spcBef>
+                <a:spcPts val="0"/>
+              </a:spcBef>
+              <a:spcAft>
+                <a:spcPts val="0"/>
+              </a:spcAft>
+              <a:buNone/>
+            </a:pPr>
+            <a:r>
+              <a:rPr lang="en" dirty="0"/>
+              <a:t>Tetromino Scripts pt 3</a:t>
+            </a:r>
+            <a:endParaRPr dirty="0"/>
+          </a:p>
+        </p:txBody>
+      </p:sp>
+      <p:sp>
+        <p:nvSpPr>
+          <p:cNvPr id="120" name="Google Shape;120;p21"/>
+          <p:cNvSpPr txBox="1">
+            <a:spLocks noGrp="1"/>
+          </p:cNvSpPr>
+          <p:nvPr>
+            <p:ph type="body" idx="1"/>
+          </p:nvPr>
+        </p:nvSpPr>
+        <p:spPr>
+          <a:xfrm>
+            <a:off x="311700" y="1152475"/>
+            <a:ext cx="8520600" cy="3416400"/>
+          </a:xfrm>
+          <a:prstGeom prst="rect">
+            <a:avLst/>
+          </a:prstGeom>
+        </p:spPr>
+        <p:txBody>
+          <a:bodyPr spcFirstLastPara="1" wrap="square" lIns="91425" tIns="91425" rIns="91425" bIns="91425" anchor="t" anchorCtr="0">
+            <a:normAutofit/>
+          </a:bodyPr>
+          <a:lstStyle/>
+          <a:p>
+            <a:pPr marL="457200" lvl="0" indent="-342900" algn="l" rtl="0">
+              <a:spcBef>
+                <a:spcPts val="0"/>
+              </a:spcBef>
+              <a:spcAft>
+                <a:spcPts val="0"/>
+              </a:spcAft>
+              <a:buSzPts val="1800"/>
+              <a:buChar char="●"/>
+            </a:pPr>
+            <a:r>
+              <a:rPr lang="en" dirty="0"/>
+              <a:t>Member functions are used to check if tetromino movements are legal, set blocks, shift blocks if a column is cleared, and “Attack” by moving all blocks towards the opponent when 3 or 4 columns are cleared at once</a:t>
+            </a:r>
+            <a:endParaRPr dirty="0"/>
+          </a:p>
+        </p:txBody>
+      </p:sp>
+      <p:pic>
+        <p:nvPicPr>
+          <p:cNvPr id="5" name="Picture 4">
+            <a:extLst>
+              <a:ext uri="{FF2B5EF4-FFF2-40B4-BE49-F238E27FC236}">
+                <a16:creationId xmlns:a16="http://schemas.microsoft.com/office/drawing/2014/main" id="{B4E89A89-F451-8C93-4BA8-27C673B5B472}"/>
+              </a:ext>
+            </a:extLst>
+          </p:cNvPr>
+          <p:cNvPicPr>
+            <a:picLocks noChangeAspect="1"/>
+          </p:cNvPicPr>
+          <p:nvPr/>
+        </p:nvPicPr>
+        <p:blipFill>
+          <a:blip r:embed="rId3"/>
+          <a:stretch>
+            <a:fillRect/>
+          </a:stretch>
+        </p:blipFill>
+        <p:spPr>
+          <a:xfrm>
+            <a:off x="0" y="2506893"/>
+            <a:ext cx="9144000" cy="2261122"/>
+          </a:xfrm>
+          <a:prstGeom prst="rect">
+            <a:avLst/>
+          </a:prstGeom>
+        </p:spPr>
+      </p:pic>
+    </p:spTree>
+    <p:extLst>
+      <p:ext uri="{BB962C8B-B14F-4D97-AF65-F5344CB8AC3E}">
+        <p14:creationId xmlns:p14="http://schemas.microsoft.com/office/powerpoint/2010/main" val="3452628124"/>
+      </p:ext>
+    </p:extLst>
+  </p:cSld>
+  <p:clrMapOvr>
+    <a:masterClrMapping/>
+  </p:clrMapOvr>
+</p:sld>
+</file>
+
+<file path=ppt/slides/slide12.xml><?xml version="1.0" encoding="utf-8"?>
+<p:sld xmlns:a="http://schemas.openxmlformats.org/drawingml/2006/main" xmlns:r="http://schemas.openxmlformats.org/officeDocument/2006/relationships" xmlns:p="http://schemas.openxmlformats.org/presentationml/2006/main">
+  <p:cSld>
+    <p:spTree>
+      <p:nvGrpSpPr>
+        <p:cNvPr id="1" name="Shape 118"/>
+        <p:cNvGrpSpPr/>
+        <p:nvPr/>
+      </p:nvGrpSpPr>
+      <p:grpSpPr>
+        <a:xfrm>
+          <a:off x="0" y="0"/>
+          <a:ext cx="0" cy="0"/>
+          <a:chOff x="0" y="0"/>
+          <a:chExt cx="0" cy="0"/>
+        </a:xfrm>
+      </p:grpSpPr>
+      <p:sp>
+        <p:nvSpPr>
+          <p:cNvPr id="119" name="Google Shape;119;p21"/>
+          <p:cNvSpPr txBox="1">
+            <a:spLocks noGrp="1"/>
+          </p:cNvSpPr>
+          <p:nvPr>
+            <p:ph type="title"/>
+          </p:nvPr>
+        </p:nvSpPr>
+        <p:spPr>
+          <a:xfrm>
+            <a:off x="311700" y="445025"/>
+            <a:ext cx="8520600" cy="572700"/>
+          </a:xfrm>
+          <a:prstGeom prst="rect">
+            <a:avLst/>
+          </a:prstGeom>
+        </p:spPr>
+        <p:txBody>
+          <a:bodyPr spcFirstLastPara="1" wrap="square" lIns="91425" tIns="91425" rIns="91425" bIns="91425" anchor="t" anchorCtr="0">
+            <a:normAutofit fontScale="90000"/>
+          </a:bodyPr>
+          <a:lstStyle/>
+          <a:p>
+            <a:pPr marL="0" lvl="0" indent="0" algn="l" rtl="0">
+              <a:spcBef>
+                <a:spcPts val="0"/>
+              </a:spcBef>
+              <a:spcAft>
+                <a:spcPts val="0"/>
+              </a:spcAft>
+              <a:buNone/>
+            </a:pPr>
+            <a:r>
+              <a:rPr lang="en-US" dirty="0"/>
+              <a:t>Playfield</a:t>
+            </a:r>
+            <a:endParaRPr dirty="0"/>
+          </a:p>
+        </p:txBody>
+      </p:sp>
+      <p:sp>
+        <p:nvSpPr>
+          <p:cNvPr id="120" name="Google Shape;120;p21"/>
+          <p:cNvSpPr txBox="1">
+            <a:spLocks noGrp="1"/>
+          </p:cNvSpPr>
+          <p:nvPr>
+            <p:ph type="body" idx="1"/>
+          </p:nvPr>
+        </p:nvSpPr>
+        <p:spPr>
+          <a:xfrm>
+            <a:off x="311700" y="1152475"/>
+            <a:ext cx="8520600" cy="3416400"/>
+          </a:xfrm>
+          <a:prstGeom prst="rect">
+            <a:avLst/>
+          </a:prstGeom>
+        </p:spPr>
+        <p:txBody>
+          <a:bodyPr spcFirstLastPara="1" wrap="square" lIns="91425" tIns="91425" rIns="91425" bIns="91425" anchor="t" anchorCtr="0">
+            <a:normAutofit/>
+          </a:bodyPr>
+          <a:lstStyle/>
+          <a:p>
+            <a:pPr marL="457200" lvl="0" indent="-342900" algn="l" rtl="0">
+              <a:spcBef>
+                <a:spcPts val="0"/>
+              </a:spcBef>
+              <a:spcAft>
+                <a:spcPts val="0"/>
+              </a:spcAft>
+              <a:buSzPts val="1800"/>
+              <a:buChar char="●"/>
+            </a:pPr>
+            <a:r>
+              <a:rPr lang="en-US" dirty="0"/>
+              <a:t>A 10 x 40 grid of blocks</a:t>
+            </a:r>
+          </a:p>
+          <a:p>
+            <a:pPr marL="457200" lvl="0" indent="-342900" algn="l" rtl="0">
+              <a:spcBef>
+                <a:spcPts val="0"/>
+              </a:spcBef>
+              <a:spcAft>
+                <a:spcPts val="0"/>
+              </a:spcAft>
+              <a:buSzPts val="1800"/>
+              <a:buChar char="●"/>
+            </a:pPr>
+            <a:r>
+              <a:rPr lang="en-US" dirty="0"/>
+              <a:t>Gameplay Script attached to playfield object</a:t>
+            </a:r>
+          </a:p>
+          <a:p>
+            <a:pPr marL="457200" lvl="0" indent="-342900" algn="l" rtl="0">
+              <a:spcBef>
+                <a:spcPts val="0"/>
+              </a:spcBef>
+              <a:spcAft>
+                <a:spcPts val="0"/>
+              </a:spcAft>
+              <a:buSzPts val="1800"/>
+              <a:buChar char="●"/>
+            </a:pPr>
+            <a:endParaRPr dirty="0"/>
+          </a:p>
+        </p:txBody>
+      </p:sp>
+      <p:pic>
+        <p:nvPicPr>
+          <p:cNvPr id="3" name="Picture 2">
+            <a:extLst>
+              <a:ext uri="{FF2B5EF4-FFF2-40B4-BE49-F238E27FC236}">
+                <a16:creationId xmlns:a16="http://schemas.microsoft.com/office/drawing/2014/main" id="{B04AB3CC-9C02-03F5-4198-CB06C2C7D4EB}"/>
+              </a:ext>
+            </a:extLst>
+          </p:cNvPr>
+          <p:cNvPicPr>
+            <a:picLocks noChangeAspect="1"/>
+          </p:cNvPicPr>
+          <p:nvPr/>
+        </p:nvPicPr>
+        <p:blipFill>
+          <a:blip r:embed="rId3"/>
+          <a:stretch>
+            <a:fillRect/>
+          </a:stretch>
+        </p:blipFill>
+        <p:spPr>
+          <a:xfrm>
+            <a:off x="424414" y="2262977"/>
+            <a:ext cx="8295172" cy="2226958"/>
+          </a:xfrm>
+          <a:prstGeom prst="rect">
+            <a:avLst/>
+          </a:prstGeom>
+        </p:spPr>
+      </p:pic>
+    </p:spTree>
+    <p:extLst>
+      <p:ext uri="{BB962C8B-B14F-4D97-AF65-F5344CB8AC3E}">
+        <p14:creationId xmlns:p14="http://schemas.microsoft.com/office/powerpoint/2010/main" val="3117941819"/>
+      </p:ext>
+    </p:extLst>
+  </p:cSld>
+  <p:clrMapOvr>
+    <a:masterClrMapping/>
+  </p:clrMapOvr>
+</p:sld>
+</file>
+
+<file path=ppt/slides/slide13.xml><?xml version="1.0" encoding="utf-8"?>
+<p:sld xmlns:a="http://schemas.openxmlformats.org/drawingml/2006/main" xmlns:r="http://schemas.openxmlformats.org/officeDocument/2006/relationships" xmlns:p="http://schemas.openxmlformats.org/presentationml/2006/main">
+  <p:cSld>
+    <p:spTree>
+      <p:nvGrpSpPr>
+        <p:cNvPr id="1" name="Shape 132"/>
+        <p:cNvGrpSpPr/>
+        <p:nvPr/>
+      </p:nvGrpSpPr>
+      <p:grpSpPr>
+        <a:xfrm>
+          <a:off x="0" y="0"/>
+          <a:ext cx="0" cy="0"/>
+          <a:chOff x="0" y="0"/>
+          <a:chExt cx="0" cy="0"/>
+        </a:xfrm>
+      </p:grpSpPr>
+      <p:sp>
+        <p:nvSpPr>
+          <p:cNvPr id="133" name="Google Shape;133;p23"/>
+          <p:cNvSpPr txBox="1">
+            <a:spLocks noGrp="1"/>
+          </p:cNvSpPr>
+          <p:nvPr>
+            <p:ph type="title"/>
+          </p:nvPr>
+        </p:nvSpPr>
+        <p:spPr>
+          <a:xfrm>
+            <a:off x="311700" y="445025"/>
+            <a:ext cx="8520600" cy="572700"/>
+          </a:xfrm>
+          <a:prstGeom prst="rect">
+            <a:avLst/>
+          </a:prstGeom>
+        </p:spPr>
+        <p:txBody>
+          <a:bodyPr spcFirstLastPara="1" wrap="square" lIns="91425" tIns="91425" rIns="91425" bIns="91425" anchor="t" anchorCtr="0">
+            <a:normAutofit fontScale="90000"/>
+          </a:bodyPr>
+          <a:lstStyle/>
+          <a:p>
+            <a:pPr marL="0" lvl="0" indent="0" algn="l" rtl="0">
+              <a:spcBef>
+                <a:spcPts val="0"/>
+              </a:spcBef>
+              <a:spcAft>
+                <a:spcPts val="0"/>
+              </a:spcAft>
+              <a:buNone/>
+            </a:pPr>
+            <a:r>
+              <a:rPr lang="en"/>
+              <a:t>Gameplay</a:t>
+            </a:r>
+            <a:endParaRPr/>
+          </a:p>
+        </p:txBody>
+      </p:sp>
+      <p:sp>
+        <p:nvSpPr>
+          <p:cNvPr id="134" name="Google Shape;134;p23"/>
+          <p:cNvSpPr txBox="1">
+            <a:spLocks noGrp="1"/>
+          </p:cNvSpPr>
+          <p:nvPr>
+            <p:ph type="body" idx="1"/>
+          </p:nvPr>
+        </p:nvSpPr>
+        <p:spPr>
+          <a:xfrm>
+            <a:off x="311700" y="863550"/>
+            <a:ext cx="8520600" cy="3416400"/>
+          </a:xfrm>
+          <a:prstGeom prst="rect">
+            <a:avLst/>
+          </a:prstGeom>
+        </p:spPr>
+        <p:txBody>
+          <a:bodyPr spcFirstLastPara="1" wrap="square" lIns="91425" tIns="91425" rIns="91425" bIns="91425" anchor="t" anchorCtr="0">
+            <a:normAutofit/>
+          </a:bodyPr>
+          <a:lstStyle/>
+          <a:p>
+            <a:pPr marL="457200" lvl="0" indent="-342900" algn="l" rtl="0">
+              <a:spcBef>
+                <a:spcPts val="0"/>
+              </a:spcBef>
+              <a:spcAft>
+                <a:spcPts val="0"/>
+              </a:spcAft>
+              <a:buSzPts val="1800"/>
+              <a:buChar char="●"/>
+            </a:pPr>
+            <a:r>
+              <a:rPr lang="en" dirty="0"/>
+              <a:t>Defines the game behaviors that are not associated with active tetrominoes and variables and functions that need to be accessed by both players’ tetrominoes</a:t>
+            </a:r>
+            <a:endParaRPr dirty="0"/>
+          </a:p>
+          <a:p>
+            <a:pPr marL="457200" lvl="0" indent="-342900" algn="l" rtl="0">
+              <a:spcBef>
+                <a:spcPts val="0"/>
+              </a:spcBef>
+              <a:spcAft>
+                <a:spcPts val="0"/>
+              </a:spcAft>
+              <a:buSzPts val="1800"/>
+              <a:buChar char="●"/>
+            </a:pPr>
+            <a:r>
+              <a:rPr lang="en" dirty="0"/>
+              <a:t>This is where tetrominoes for each player are randomly selected and spawned after their current one is placed</a:t>
+            </a:r>
+            <a:endParaRPr dirty="0"/>
+          </a:p>
+        </p:txBody>
+      </p:sp>
+      <p:pic>
+        <p:nvPicPr>
+          <p:cNvPr id="3" name="Picture 2">
+            <a:extLst>
+              <a:ext uri="{FF2B5EF4-FFF2-40B4-BE49-F238E27FC236}">
+                <a16:creationId xmlns:a16="http://schemas.microsoft.com/office/drawing/2014/main" id="{A75DCE74-EAC1-A961-F223-C9259A09A56C}"/>
+              </a:ext>
+            </a:extLst>
+          </p:cNvPr>
+          <p:cNvPicPr>
+            <a:picLocks noChangeAspect="1"/>
+          </p:cNvPicPr>
+          <p:nvPr/>
+        </p:nvPicPr>
+        <p:blipFill rotWithShape="1">
+          <a:blip r:embed="rId3"/>
+          <a:srcRect r="30792" b="39505"/>
+          <a:stretch/>
+        </p:blipFill>
+        <p:spPr>
+          <a:xfrm>
+            <a:off x="1960368" y="2487875"/>
+            <a:ext cx="5223263" cy="2502345"/>
+          </a:xfrm>
+          <a:prstGeom prst="rect">
+            <a:avLst/>
+          </a:prstGeom>
+        </p:spPr>
+      </p:pic>
+    </p:spTree>
+  </p:cSld>
+  <p:clrMapOvr>
+    <a:masterClrMapping/>
+  </p:clrMapOvr>
+</p:sld>
+</file>
+
+<file path=ppt/slides/slide14.xml><?xml version="1.0" encoding="utf-8"?>
+<p:sld xmlns:a="http://schemas.openxmlformats.org/drawingml/2006/main" xmlns:r="http://schemas.openxmlformats.org/officeDocument/2006/relationships" xmlns:p="http://schemas.openxmlformats.org/presentationml/2006/main">
+  <p:cSld>
+    <p:spTree>
+      <p:nvGrpSpPr>
+        <p:cNvPr id="1" name="Shape 132"/>
+        <p:cNvGrpSpPr/>
+        <p:nvPr/>
+      </p:nvGrpSpPr>
+      <p:grpSpPr>
+        <a:xfrm>
+          <a:off x="0" y="0"/>
+          <a:ext cx="0" cy="0"/>
+          <a:chOff x="0" y="0"/>
+          <a:chExt cx="0" cy="0"/>
+        </a:xfrm>
+      </p:grpSpPr>
+      <p:sp>
+        <p:nvSpPr>
+          <p:cNvPr id="133" name="Google Shape;133;p23"/>
+          <p:cNvSpPr txBox="1">
+            <a:spLocks noGrp="1"/>
+          </p:cNvSpPr>
+          <p:nvPr>
+            <p:ph type="title"/>
+          </p:nvPr>
+        </p:nvSpPr>
+        <p:spPr>
+          <a:xfrm>
+            <a:off x="311700" y="445025"/>
+            <a:ext cx="8520600" cy="572700"/>
+          </a:xfrm>
+          <a:prstGeom prst="rect">
+            <a:avLst/>
+          </a:prstGeom>
+        </p:spPr>
+        <p:txBody>
+          <a:bodyPr spcFirstLastPara="1" wrap="square" lIns="91425" tIns="91425" rIns="91425" bIns="91425" anchor="t" anchorCtr="0">
+            <a:normAutofit fontScale="90000"/>
+          </a:bodyPr>
+          <a:lstStyle/>
+          <a:p>
+            <a:pPr marL="0" lvl="0" indent="0" algn="l" rtl="0">
+              <a:spcBef>
+                <a:spcPts val="0"/>
+              </a:spcBef>
+              <a:spcAft>
+                <a:spcPts val="0"/>
+              </a:spcAft>
+              <a:buNone/>
+            </a:pPr>
+            <a:r>
+              <a:rPr lang="en" dirty="0"/>
+              <a:t>Gameplay pt 2</a:t>
+            </a:r>
+            <a:endParaRPr dirty="0"/>
+          </a:p>
+        </p:txBody>
+      </p:sp>
+      <p:sp>
+        <p:nvSpPr>
+          <p:cNvPr id="134" name="Google Shape;134;p23"/>
+          <p:cNvSpPr txBox="1">
+            <a:spLocks noGrp="1"/>
+          </p:cNvSpPr>
+          <p:nvPr>
+            <p:ph type="body" idx="1"/>
+          </p:nvPr>
+        </p:nvSpPr>
+        <p:spPr>
+          <a:xfrm>
+            <a:off x="311700" y="1152475"/>
+            <a:ext cx="8520600" cy="3416400"/>
+          </a:xfrm>
+          <a:prstGeom prst="rect">
+            <a:avLst/>
+          </a:prstGeom>
+        </p:spPr>
+        <p:txBody>
+          <a:bodyPr spcFirstLastPara="1" wrap="square" lIns="91425" tIns="91425" rIns="91425" bIns="91425" anchor="t" anchorCtr="0">
+            <a:normAutofit/>
+          </a:bodyPr>
+          <a:lstStyle/>
+          <a:p>
+            <a:pPr marL="457200" lvl="0" indent="-342900" algn="l" rtl="0">
+              <a:spcBef>
+                <a:spcPts val="0"/>
+              </a:spcBef>
+              <a:spcAft>
+                <a:spcPts val="0"/>
+              </a:spcAft>
+              <a:buSzPts val="1800"/>
+              <a:buChar char="●"/>
+            </a:pPr>
+            <a:r>
+              <a:rPr lang="en" dirty="0"/>
+              <a:t>The shared automatic drop timer variable is in Gameplay</a:t>
+            </a:r>
+            <a:endParaRPr dirty="0"/>
+          </a:p>
+          <a:p>
+            <a:pPr marL="457200" lvl="0" indent="-342900" algn="l" rtl="0">
+              <a:spcBef>
+                <a:spcPts val="0"/>
+              </a:spcBef>
+              <a:spcAft>
+                <a:spcPts val="0"/>
+              </a:spcAft>
+              <a:buSzPts val="1800"/>
+              <a:buChar char="●"/>
+            </a:pPr>
+            <a:r>
+              <a:rPr lang="en" dirty="0"/>
+              <a:t>The function to check and clear completed columns is in Gameplay</a:t>
+            </a:r>
+          </a:p>
+          <a:p>
+            <a:pPr marL="457200" lvl="0" indent="-342900" algn="l" rtl="0">
+              <a:spcBef>
+                <a:spcPts val="0"/>
+              </a:spcBef>
+              <a:spcAft>
+                <a:spcPts val="0"/>
+              </a:spcAft>
+              <a:buSzPts val="1800"/>
+              <a:buChar char="●"/>
+            </a:pPr>
+            <a:endParaRPr lang="en" dirty="0"/>
+          </a:p>
+          <a:p>
+            <a:pPr marL="457200" lvl="0" indent="-342900" algn="l" rtl="0">
+              <a:spcBef>
+                <a:spcPts val="0"/>
+              </a:spcBef>
+              <a:spcAft>
+                <a:spcPts val="0"/>
+              </a:spcAft>
+              <a:buSzPts val="1800"/>
+              <a:buChar char="●"/>
+            </a:pPr>
+            <a:endParaRPr dirty="0"/>
+          </a:p>
+        </p:txBody>
+      </p:sp>
+      <p:pic>
+        <p:nvPicPr>
+          <p:cNvPr id="3" name="Picture 2">
+            <a:extLst>
+              <a:ext uri="{FF2B5EF4-FFF2-40B4-BE49-F238E27FC236}">
+                <a16:creationId xmlns:a16="http://schemas.microsoft.com/office/drawing/2014/main" id="{A6274E80-9668-231B-AF08-6FC347DD36A9}"/>
+              </a:ext>
+            </a:extLst>
+          </p:cNvPr>
+          <p:cNvPicPr>
+            <a:picLocks noChangeAspect="1"/>
+          </p:cNvPicPr>
+          <p:nvPr/>
+        </p:nvPicPr>
+        <p:blipFill>
+          <a:blip r:embed="rId3"/>
+          <a:stretch>
+            <a:fillRect/>
+          </a:stretch>
+        </p:blipFill>
+        <p:spPr>
+          <a:xfrm>
+            <a:off x="1715854" y="2125419"/>
+            <a:ext cx="5712292" cy="2782081"/>
+          </a:xfrm>
+          <a:prstGeom prst="rect">
+            <a:avLst/>
+          </a:prstGeom>
+        </p:spPr>
+      </p:pic>
+    </p:spTree>
+    <p:extLst>
+      <p:ext uri="{BB962C8B-B14F-4D97-AF65-F5344CB8AC3E}">
+        <p14:creationId xmlns:p14="http://schemas.microsoft.com/office/powerpoint/2010/main" val="3517566019"/>
+      </p:ext>
+    </p:extLst>
+  </p:cSld>
+  <p:clrMapOvr>
+    <a:masterClrMapping/>
+  </p:clrMapOvr>
+</p:sld>
+</file>
+
+<file path=ppt/slides/slide15.xml><?xml version="1.0" encoding="utf-8"?>
+<p:sld xmlns:a="http://schemas.openxmlformats.org/drawingml/2006/main" xmlns:r="http://schemas.openxmlformats.org/officeDocument/2006/relationships" xmlns:p="http://schemas.openxmlformats.org/presentationml/2006/main">
+  <p:cSld>
+    <p:spTree>
+      <p:nvGrpSpPr>
+        <p:cNvPr id="1" name="Shape 124"/>
         <p:cNvGrpSpPr/>
         <p:nvPr/>
       </p:nvGrpSpPr>
@@ -7355,7 +8776,9 @@
       <p:sp>
         <p:nvSpPr>
           <p:cNvPr id="125" name="Google Shape;125;p22"/>
-          <p:cNvSpPr txBox="1"/>
+          <p:cNvSpPr txBox="1">
+            <a:spLocks noGrp="1"/>
+          </p:cNvSpPr>
           <p:nvPr>
             <p:ph type="title"/>
           </p:nvPr>
@@ -7370,12 +8793,12 @@
           </a:prstGeom>
         </p:spPr>
         <p:txBody>
-          <a:bodyPr anchorCtr="0" anchor="t" bIns="91425" lIns="91425" spcFirstLastPara="1" rIns="91425" wrap="square" tIns="91425">
+          <a:bodyPr spcFirstLastPara="1" wrap="square" lIns="91425" tIns="91425" rIns="91425" bIns="91425" anchor="t" anchorCtr="0">
             <a:normAutofit fontScale="90000"/>
           </a:bodyPr>
           <a:lstStyle/>
           <a:p>
-            <a:pPr indent="0" lvl="0" marL="0" rtl="0" algn="l">
+            <a:pPr marL="0" lvl="0" indent="0" algn="l" rtl="0">
               <a:spcBef>
                 <a:spcPts val="0"/>
               </a:spcBef>
@@ -7395,9 +8818,11 @@
       <p:sp>
         <p:nvSpPr>
           <p:cNvPr id="126" name="Google Shape;126;p22"/>
-          <p:cNvSpPr txBox="1"/>
+          <p:cNvSpPr txBox="1">
+            <a:spLocks noGrp="1"/>
+          </p:cNvSpPr>
           <p:nvPr>
-            <p:ph idx="1" type="body"/>
+            <p:ph type="body" idx="1"/>
           </p:nvPr>
         </p:nvSpPr>
         <p:spPr>
@@ -7410,12 +8835,12 @@
           </a:prstGeom>
         </p:spPr>
         <p:txBody>
-          <a:bodyPr anchorCtr="0" anchor="t" bIns="91425" lIns="91425" spcFirstLastPara="1" rIns="91425" wrap="square" tIns="91425">
+          <a:bodyPr spcFirstLastPara="1" wrap="square" lIns="91425" tIns="91425" rIns="91425" bIns="91425" anchor="t" anchorCtr="0">
             <a:normAutofit/>
           </a:bodyPr>
           <a:lstStyle/>
           <a:p>
-            <a:pPr indent="-342900" lvl="0" marL="457200" rtl="0" algn="l">
+            <a:pPr marL="457200" lvl="0" indent="-342900" algn="l" rtl="0">
               <a:spcBef>
                 <a:spcPts val="0"/>
               </a:spcBef>
@@ -7426,13 +8851,13 @@
               <a:buChar char="●"/>
             </a:pPr>
             <a:r>
-              <a:rPr lang="en"/>
+              <a:rPr lang="en" dirty="0"/>
               <a:t>We use a 2D array that is the same size as as the playfield to keep track of inactive blocks and their locations</a:t>
             </a:r>
-            <a:endParaRPr/>
+            <a:endParaRPr dirty="0"/>
           </a:p>
           <a:p>
-            <a:pPr indent="-342900" lvl="0" marL="457200" rtl="0" algn="l">
+            <a:pPr marL="457200" lvl="0" indent="-342900" algn="l" rtl="0">
               <a:spcBef>
                 <a:spcPts val="0"/>
               </a:spcBef>
@@ -7443,13 +8868,13 @@
               <a:buChar char="●"/>
             </a:pPr>
             <a:r>
-              <a:rPr lang="en"/>
+              <a:rPr lang="en" dirty="0"/>
               <a:t>This array is defined in the gameplay script and accessed in the block scripts</a:t>
             </a:r>
-            <a:endParaRPr/>
+            <a:endParaRPr dirty="0"/>
           </a:p>
           <a:p>
-            <a:pPr indent="-342900" lvl="0" marL="457200" rtl="0" algn="l">
+            <a:pPr marL="457200" lvl="0" indent="-342900" algn="l" rtl="0">
               <a:spcBef>
                 <a:spcPts val="0"/>
               </a:spcBef>
@@ -7460,21 +8885,12 @@
               <a:buChar char="●"/>
             </a:pPr>
             <a:r>
-              <a:rPr lang="en"/>
-              <a:t>The blocks that make up inactive tetrominoes are stored as in the array with the Transform class which includes </a:t>
+              <a:rPr lang="en" dirty="0"/>
+              <a:t>The blocks that make up inactive tetrominoes are stored as in the array with the Transform class which includes necessary details about the block objects </a:t>
             </a:r>
-            <a:r>
-              <a:rPr lang="en"/>
-              <a:t>necessary</a:t>
-            </a:r>
-            <a:r>
-              <a:rPr lang="en"/>
-              <a:t> details about the block objects </a:t>
-            </a:r>
-            <a:endParaRPr/>
           </a:p>
           <a:p>
-            <a:pPr indent="-342900" lvl="0" marL="457200" rtl="0" algn="l">
+            <a:pPr marL="457200" lvl="0" indent="-342900" algn="l" rtl="0">
               <a:spcBef>
                 <a:spcPts val="0"/>
               </a:spcBef>
@@ -7485,10 +8901,17 @@
               <a:buChar char="●"/>
             </a:pPr>
             <a:r>
-              <a:rPr lang="en"/>
-              <a:t>If a space in the array contains null then there is no set block in that position on the playfield and the active tetromino can move into that location</a:t>
+              <a:rPr lang="en-US" dirty="0"/>
+              <a:t>If a space in the array contains null then there is no set block in that position on the playfield and the active </a:t>
             </a:r>
-            <a:endParaRPr/>
+            <a:r>
+              <a:rPr lang="en-US" dirty="0" err="1"/>
+              <a:t>tetromino</a:t>
+            </a:r>
+            <a:r>
+              <a:rPr lang="en-US" dirty="0"/>
+              <a:t> can move into that location</a:t>
+            </a:r>
           </a:p>
         </p:txBody>
       </p:sp>
@@ -7556,209 +8979,12 @@
 </p:sld>
 </file>
 
-<file path=ppt/slides/slide11.xml><?xml version="1.0" encoding="utf-8"?>
-<p:sld xmlns:a="http://schemas.openxmlformats.org/drawingml/2006/main" xmlns:r="http://schemas.openxmlformats.org/officeDocument/2006/relationships" xmlns:mc="http://schemas.openxmlformats.org/markup-compatibility/2006" xmlns:mv="urn:schemas-microsoft-com:mac:vml" xmlns:p="http://schemas.openxmlformats.org/presentationml/2006/main" xmlns:c="http://schemas.openxmlformats.org/drawingml/2006/chart" xmlns:dgm="http://schemas.openxmlformats.org/drawingml/2006/diagram" xmlns:o="urn:schemas-microsoft-com:office:office" xmlns:v="urn:schemas-microsoft-com:vml" xmlns:pvml="urn:schemas-microsoft-com:office:powerpoint" xmlns:com="http://schemas.openxmlformats.org/drawingml/2006/compatibility" xmlns:p14="http://schemas.microsoft.com/office/powerpoint/2010/main" xmlns:p15="http://schemas.microsoft.com/office/powerpoint/2012/main" xmlns:ahyp="http://schemas.microsoft.com/office/drawing/2018/hyperlinkcolor">
+<file path=ppt/slides/slide16.xml><?xml version="1.0" encoding="utf-8"?>
+<p:sld xmlns:a="http://schemas.openxmlformats.org/drawingml/2006/main" xmlns:r="http://schemas.openxmlformats.org/officeDocument/2006/relationships" xmlns:p="http://schemas.openxmlformats.org/presentationml/2006/main">
   <p:cSld>
     <p:spTree>
       <p:nvGrpSpPr>
-        <p:cNvPr id="132" name="Shape 132"/>
-        <p:cNvGrpSpPr/>
-        <p:nvPr/>
-      </p:nvGrpSpPr>
-      <p:grpSpPr>
-        <a:xfrm>
-          <a:off x="0" y="0"/>
-          <a:ext cx="0" cy="0"/>
-          <a:chOff x="0" y="0"/>
-          <a:chExt cx="0" cy="0"/>
-        </a:xfrm>
-      </p:grpSpPr>
-      <p:sp>
-        <p:nvSpPr>
-          <p:cNvPr id="133" name="Google Shape;133;p23"/>
-          <p:cNvSpPr txBox="1"/>
-          <p:nvPr>
-            <p:ph type="title"/>
-          </p:nvPr>
-        </p:nvSpPr>
-        <p:spPr>
-          <a:xfrm>
-            <a:off x="311700" y="445025"/>
-            <a:ext cx="8520600" cy="572700"/>
-          </a:xfrm>
-          <a:prstGeom prst="rect">
-            <a:avLst/>
-          </a:prstGeom>
-        </p:spPr>
-        <p:txBody>
-          <a:bodyPr anchorCtr="0" anchor="t" bIns="91425" lIns="91425" spcFirstLastPara="1" rIns="91425" wrap="square" tIns="91425">
-            <a:normAutofit fontScale="90000"/>
-          </a:bodyPr>
-          <a:lstStyle/>
-          <a:p>
-            <a:pPr indent="0" lvl="0" marL="0" rtl="0" algn="l">
-              <a:spcBef>
-                <a:spcPts val="0"/>
-              </a:spcBef>
-              <a:spcAft>
-                <a:spcPts val="0"/>
-              </a:spcAft>
-              <a:buNone/>
-            </a:pPr>
-            <a:r>
-              <a:rPr lang="en"/>
-              <a:t>Gameplay</a:t>
-            </a:r>
-            <a:endParaRPr/>
-          </a:p>
-        </p:txBody>
-      </p:sp>
-      <p:sp>
-        <p:nvSpPr>
-          <p:cNvPr id="134" name="Google Shape;134;p23"/>
-          <p:cNvSpPr txBox="1"/>
-          <p:nvPr>
-            <p:ph idx="1" type="body"/>
-          </p:nvPr>
-        </p:nvSpPr>
-        <p:spPr>
-          <a:xfrm>
-            <a:off x="311700" y="1152475"/>
-            <a:ext cx="8520600" cy="3416400"/>
-          </a:xfrm>
-          <a:prstGeom prst="rect">
-            <a:avLst/>
-          </a:prstGeom>
-        </p:spPr>
-        <p:txBody>
-          <a:bodyPr anchorCtr="0" anchor="t" bIns="91425" lIns="91425" spcFirstLastPara="1" rIns="91425" wrap="square" tIns="91425">
-            <a:normAutofit/>
-          </a:bodyPr>
-          <a:lstStyle/>
-          <a:p>
-            <a:pPr indent="-342900" lvl="0" marL="457200" rtl="0" algn="l">
-              <a:spcBef>
-                <a:spcPts val="0"/>
-              </a:spcBef>
-              <a:spcAft>
-                <a:spcPts val="0"/>
-              </a:spcAft>
-              <a:buSzPts val="1800"/>
-              <a:buChar char="●"/>
-            </a:pPr>
-            <a:r>
-              <a:rPr lang="en"/>
-              <a:t>The Gameplay script is attached to the playfield sprite and defines the game </a:t>
-            </a:r>
-            <a:r>
-              <a:rPr lang="en"/>
-              <a:t>behaviors</a:t>
-            </a:r>
-            <a:r>
-              <a:rPr lang="en"/>
-              <a:t> that are not associated with active tetrominoes and variables and functions that need to be accessed by both players’ tetrominoes</a:t>
-            </a:r>
-            <a:endParaRPr/>
-          </a:p>
-          <a:p>
-            <a:pPr indent="-342900" lvl="0" marL="457200" rtl="0" algn="l">
-              <a:spcBef>
-                <a:spcPts val="0"/>
-              </a:spcBef>
-              <a:spcAft>
-                <a:spcPts val="0"/>
-              </a:spcAft>
-              <a:buSzPts val="1800"/>
-              <a:buChar char="●"/>
-            </a:pPr>
-            <a:r>
-              <a:rPr lang="en"/>
-              <a:t>This is where tetrominoes for each player are randomly selected and </a:t>
-            </a:r>
-            <a:r>
-              <a:rPr lang="en"/>
-              <a:t>spawned after their current one is placed</a:t>
-            </a:r>
-            <a:endParaRPr/>
-          </a:p>
-          <a:p>
-            <a:pPr indent="-342900" lvl="0" marL="457200" rtl="0" algn="l">
-              <a:spcBef>
-                <a:spcPts val="0"/>
-              </a:spcBef>
-              <a:spcAft>
-                <a:spcPts val="0"/>
-              </a:spcAft>
-              <a:buSzPts val="1800"/>
-              <a:buChar char="●"/>
-            </a:pPr>
-            <a:r>
-              <a:rPr lang="en"/>
-              <a:t>The shared automatic drop timer variable is in Gameplay</a:t>
-            </a:r>
-            <a:endParaRPr/>
-          </a:p>
-          <a:p>
-            <a:pPr indent="-342900" lvl="0" marL="457200" rtl="0" algn="l">
-              <a:spcBef>
-                <a:spcPts val="0"/>
-              </a:spcBef>
-              <a:spcAft>
-                <a:spcPts val="0"/>
-              </a:spcAft>
-              <a:buSzPts val="1800"/>
-              <a:buChar char="●"/>
-            </a:pPr>
-            <a:r>
-              <a:rPr lang="en"/>
-              <a:t>The function to check and clear completed columns is in Gameplay</a:t>
-            </a:r>
-            <a:endParaRPr/>
-          </a:p>
-        </p:txBody>
-      </p:sp>
-      <p:pic>
-        <p:nvPicPr>
-          <p:cNvPr id="135" name="Google Shape;135;p23"/>
-          <p:cNvPicPr preferRelativeResize="0"/>
-          <p:nvPr/>
-        </p:nvPicPr>
-        <p:blipFill>
-          <a:blip r:embed="rId3">
-            <a:alphaModFix/>
-          </a:blip>
-          <a:stretch>
-            <a:fillRect/>
-          </a:stretch>
-        </p:blipFill>
-        <p:spPr>
-          <a:xfrm>
-            <a:off x="1543050" y="3477650"/>
-            <a:ext cx="6057900" cy="1576050"/>
-          </a:xfrm>
-          <a:prstGeom prst="rect">
-            <a:avLst/>
-          </a:prstGeom>
-          <a:noFill/>
-          <a:ln>
-            <a:noFill/>
-          </a:ln>
-        </p:spPr>
-      </p:pic>
-    </p:spTree>
-  </p:cSld>
-  <p:clrMapOvr>
-    <a:masterClrMapping/>
-  </p:clrMapOvr>
-</p:sld>
-</file>
-
-<file path=ppt/slides/slide12.xml><?xml version="1.0" encoding="utf-8"?>
-<p:sld xmlns:a="http://schemas.openxmlformats.org/drawingml/2006/main" xmlns:r="http://schemas.openxmlformats.org/officeDocument/2006/relationships" xmlns:mc="http://schemas.openxmlformats.org/markup-compatibility/2006" xmlns:mv="urn:schemas-microsoft-com:mac:vml" xmlns:p="http://schemas.openxmlformats.org/presentationml/2006/main" xmlns:c="http://schemas.openxmlformats.org/drawingml/2006/chart" xmlns:dgm="http://schemas.openxmlformats.org/drawingml/2006/diagram" xmlns:o="urn:schemas-microsoft-com:office:office" xmlns:v="urn:schemas-microsoft-com:vml" xmlns:pvml="urn:schemas-microsoft-com:office:powerpoint" xmlns:com="http://schemas.openxmlformats.org/drawingml/2006/compatibility" xmlns:p14="http://schemas.microsoft.com/office/powerpoint/2010/main" xmlns:p15="http://schemas.microsoft.com/office/powerpoint/2012/main" xmlns:ahyp="http://schemas.microsoft.com/office/drawing/2018/hyperlinkcolor">
-  <p:cSld>
-    <p:spTree>
-      <p:nvGrpSpPr>
-        <p:cNvPr id="139" name="Shape 139"/>
+        <p:cNvPr id="1" name="Shape 139"/>
         <p:cNvGrpSpPr/>
         <p:nvPr/>
       </p:nvGrpSpPr>
@@ -7773,7 +8999,9 @@
       <p:sp>
         <p:nvSpPr>
           <p:cNvPr id="140" name="Google Shape;140;p24"/>
-          <p:cNvSpPr txBox="1"/>
+          <p:cNvSpPr txBox="1">
+            <a:spLocks noGrp="1"/>
+          </p:cNvSpPr>
           <p:nvPr>
             <p:ph type="title"/>
           </p:nvPr>
@@ -7788,12 +9016,12 @@
           </a:prstGeom>
         </p:spPr>
         <p:txBody>
-          <a:bodyPr anchorCtr="0" anchor="t" bIns="91425" lIns="91425" spcFirstLastPara="1" rIns="91425" wrap="square" tIns="91425">
+          <a:bodyPr spcFirstLastPara="1" wrap="square" lIns="91425" tIns="91425" rIns="91425" bIns="91425" anchor="t" anchorCtr="0">
             <a:normAutofit fontScale="90000"/>
           </a:bodyPr>
           <a:lstStyle/>
           <a:p>
-            <a:pPr indent="0" lvl="0" marL="0" rtl="0" algn="l">
+            <a:pPr marL="0" lvl="0" indent="0" algn="l" rtl="0">
               <a:spcBef>
                 <a:spcPts val="0"/>
               </a:spcBef>
@@ -7813,9 +9041,11 @@
       <p:sp>
         <p:nvSpPr>
           <p:cNvPr id="141" name="Google Shape;141;p24"/>
-          <p:cNvSpPr txBox="1"/>
+          <p:cNvSpPr txBox="1">
+            <a:spLocks noGrp="1"/>
+          </p:cNvSpPr>
           <p:nvPr>
-            <p:ph idx="1" type="body"/>
+            <p:ph type="body" idx="1"/>
           </p:nvPr>
         </p:nvSpPr>
         <p:spPr>
@@ -7828,12 +9058,12 @@
           </a:prstGeom>
         </p:spPr>
         <p:txBody>
-          <a:bodyPr anchorCtr="0" anchor="t" bIns="91425" lIns="91425" spcFirstLastPara="1" rIns="91425" wrap="square" tIns="91425">
+          <a:bodyPr spcFirstLastPara="1" wrap="square" lIns="91425" tIns="91425" rIns="91425" bIns="91425" anchor="t" anchorCtr="0">
             <a:normAutofit/>
           </a:bodyPr>
           <a:lstStyle/>
           <a:p>
-            <a:pPr indent="-342900" lvl="0" marL="457200" rtl="0" algn="l">
+            <a:pPr marL="457200" lvl="0" indent="-342900" algn="l" rtl="0">
               <a:spcBef>
                 <a:spcPts val="0"/>
               </a:spcBef>
@@ -7850,7 +9080,7 @@
             <a:endParaRPr/>
           </a:p>
           <a:p>
-            <a:pPr indent="-342900" lvl="0" marL="457200" rtl="0" algn="l">
+            <a:pPr marL="457200" lvl="0" indent="-342900" algn="l" rtl="0">
               <a:spcBef>
                 <a:spcPts val="0"/>
               </a:spcBef>
@@ -7867,7 +9097,7 @@
             <a:endParaRPr/>
           </a:p>
           <a:p>
-            <a:pPr indent="-342900" lvl="0" marL="457200" rtl="0" algn="l">
+            <a:pPr marL="457200" lvl="0" indent="-342900" algn="l" rtl="0">
               <a:spcBef>
                 <a:spcPts val="0"/>
               </a:spcBef>
@@ -7950,11 +9180,11 @@
 </file>
 
 <file path=ppt/slides/slide2.xml><?xml version="1.0" encoding="utf-8"?>
-<p:sld xmlns:a="http://schemas.openxmlformats.org/drawingml/2006/main" xmlns:r="http://schemas.openxmlformats.org/officeDocument/2006/relationships" xmlns:mc="http://schemas.openxmlformats.org/markup-compatibility/2006" xmlns:mv="urn:schemas-microsoft-com:mac:vml" xmlns:p="http://schemas.openxmlformats.org/presentationml/2006/main" xmlns:c="http://schemas.openxmlformats.org/drawingml/2006/chart" xmlns:dgm="http://schemas.openxmlformats.org/drawingml/2006/diagram" xmlns:o="urn:schemas-microsoft-com:office:office" xmlns:v="urn:schemas-microsoft-com:vml" xmlns:pvml="urn:schemas-microsoft-com:office:powerpoint" xmlns:com="http://schemas.openxmlformats.org/drawingml/2006/compatibility" xmlns:p14="http://schemas.microsoft.com/office/powerpoint/2010/main" xmlns:p15="http://schemas.microsoft.com/office/powerpoint/2012/main" xmlns:ahyp="http://schemas.microsoft.com/office/drawing/2018/hyperlinkcolor">
+<p:sld xmlns:a="http://schemas.openxmlformats.org/drawingml/2006/main" xmlns:r="http://schemas.openxmlformats.org/officeDocument/2006/relationships" xmlns:p="http://schemas.openxmlformats.org/presentationml/2006/main">
   <p:cSld>
     <p:spTree>
       <p:nvGrpSpPr>
-        <p:cNvPr id="64" name="Shape 64"/>
+        <p:cNvPr id="1" name="Shape 64"/>
         <p:cNvGrpSpPr/>
         <p:nvPr/>
       </p:nvGrpSpPr>
@@ -7969,7 +9199,9 @@
       <p:sp>
         <p:nvSpPr>
           <p:cNvPr id="65" name="Google Shape;65;p14"/>
-          <p:cNvSpPr txBox="1"/>
+          <p:cNvSpPr txBox="1">
+            <a:spLocks noGrp="1"/>
+          </p:cNvSpPr>
           <p:nvPr>
             <p:ph type="title"/>
           </p:nvPr>
@@ -7984,12 +9216,12 @@
           </a:prstGeom>
         </p:spPr>
         <p:txBody>
-          <a:bodyPr anchorCtr="0" anchor="t" bIns="91425" lIns="91425" spcFirstLastPara="1" rIns="91425" wrap="square" tIns="91425">
+          <a:bodyPr spcFirstLastPara="1" wrap="square" lIns="91425" tIns="91425" rIns="91425" bIns="91425" anchor="t" anchorCtr="0">
             <a:normAutofit fontScale="90000"/>
           </a:bodyPr>
           <a:lstStyle/>
           <a:p>
-            <a:pPr indent="0" lvl="0" marL="0" rtl="0" algn="l">
+            <a:pPr marL="0" lvl="0" indent="0" algn="l" rtl="0">
               <a:spcBef>
                 <a:spcPts val="0"/>
               </a:spcBef>
@@ -8009,9 +9241,11 @@
       <p:sp>
         <p:nvSpPr>
           <p:cNvPr id="66" name="Google Shape;66;p14"/>
-          <p:cNvSpPr txBox="1"/>
+          <p:cNvSpPr txBox="1">
+            <a:spLocks noGrp="1"/>
+          </p:cNvSpPr>
           <p:nvPr>
-            <p:ph idx="1" type="body"/>
+            <p:ph type="body" idx="1"/>
           </p:nvPr>
         </p:nvSpPr>
         <p:spPr>
@@ -8024,12 +9258,12 @@
           </a:prstGeom>
         </p:spPr>
         <p:txBody>
-          <a:bodyPr anchorCtr="0" anchor="t" bIns="91425" lIns="91425" spcFirstLastPara="1" rIns="91425" wrap="square" tIns="91425">
+          <a:bodyPr spcFirstLastPara="1" wrap="square" lIns="91425" tIns="91425" rIns="91425" bIns="91425" anchor="t" anchorCtr="0">
             <a:normAutofit/>
           </a:bodyPr>
           <a:lstStyle/>
           <a:p>
-            <a:pPr indent="-342900" lvl="0" marL="457200" rtl="0" algn="l">
+            <a:pPr marL="457200" lvl="0" indent="-342900" algn="l" rtl="0">
               <a:spcBef>
                 <a:spcPts val="0"/>
               </a:spcBef>
@@ -8046,7 +9280,7 @@
             <a:endParaRPr/>
           </a:p>
           <a:p>
-            <a:pPr indent="-342900" lvl="0" marL="457200" rtl="0" algn="l">
+            <a:pPr marL="457200" lvl="0" indent="-342900" algn="l" rtl="0">
               <a:spcBef>
                 <a:spcPts val="0"/>
               </a:spcBef>
@@ -8063,7 +9297,7 @@
             <a:endParaRPr/>
           </a:p>
           <a:p>
-            <a:pPr indent="-342900" lvl="0" marL="457200" rtl="0" algn="l">
+            <a:pPr marL="457200" lvl="0" indent="-342900" algn="l" rtl="0">
               <a:spcBef>
                 <a:spcPts val="0"/>
               </a:spcBef>
@@ -8080,7 +9314,7 @@
             <a:endParaRPr/>
           </a:p>
           <a:p>
-            <a:pPr indent="-342900" lvl="0" marL="457200" rtl="0" algn="l">
+            <a:pPr marL="457200" lvl="0" indent="-342900" algn="l" rtl="0">
               <a:spcBef>
                 <a:spcPts val="0"/>
               </a:spcBef>
@@ -8097,7 +9331,7 @@
             <a:endParaRPr/>
           </a:p>
           <a:p>
-            <a:pPr indent="0" lvl="0" marL="0" rtl="0" algn="l">
+            <a:pPr marL="0" lvl="0" indent="0" algn="l" rtl="0">
               <a:spcBef>
                 <a:spcPts val="1200"/>
               </a:spcBef>
@@ -8106,9 +9340,6 @@
               </a:spcAft>
               <a:buNone/>
             </a:pPr>
-            <a:r>
-              <a:t/>
-            </a:r>
             <a:endParaRPr/>
           </a:p>
         </p:txBody>
@@ -8150,11 +9381,11 @@
 </file>
 
 <file path=ppt/slides/slide3.xml><?xml version="1.0" encoding="utf-8"?>
-<p:sld xmlns:a="http://schemas.openxmlformats.org/drawingml/2006/main" xmlns:r="http://schemas.openxmlformats.org/officeDocument/2006/relationships" xmlns:mc="http://schemas.openxmlformats.org/markup-compatibility/2006" xmlns:mv="urn:schemas-microsoft-com:mac:vml" xmlns:p="http://schemas.openxmlformats.org/presentationml/2006/main" xmlns:c="http://schemas.openxmlformats.org/drawingml/2006/chart" xmlns:dgm="http://schemas.openxmlformats.org/drawingml/2006/diagram" xmlns:o="urn:schemas-microsoft-com:office:office" xmlns:v="urn:schemas-microsoft-com:vml" xmlns:pvml="urn:schemas-microsoft-com:office:powerpoint" xmlns:com="http://schemas.openxmlformats.org/drawingml/2006/compatibility" xmlns:p14="http://schemas.microsoft.com/office/powerpoint/2010/main" xmlns:p15="http://schemas.microsoft.com/office/powerpoint/2012/main" xmlns:ahyp="http://schemas.microsoft.com/office/drawing/2018/hyperlinkcolor">
+<p:sld xmlns:a="http://schemas.openxmlformats.org/drawingml/2006/main" xmlns:r="http://schemas.openxmlformats.org/officeDocument/2006/relationships" xmlns:p="http://schemas.openxmlformats.org/presentationml/2006/main">
   <p:cSld>
     <p:spTree>
       <p:nvGrpSpPr>
-        <p:cNvPr id="71" name="Shape 71"/>
+        <p:cNvPr id="1" name="Shape 71"/>
         <p:cNvGrpSpPr/>
         <p:nvPr/>
       </p:nvGrpSpPr>
@@ -8169,7 +9400,9 @@
       <p:sp>
         <p:nvSpPr>
           <p:cNvPr id="72" name="Google Shape;72;p15"/>
-          <p:cNvSpPr txBox="1"/>
+          <p:cNvSpPr txBox="1">
+            <a:spLocks noGrp="1"/>
+          </p:cNvSpPr>
           <p:nvPr>
             <p:ph type="title"/>
           </p:nvPr>
@@ -8184,12 +9417,12 @@
           </a:prstGeom>
         </p:spPr>
         <p:txBody>
-          <a:bodyPr anchorCtr="0" anchor="t" bIns="91425" lIns="91425" spcFirstLastPara="1" rIns="91425" wrap="square" tIns="91425">
+          <a:bodyPr spcFirstLastPara="1" wrap="square" lIns="91425" tIns="91425" rIns="91425" bIns="91425" anchor="t" anchorCtr="0">
             <a:normAutofit fontScale="90000"/>
           </a:bodyPr>
           <a:lstStyle/>
           <a:p>
-            <a:pPr indent="0" lvl="0" marL="0" rtl="0" algn="l">
+            <a:pPr marL="0" lvl="0" indent="0" algn="l" rtl="0">
               <a:spcBef>
                 <a:spcPts val="0"/>
               </a:spcBef>
@@ -8209,9 +9442,11 @@
       <p:sp>
         <p:nvSpPr>
           <p:cNvPr id="73" name="Google Shape;73;p15"/>
-          <p:cNvSpPr txBox="1"/>
+          <p:cNvSpPr txBox="1">
+            <a:spLocks noGrp="1"/>
+          </p:cNvSpPr>
           <p:nvPr>
-            <p:ph idx="1" type="body"/>
+            <p:ph type="body" idx="1"/>
           </p:nvPr>
         </p:nvSpPr>
         <p:spPr>
@@ -8224,12 +9459,12 @@
           </a:prstGeom>
         </p:spPr>
         <p:txBody>
-          <a:bodyPr anchorCtr="0" anchor="t" bIns="91425" lIns="91425" spcFirstLastPara="1" rIns="91425" wrap="square" tIns="91425">
+          <a:bodyPr spcFirstLastPara="1" wrap="square" lIns="91425" tIns="91425" rIns="91425" bIns="91425" anchor="t" anchorCtr="0">
             <a:normAutofit/>
           </a:bodyPr>
           <a:lstStyle/>
           <a:p>
-            <a:pPr indent="-342900" lvl="0" marL="457200" rtl="0" algn="l">
+            <a:pPr marL="457200" lvl="0" indent="-342900" algn="l" rtl="0">
               <a:spcBef>
                 <a:spcPts val="0"/>
               </a:spcBef>
@@ -8246,7 +9481,7 @@
             <a:endParaRPr/>
           </a:p>
           <a:p>
-            <a:pPr indent="-342900" lvl="0" marL="457200" rtl="0" algn="l">
+            <a:pPr marL="457200" lvl="0" indent="-342900" algn="l" rtl="0">
               <a:spcBef>
                 <a:spcPts val="0"/>
               </a:spcBef>
@@ -8263,7 +9498,7 @@
             <a:endParaRPr/>
           </a:p>
           <a:p>
-            <a:pPr indent="-342900" lvl="0" marL="457200" rtl="0" algn="l">
+            <a:pPr marL="457200" lvl="0" indent="-342900" algn="l" rtl="0">
               <a:spcBef>
                 <a:spcPts val="0"/>
               </a:spcBef>
@@ -8280,7 +9515,7 @@
             <a:endParaRPr/>
           </a:p>
           <a:p>
-            <a:pPr indent="-342900" lvl="0" marL="457200" rtl="0" algn="l">
+            <a:pPr marL="457200" lvl="0" indent="-342900" algn="l" rtl="0">
               <a:spcBef>
                 <a:spcPts val="0"/>
               </a:spcBef>
@@ -8363,11 +9598,11 @@
 </file>
 
 <file path=ppt/slides/slide4.xml><?xml version="1.0" encoding="utf-8"?>
-<p:sld xmlns:a="http://schemas.openxmlformats.org/drawingml/2006/main" xmlns:r="http://schemas.openxmlformats.org/officeDocument/2006/relationships" xmlns:mc="http://schemas.openxmlformats.org/markup-compatibility/2006" xmlns:mv="urn:schemas-microsoft-com:mac:vml" xmlns:p="http://schemas.openxmlformats.org/presentationml/2006/main" xmlns:c="http://schemas.openxmlformats.org/drawingml/2006/chart" xmlns:dgm="http://schemas.openxmlformats.org/drawingml/2006/diagram" xmlns:o="urn:schemas-microsoft-com:office:office" xmlns:v="urn:schemas-microsoft-com:vml" xmlns:pvml="urn:schemas-microsoft-com:office:powerpoint" xmlns:com="http://schemas.openxmlformats.org/drawingml/2006/compatibility" xmlns:p14="http://schemas.microsoft.com/office/powerpoint/2010/main" xmlns:p15="http://schemas.microsoft.com/office/powerpoint/2012/main" xmlns:ahyp="http://schemas.microsoft.com/office/drawing/2018/hyperlinkcolor">
+<p:sld xmlns:a="http://schemas.openxmlformats.org/drawingml/2006/main" xmlns:r="http://schemas.openxmlformats.org/officeDocument/2006/relationships" xmlns:p="http://schemas.openxmlformats.org/presentationml/2006/main">
   <p:cSld>
     <p:spTree>
       <p:nvGrpSpPr>
-        <p:cNvPr id="79" name="Shape 79"/>
+        <p:cNvPr id="1" name="Shape 79"/>
         <p:cNvGrpSpPr/>
         <p:nvPr/>
       </p:nvGrpSpPr>
@@ -8382,7 +9617,9 @@
       <p:sp>
         <p:nvSpPr>
           <p:cNvPr id="80" name="Google Shape;80;p16"/>
-          <p:cNvSpPr txBox="1"/>
+          <p:cNvSpPr txBox="1">
+            <a:spLocks noGrp="1"/>
+          </p:cNvSpPr>
           <p:nvPr>
             <p:ph type="title"/>
           </p:nvPr>
@@ -8397,12 +9634,12 @@
           </a:prstGeom>
         </p:spPr>
         <p:txBody>
-          <a:bodyPr anchorCtr="0" anchor="t" bIns="91425" lIns="91425" spcFirstLastPara="1" rIns="91425" wrap="square" tIns="91425">
+          <a:bodyPr spcFirstLastPara="1" wrap="square" lIns="91425" tIns="91425" rIns="91425" bIns="91425" anchor="t" anchorCtr="0">
             <a:normAutofit fontScale="90000"/>
           </a:bodyPr>
           <a:lstStyle/>
           <a:p>
-            <a:pPr indent="0" lvl="0" marL="0" rtl="0" algn="l">
+            <a:pPr marL="0" lvl="0" indent="0" algn="l" rtl="0">
               <a:spcBef>
                 <a:spcPts val="0"/>
               </a:spcBef>
@@ -8422,9 +9659,11 @@
       <p:sp>
         <p:nvSpPr>
           <p:cNvPr id="81" name="Google Shape;81;p16"/>
-          <p:cNvSpPr txBox="1"/>
+          <p:cNvSpPr txBox="1">
+            <a:spLocks noGrp="1"/>
+          </p:cNvSpPr>
           <p:nvPr>
-            <p:ph idx="1" type="body"/>
+            <p:ph type="body" idx="1"/>
           </p:nvPr>
         </p:nvSpPr>
         <p:spPr>
@@ -8437,12 +9676,12 @@
           </a:prstGeom>
         </p:spPr>
         <p:txBody>
-          <a:bodyPr anchorCtr="0" anchor="t" bIns="91425" lIns="91425" spcFirstLastPara="1" rIns="91425" wrap="square" tIns="91425">
+          <a:bodyPr spcFirstLastPara="1" wrap="square" lIns="91425" tIns="91425" rIns="91425" bIns="91425" anchor="t" anchorCtr="0">
             <a:normAutofit/>
           </a:bodyPr>
           <a:lstStyle/>
           <a:p>
-            <a:pPr indent="-342900" lvl="0" marL="457200" rtl="0" algn="l">
+            <a:pPr marL="457200" lvl="0" indent="-342900" algn="l" rtl="0">
               <a:spcBef>
                 <a:spcPts val="0"/>
               </a:spcBef>
@@ -8459,7 +9698,7 @@
             <a:endParaRPr/>
           </a:p>
           <a:p>
-            <a:pPr indent="-342900" lvl="0" marL="457200" rtl="0" algn="l">
+            <a:pPr marL="457200" lvl="0" indent="-342900" algn="l" rtl="0">
               <a:spcBef>
                 <a:spcPts val="0"/>
               </a:spcBef>
@@ -8476,7 +9715,7 @@
             <a:endParaRPr/>
           </a:p>
           <a:p>
-            <a:pPr indent="-342900" lvl="0" marL="457200" rtl="0" algn="l">
+            <a:pPr marL="457200" lvl="0" indent="-342900" algn="l" rtl="0">
               <a:spcBef>
                 <a:spcPts val="0"/>
               </a:spcBef>
@@ -8504,7 +9743,7 @@
           <a:blip r:embed="rId3">
             <a:alphaModFix/>
           </a:blip>
-          <a:srcRect b="4333" l="0" r="0" t="0"/>
+          <a:srcRect b="4333"/>
           <a:stretch/>
         </p:blipFill>
         <p:spPr>
@@ -8558,11 +9797,11 @@
 </file>
 
 <file path=ppt/slides/slide5.xml><?xml version="1.0" encoding="utf-8"?>
-<p:sld xmlns:a="http://schemas.openxmlformats.org/drawingml/2006/main" xmlns:r="http://schemas.openxmlformats.org/officeDocument/2006/relationships" xmlns:mc="http://schemas.openxmlformats.org/markup-compatibility/2006" xmlns:mv="urn:schemas-microsoft-com:mac:vml" xmlns:p="http://schemas.openxmlformats.org/presentationml/2006/main" xmlns:c="http://schemas.openxmlformats.org/drawingml/2006/chart" xmlns:dgm="http://schemas.openxmlformats.org/drawingml/2006/diagram" xmlns:o="urn:schemas-microsoft-com:office:office" xmlns:v="urn:schemas-microsoft-com:vml" xmlns:pvml="urn:schemas-microsoft-com:office:powerpoint" xmlns:com="http://schemas.openxmlformats.org/drawingml/2006/compatibility" xmlns:p14="http://schemas.microsoft.com/office/powerpoint/2010/main" xmlns:p15="http://schemas.microsoft.com/office/powerpoint/2012/main" xmlns:ahyp="http://schemas.microsoft.com/office/drawing/2018/hyperlinkcolor">
+<p:sld xmlns:a="http://schemas.openxmlformats.org/drawingml/2006/main" xmlns:r="http://schemas.openxmlformats.org/officeDocument/2006/relationships" xmlns:p="http://schemas.openxmlformats.org/presentationml/2006/main">
   <p:cSld>
     <p:spTree>
       <p:nvGrpSpPr>
-        <p:cNvPr id="87" name="Shape 87"/>
+        <p:cNvPr id="1" name="Shape 87"/>
         <p:cNvGrpSpPr/>
         <p:nvPr/>
       </p:nvGrpSpPr>
@@ -8577,7 +9816,9 @@
       <p:sp>
         <p:nvSpPr>
           <p:cNvPr id="88" name="Google Shape;88;p17"/>
-          <p:cNvSpPr txBox="1"/>
+          <p:cNvSpPr txBox="1">
+            <a:spLocks noGrp="1"/>
+          </p:cNvSpPr>
           <p:nvPr>
             <p:ph type="title"/>
           </p:nvPr>
@@ -8592,12 +9833,12 @@
           </a:prstGeom>
         </p:spPr>
         <p:txBody>
-          <a:bodyPr anchorCtr="0" anchor="t" bIns="91425" lIns="91425" spcFirstLastPara="1" rIns="91425" wrap="square" tIns="91425">
+          <a:bodyPr spcFirstLastPara="1" wrap="square" lIns="91425" tIns="91425" rIns="91425" bIns="91425" anchor="t" anchorCtr="0">
             <a:normAutofit fontScale="90000"/>
           </a:bodyPr>
           <a:lstStyle/>
           <a:p>
-            <a:pPr indent="0" lvl="0" marL="0" rtl="0" algn="l">
+            <a:pPr marL="0" lvl="0" indent="0" algn="l" rtl="0">
               <a:spcBef>
                 <a:spcPts val="0"/>
               </a:spcBef>
@@ -8617,9 +9858,11 @@
       <p:sp>
         <p:nvSpPr>
           <p:cNvPr id="89" name="Google Shape;89;p17"/>
-          <p:cNvSpPr txBox="1"/>
+          <p:cNvSpPr txBox="1">
+            <a:spLocks noGrp="1"/>
+          </p:cNvSpPr>
           <p:nvPr>
-            <p:ph idx="1" type="body"/>
+            <p:ph type="body" idx="1"/>
           </p:nvPr>
         </p:nvSpPr>
         <p:spPr>
@@ -8632,12 +9875,12 @@
           </a:prstGeom>
         </p:spPr>
         <p:txBody>
-          <a:bodyPr anchorCtr="0" anchor="t" bIns="91425" lIns="91425" spcFirstLastPara="1" rIns="91425" wrap="square" tIns="91425">
+          <a:bodyPr spcFirstLastPara="1" wrap="square" lIns="91425" tIns="91425" rIns="91425" bIns="91425" anchor="t" anchorCtr="0">
             <a:normAutofit/>
           </a:bodyPr>
           <a:lstStyle/>
           <a:p>
-            <a:pPr indent="-342900" lvl="0" marL="457200" rtl="0" algn="l">
+            <a:pPr marL="457200" lvl="0" indent="-342900" algn="l" rtl="0">
               <a:spcBef>
                 <a:spcPts val="0"/>
               </a:spcBef>
@@ -8692,11 +9935,11 @@
 </file>
 
 <file path=ppt/slides/slide6.xml><?xml version="1.0" encoding="utf-8"?>
-<p:sld xmlns:a="http://schemas.openxmlformats.org/drawingml/2006/main" xmlns:r="http://schemas.openxmlformats.org/officeDocument/2006/relationships" xmlns:mc="http://schemas.openxmlformats.org/markup-compatibility/2006" xmlns:mv="urn:schemas-microsoft-com:mac:vml" xmlns:p="http://schemas.openxmlformats.org/presentationml/2006/main" xmlns:c="http://schemas.openxmlformats.org/drawingml/2006/chart" xmlns:dgm="http://schemas.openxmlformats.org/drawingml/2006/diagram" xmlns:o="urn:schemas-microsoft-com:office:office" xmlns:v="urn:schemas-microsoft-com:vml" xmlns:pvml="urn:schemas-microsoft-com:office:powerpoint" xmlns:com="http://schemas.openxmlformats.org/drawingml/2006/compatibility" xmlns:p14="http://schemas.microsoft.com/office/powerpoint/2010/main" xmlns:p15="http://schemas.microsoft.com/office/powerpoint/2012/main" xmlns:ahyp="http://schemas.microsoft.com/office/drawing/2018/hyperlinkcolor">
+<p:sld xmlns:a="http://schemas.openxmlformats.org/drawingml/2006/main" xmlns:r="http://schemas.openxmlformats.org/officeDocument/2006/relationships" xmlns:p="http://schemas.openxmlformats.org/presentationml/2006/main">
   <p:cSld>
     <p:spTree>
       <p:nvGrpSpPr>
-        <p:cNvPr id="94" name="Shape 94"/>
+        <p:cNvPr id="1" name="Shape 94"/>
         <p:cNvGrpSpPr/>
         <p:nvPr/>
       </p:nvGrpSpPr>
@@ -8711,7 +9954,9 @@
       <p:sp>
         <p:nvSpPr>
           <p:cNvPr id="95" name="Google Shape;95;p18"/>
-          <p:cNvSpPr txBox="1"/>
+          <p:cNvSpPr txBox="1">
+            <a:spLocks noGrp="1"/>
+          </p:cNvSpPr>
           <p:nvPr>
             <p:ph type="title"/>
           </p:nvPr>
@@ -8726,12 +9971,12 @@
           </a:prstGeom>
         </p:spPr>
         <p:txBody>
-          <a:bodyPr anchorCtr="0" anchor="t" bIns="91425" lIns="91425" spcFirstLastPara="1" rIns="91425" wrap="square" tIns="91425">
+          <a:bodyPr spcFirstLastPara="1" wrap="square" lIns="91425" tIns="91425" rIns="91425" bIns="91425" anchor="t" anchorCtr="0">
             <a:normAutofit fontScale="90000"/>
           </a:bodyPr>
           <a:lstStyle/>
           <a:p>
-            <a:pPr indent="0" lvl="0" marL="0" rtl="0" algn="l">
+            <a:pPr marL="0" lvl="0" indent="0" algn="l" rtl="0">
               <a:spcBef>
                 <a:spcPts val="0"/>
               </a:spcBef>
@@ -8751,9 +9996,11 @@
       <p:sp>
         <p:nvSpPr>
           <p:cNvPr id="96" name="Google Shape;96;p18"/>
-          <p:cNvSpPr txBox="1"/>
+          <p:cNvSpPr txBox="1">
+            <a:spLocks noGrp="1"/>
+          </p:cNvSpPr>
           <p:nvPr>
-            <p:ph idx="1" type="body"/>
+            <p:ph type="body" idx="1"/>
           </p:nvPr>
         </p:nvSpPr>
         <p:spPr>
@@ -8766,12 +10013,12 @@
           </a:prstGeom>
         </p:spPr>
         <p:txBody>
-          <a:bodyPr anchorCtr="0" anchor="t" bIns="91425" lIns="91425" spcFirstLastPara="1" rIns="91425" wrap="square" tIns="91425">
+          <a:bodyPr spcFirstLastPara="1" wrap="square" lIns="91425" tIns="91425" rIns="91425" bIns="91425" anchor="t" anchorCtr="0">
             <a:normAutofit/>
           </a:bodyPr>
           <a:lstStyle/>
           <a:p>
-            <a:pPr indent="-342900" lvl="0" marL="457200" rtl="0" algn="l">
+            <a:pPr marL="457200" lvl="0" indent="-342900" algn="l" rtl="0">
               <a:spcBef>
                 <a:spcPts val="0"/>
               </a:spcBef>
@@ -8910,11 +10157,11 @@
 </file>
 
 <file path=ppt/slides/slide7.xml><?xml version="1.0" encoding="utf-8"?>
-<p:sld xmlns:a="http://schemas.openxmlformats.org/drawingml/2006/main" xmlns:r="http://schemas.openxmlformats.org/officeDocument/2006/relationships" xmlns:mc="http://schemas.openxmlformats.org/markup-compatibility/2006" xmlns:mv="urn:schemas-microsoft-com:mac:vml" xmlns:p="http://schemas.openxmlformats.org/presentationml/2006/main" xmlns:c="http://schemas.openxmlformats.org/drawingml/2006/chart" xmlns:dgm="http://schemas.openxmlformats.org/drawingml/2006/diagram" xmlns:o="urn:schemas-microsoft-com:office:office" xmlns:v="urn:schemas-microsoft-com:vml" xmlns:pvml="urn:schemas-microsoft-com:office:powerpoint" xmlns:com="http://schemas.openxmlformats.org/drawingml/2006/compatibility" xmlns:p14="http://schemas.microsoft.com/office/powerpoint/2010/main" xmlns:p15="http://schemas.microsoft.com/office/powerpoint/2012/main" xmlns:ahyp="http://schemas.microsoft.com/office/drawing/2018/hyperlinkcolor">
+<p:sld xmlns:a="http://schemas.openxmlformats.org/drawingml/2006/main" xmlns:r="http://schemas.openxmlformats.org/officeDocument/2006/relationships" xmlns:p="http://schemas.openxmlformats.org/presentationml/2006/main">
   <p:cSld>
     <p:spTree>
       <p:nvGrpSpPr>
-        <p:cNvPr id="104" name="Shape 104"/>
+        <p:cNvPr id="1" name="Shape 104"/>
         <p:cNvGrpSpPr/>
         <p:nvPr/>
       </p:nvGrpSpPr>
@@ -8929,7 +10176,9 @@
       <p:sp>
         <p:nvSpPr>
           <p:cNvPr id="105" name="Google Shape;105;p19"/>
-          <p:cNvSpPr txBox="1"/>
+          <p:cNvSpPr txBox="1">
+            <a:spLocks noGrp="1"/>
+          </p:cNvSpPr>
           <p:nvPr>
             <p:ph type="title"/>
           </p:nvPr>
@@ -8944,12 +10193,12 @@
           </a:prstGeom>
         </p:spPr>
         <p:txBody>
-          <a:bodyPr anchorCtr="0" anchor="t" bIns="91425" lIns="91425" spcFirstLastPara="1" rIns="91425" wrap="square" tIns="91425">
+          <a:bodyPr spcFirstLastPara="1" wrap="square" lIns="91425" tIns="91425" rIns="91425" bIns="91425" anchor="t" anchorCtr="0">
             <a:normAutofit fontScale="90000"/>
           </a:bodyPr>
           <a:lstStyle/>
           <a:p>
-            <a:pPr indent="0" lvl="0" marL="0" rtl="0" algn="l">
+            <a:pPr marL="0" lvl="0" indent="0" algn="l" rtl="0">
               <a:spcBef>
                 <a:spcPts val="0"/>
               </a:spcBef>
@@ -8969,9 +10218,11 @@
       <p:sp>
         <p:nvSpPr>
           <p:cNvPr id="106" name="Google Shape;106;p19"/>
-          <p:cNvSpPr txBox="1"/>
+          <p:cNvSpPr txBox="1">
+            <a:spLocks noGrp="1"/>
+          </p:cNvSpPr>
           <p:nvPr>
-            <p:ph idx="1" type="body"/>
+            <p:ph type="body" idx="1"/>
           </p:nvPr>
         </p:nvSpPr>
         <p:spPr>
@@ -8984,12 +10235,12 @@
           </a:prstGeom>
         </p:spPr>
         <p:txBody>
-          <a:bodyPr anchorCtr="0" anchor="t" bIns="91425" lIns="91425" spcFirstLastPara="1" rIns="91425" wrap="square" tIns="91425">
+          <a:bodyPr spcFirstLastPara="1" wrap="square" lIns="91425" tIns="91425" rIns="91425" bIns="91425" anchor="t" anchorCtr="0">
             <a:normAutofit/>
           </a:bodyPr>
           <a:lstStyle/>
           <a:p>
-            <a:pPr indent="-342900" lvl="0" marL="457200" rtl="0" algn="l">
+            <a:pPr marL="457200" lvl="0" indent="-342900" algn="l" rtl="0">
               <a:spcBef>
                 <a:spcPts val="0"/>
               </a:spcBef>
@@ -9001,15 +10252,7 @@
             </a:pPr>
             <a:r>
               <a:rPr lang="en"/>
-              <a:t>The folder src/Assets/Sprites includes all the </a:t>
-            </a:r>
-            <a:r>
-              <a:rPr lang="en"/>
-              <a:t>external</a:t>
-            </a:r>
-            <a:r>
-              <a:rPr lang="en"/>
-              <a:t> images we used in our game</a:t>
+              <a:t>The folder src/Assets/Sprites includes all the external images we used in our game</a:t>
             </a:r>
             <a:endParaRPr/>
           </a:p>
@@ -9052,11 +10295,11 @@
 </file>
 
 <file path=ppt/slides/slide8.xml><?xml version="1.0" encoding="utf-8"?>
-<p:sld xmlns:a="http://schemas.openxmlformats.org/drawingml/2006/main" xmlns:r="http://schemas.openxmlformats.org/officeDocument/2006/relationships" xmlns:mc="http://schemas.openxmlformats.org/markup-compatibility/2006" xmlns:mv="urn:schemas-microsoft-com:mac:vml" xmlns:p="http://schemas.openxmlformats.org/presentationml/2006/main" xmlns:c="http://schemas.openxmlformats.org/drawingml/2006/chart" xmlns:dgm="http://schemas.openxmlformats.org/drawingml/2006/diagram" xmlns:o="urn:schemas-microsoft-com:office:office" xmlns:v="urn:schemas-microsoft-com:vml" xmlns:pvml="urn:schemas-microsoft-com:office:powerpoint" xmlns:com="http://schemas.openxmlformats.org/drawingml/2006/compatibility" xmlns:p14="http://schemas.microsoft.com/office/powerpoint/2010/main" xmlns:p15="http://schemas.microsoft.com/office/powerpoint/2012/main" xmlns:ahyp="http://schemas.microsoft.com/office/drawing/2018/hyperlinkcolor">
+<p:sld xmlns:a="http://schemas.openxmlformats.org/drawingml/2006/main" xmlns:r="http://schemas.openxmlformats.org/officeDocument/2006/relationships" xmlns:p="http://schemas.openxmlformats.org/presentationml/2006/main">
   <p:cSld>
     <p:spTree>
       <p:nvGrpSpPr>
-        <p:cNvPr id="111" name="Shape 111"/>
+        <p:cNvPr id="1" name="Shape 111"/>
         <p:cNvGrpSpPr/>
         <p:nvPr/>
       </p:nvGrpSpPr>
@@ -9071,7 +10314,9 @@
       <p:sp>
         <p:nvSpPr>
           <p:cNvPr id="112" name="Google Shape;112;p20"/>
-          <p:cNvSpPr txBox="1"/>
+          <p:cNvSpPr txBox="1">
+            <a:spLocks noGrp="1"/>
+          </p:cNvSpPr>
           <p:nvPr>
             <p:ph type="title"/>
           </p:nvPr>
@@ -9086,12 +10331,12 @@
           </a:prstGeom>
         </p:spPr>
         <p:txBody>
-          <a:bodyPr anchorCtr="0" anchor="t" bIns="91425" lIns="91425" spcFirstLastPara="1" rIns="91425" wrap="square" tIns="91425">
+          <a:bodyPr spcFirstLastPara="1" wrap="square" lIns="91425" tIns="91425" rIns="91425" bIns="91425" anchor="t" anchorCtr="0">
             <a:normAutofit fontScale="90000"/>
           </a:bodyPr>
           <a:lstStyle/>
           <a:p>
-            <a:pPr indent="0" lvl="0" marL="0" rtl="0" algn="l">
+            <a:pPr marL="0" lvl="0" indent="0" algn="l" rtl="0">
               <a:spcBef>
                 <a:spcPts val="0"/>
               </a:spcBef>
@@ -9111,9 +10356,11 @@
       <p:sp>
         <p:nvSpPr>
           <p:cNvPr id="113" name="Google Shape;113;p20"/>
-          <p:cNvSpPr txBox="1"/>
+          <p:cNvSpPr txBox="1">
+            <a:spLocks noGrp="1"/>
+          </p:cNvSpPr>
           <p:nvPr>
-            <p:ph idx="1" type="body"/>
+            <p:ph type="body" idx="1"/>
           </p:nvPr>
         </p:nvSpPr>
         <p:spPr>
@@ -9126,12 +10373,12 @@
           </a:prstGeom>
         </p:spPr>
         <p:txBody>
-          <a:bodyPr anchorCtr="0" anchor="t" bIns="91425" lIns="91425" spcFirstLastPara="1" rIns="91425" wrap="square" tIns="91425">
+          <a:bodyPr spcFirstLastPara="1" wrap="square" lIns="91425" tIns="91425" rIns="91425" bIns="91425" anchor="t" anchorCtr="0">
             <a:normAutofit/>
           </a:bodyPr>
           <a:lstStyle/>
           <a:p>
-            <a:pPr indent="-342900" lvl="0" marL="457200" rtl="0" algn="l">
+            <a:pPr marL="457200" lvl="0" indent="-342900" algn="l" rtl="0">
               <a:spcBef>
                 <a:spcPts val="0"/>
               </a:spcBef>
@@ -9148,7 +10395,7 @@
             <a:endParaRPr/>
           </a:p>
           <a:p>
-            <a:pPr indent="-342900" lvl="0" marL="457200" rtl="0" algn="l">
+            <a:pPr marL="457200" lvl="0" indent="-342900" algn="l" rtl="0">
               <a:spcBef>
                 <a:spcPts val="0"/>
               </a:spcBef>
@@ -9165,7 +10412,7 @@
             <a:endParaRPr/>
           </a:p>
           <a:p>
-            <a:pPr indent="-342900" lvl="0" marL="457200" rtl="0" algn="l">
+            <a:pPr marL="457200" lvl="0" indent="-342900" algn="l" rtl="0">
               <a:spcBef>
                 <a:spcPts val="0"/>
               </a:spcBef>
@@ -9177,20 +10424,12 @@
             </a:pPr>
             <a:r>
               <a:rPr lang="en"/>
-              <a:t>The </a:t>
-            </a:r>
-            <a:r>
-              <a:rPr lang="en"/>
-              <a:t>tetrominoes</a:t>
-            </a:r>
-            <a:r>
-              <a:rPr lang="en"/>
-              <a:t> are game objects that each 4 contain sub-object blocks</a:t>
+              <a:t>The tetrominoes are game objects that each 4 contain sub-object blocks</a:t>
             </a:r>
             <a:endParaRPr/>
           </a:p>
           <a:p>
-            <a:pPr indent="-342900" lvl="0" marL="457200" rtl="0" algn="l">
+            <a:pPr marL="457200" lvl="0" indent="-342900" algn="l" rtl="0">
               <a:spcBef>
                 <a:spcPts val="0"/>
               </a:spcBef>
@@ -9245,11 +10484,11 @@
 </file>
 
 <file path=ppt/slides/slide9.xml><?xml version="1.0" encoding="utf-8"?>
-<p:sld xmlns:a="http://schemas.openxmlformats.org/drawingml/2006/main" xmlns:r="http://schemas.openxmlformats.org/officeDocument/2006/relationships" xmlns:mc="http://schemas.openxmlformats.org/markup-compatibility/2006" xmlns:mv="urn:schemas-microsoft-com:mac:vml" xmlns:p="http://schemas.openxmlformats.org/presentationml/2006/main" xmlns:c="http://schemas.openxmlformats.org/drawingml/2006/chart" xmlns:dgm="http://schemas.openxmlformats.org/drawingml/2006/diagram" xmlns:o="urn:schemas-microsoft-com:office:office" xmlns:v="urn:schemas-microsoft-com:vml" xmlns:pvml="urn:schemas-microsoft-com:office:powerpoint" xmlns:com="http://schemas.openxmlformats.org/drawingml/2006/compatibility" xmlns:p14="http://schemas.microsoft.com/office/powerpoint/2010/main" xmlns:p15="http://schemas.microsoft.com/office/powerpoint/2012/main" xmlns:ahyp="http://schemas.microsoft.com/office/drawing/2018/hyperlinkcolor">
+<p:sld xmlns:a="http://schemas.openxmlformats.org/drawingml/2006/main" xmlns:r="http://schemas.openxmlformats.org/officeDocument/2006/relationships" xmlns:p="http://schemas.openxmlformats.org/presentationml/2006/main">
   <p:cSld>
     <p:spTree>
       <p:nvGrpSpPr>
-        <p:cNvPr id="118" name="Shape 118"/>
+        <p:cNvPr id="1" name="Shape 118"/>
         <p:cNvGrpSpPr/>
         <p:nvPr/>
       </p:nvGrpSpPr>
@@ -9264,7 +10503,9 @@
       <p:sp>
         <p:nvSpPr>
           <p:cNvPr id="119" name="Google Shape;119;p21"/>
-          <p:cNvSpPr txBox="1"/>
+          <p:cNvSpPr txBox="1">
+            <a:spLocks noGrp="1"/>
+          </p:cNvSpPr>
           <p:nvPr>
             <p:ph type="title"/>
           </p:nvPr>
@@ -9279,12 +10520,12 @@
           </a:prstGeom>
         </p:spPr>
         <p:txBody>
-          <a:bodyPr anchorCtr="0" anchor="t" bIns="91425" lIns="91425" spcFirstLastPara="1" rIns="91425" wrap="square" tIns="91425">
+          <a:bodyPr spcFirstLastPara="1" wrap="square" lIns="91425" tIns="91425" rIns="91425" bIns="91425" anchor="t" anchorCtr="0">
             <a:normAutofit fontScale="90000"/>
           </a:bodyPr>
           <a:lstStyle/>
           <a:p>
-            <a:pPr indent="0" lvl="0" marL="0" rtl="0" algn="l">
+            <a:pPr marL="0" lvl="0" indent="0" algn="l" rtl="0">
               <a:spcBef>
                 <a:spcPts val="0"/>
               </a:spcBef>
@@ -9304,9 +10545,11 @@
       <p:sp>
         <p:nvSpPr>
           <p:cNvPr id="120" name="Google Shape;120;p21"/>
-          <p:cNvSpPr txBox="1"/>
+          <p:cNvSpPr txBox="1">
+            <a:spLocks noGrp="1"/>
+          </p:cNvSpPr>
           <p:nvPr>
-            <p:ph idx="1" type="body"/>
+            <p:ph type="body" idx="1"/>
           </p:nvPr>
         </p:nvSpPr>
         <p:spPr>
@@ -9319,12 +10562,12 @@
           </a:prstGeom>
         </p:spPr>
         <p:txBody>
-          <a:bodyPr anchorCtr="0" anchor="t" bIns="91425" lIns="91425" spcFirstLastPara="1" rIns="91425" wrap="square" tIns="91425">
+          <a:bodyPr spcFirstLastPara="1" wrap="square" lIns="91425" tIns="91425" rIns="91425" bIns="91425" anchor="t" anchorCtr="0">
             <a:normAutofit/>
           </a:bodyPr>
           <a:lstStyle/>
           <a:p>
-            <a:pPr indent="-342900" lvl="0" marL="457200" rtl="0" algn="l">
+            <a:pPr marL="457200" lvl="0" indent="-342900" algn="l" rtl="0">
               <a:spcBef>
                 <a:spcPts val="0"/>
               </a:spcBef>
@@ -9335,13 +10578,13 @@
               <a:buChar char="●"/>
             </a:pPr>
             <a:r>
-              <a:rPr lang="en"/>
+              <a:rPr lang="en" dirty="0"/>
               <a:t>The Player1Blocks and Player2Blocks scripts contain the code for the behavior of the tetrominos</a:t>
             </a:r>
-            <a:endParaRPr/>
+            <a:endParaRPr dirty="0"/>
           </a:p>
           <a:p>
-            <a:pPr indent="-342900" lvl="0" marL="457200" rtl="0" algn="l">
+            <a:pPr marL="457200" lvl="0" indent="-342900" algn="l" rtl="0">
               <a:spcBef>
                 <a:spcPts val="0"/>
               </a:spcBef>
@@ -9352,47 +10595,73 @@
               <a:buChar char="●"/>
             </a:pPr>
             <a:r>
-              <a:rPr lang="en"/>
+              <a:rPr lang="en" dirty="0"/>
               <a:t>When a tetromino is spawned it is set to “Active” and is set to inactive when it reaches the center or an inactive block</a:t>
             </a:r>
-            <a:endParaRPr/>
-          </a:p>
-          <a:p>
-            <a:pPr indent="-342900" lvl="0" marL="457200" rtl="0" algn="l">
-              <a:spcBef>
-                <a:spcPts val="0"/>
-              </a:spcBef>
-              <a:spcAft>
-                <a:spcPts val="0"/>
-              </a:spcAft>
-              <a:buSzPts val="1800"/>
-              <a:buChar char="●"/>
-            </a:pPr>
-            <a:r>
-              <a:rPr lang="en"/>
-              <a:t>While active the script checks each frame if the player has input a command and if the block should drop automatically using an incrementing count variable</a:t>
-            </a:r>
-            <a:endParaRPr/>
-          </a:p>
-          <a:p>
-            <a:pPr indent="-342900" lvl="0" marL="457200" rtl="0" algn="l">
-              <a:spcBef>
-                <a:spcPts val="0"/>
-              </a:spcBef>
-              <a:spcAft>
-                <a:spcPts val="0"/>
-              </a:spcAft>
-              <a:buSzPts val="1800"/>
-              <a:buChar char="●"/>
-            </a:pPr>
-            <a:r>
-              <a:rPr lang="en"/>
-              <a:t>Member functions are used to check if tetromino movements are legal, set blocks, shift blocks if a column is cleared, and “Attack” by moving all blocks towards the opponent when 3 or 4 columns are cleared at once</a:t>
-            </a:r>
-            <a:endParaRPr/>
+            <a:endParaRPr dirty="0"/>
           </a:p>
         </p:txBody>
       </p:sp>
+      <p:pic>
+        <p:nvPicPr>
+          <p:cNvPr id="3" name="Picture 2">
+            <a:extLst>
+              <a:ext uri="{FF2B5EF4-FFF2-40B4-BE49-F238E27FC236}">
+                <a16:creationId xmlns:a16="http://schemas.microsoft.com/office/drawing/2014/main" id="{52ED1A90-E2B2-7560-93BC-1E865D951B31}"/>
+              </a:ext>
+            </a:extLst>
+          </p:cNvPr>
+          <p:cNvPicPr>
+            <a:picLocks noChangeAspect="1"/>
+          </p:cNvPicPr>
+          <p:nvPr/>
+        </p:nvPicPr>
+        <p:blipFill>
+          <a:blip r:embed="rId3"/>
+          <a:stretch>
+            <a:fillRect/>
+          </a:stretch>
+        </p:blipFill>
+        <p:spPr>
+          <a:xfrm>
+            <a:off x="1006290" y="2504375"/>
+            <a:ext cx="7131417" cy="920797"/>
+          </a:xfrm>
+          <a:prstGeom prst="rect">
+            <a:avLst/>
+          </a:prstGeom>
+        </p:spPr>
+      </p:pic>
+      <p:pic>
+        <p:nvPicPr>
+          <p:cNvPr id="5" name="Picture 4">
+            <a:extLst>
+              <a:ext uri="{FF2B5EF4-FFF2-40B4-BE49-F238E27FC236}">
+                <a16:creationId xmlns:a16="http://schemas.microsoft.com/office/drawing/2014/main" id="{0547BDDC-1855-AAD3-BF03-20049C585582}"/>
+              </a:ext>
+            </a:extLst>
+          </p:cNvPr>
+          <p:cNvPicPr>
+            <a:picLocks noChangeAspect="1"/>
+          </p:cNvPicPr>
+          <p:nvPr/>
+        </p:nvPicPr>
+        <p:blipFill>
+          <a:blip r:embed="rId4"/>
+          <a:stretch>
+            <a:fillRect/>
+          </a:stretch>
+        </p:blipFill>
+        <p:spPr>
+          <a:xfrm>
+            <a:off x="1393194" y="3492547"/>
+            <a:ext cx="6357610" cy="1523094"/>
+          </a:xfrm>
+          <a:prstGeom prst="rect">
+            <a:avLst/>
+          </a:prstGeom>
+        </p:spPr>
+      </p:pic>
     </p:spTree>
   </p:cSld>
   <p:clrMapOvr>
@@ -9402,7 +10671,7 @@
 </file>
 
 <file path=ppt/theme/theme1.xml><?xml version="1.0" encoding="utf-8"?>
-<a:theme xmlns:a="http://schemas.openxmlformats.org/drawingml/2006/main" xmlns:r="http://schemas.openxmlformats.org/officeDocument/2006/relationships" name="Spearmint">
+<a:theme xmlns:a="http://schemas.openxmlformats.org/drawingml/2006/main" name="Spearmint">
   <a:themeElements>
     <a:clrScheme name="Spearmint">
       <a:dk1>
@@ -9677,11 +10946,13 @@
       </a:bgFillStyleLst>
     </a:fmtScheme>
   </a:themeElements>
+  <a:objectDefaults/>
+  <a:extraClrSchemeLst/>
 </a:theme>
 </file>
 
 <file path=ppt/theme/theme2.xml><?xml version="1.0" encoding="utf-8"?>
-<a:theme xmlns:a="http://schemas.openxmlformats.org/drawingml/2006/main" xmlns:r="http://schemas.openxmlformats.org/officeDocument/2006/relationships">
+<a:theme xmlns:a="http://schemas.openxmlformats.org/drawingml/2006/main">
   <a:themeElements>
     <a:clrScheme name="Default">
       <a:dk1>
@@ -9956,5 +11227,7 @@
       </a:bgFillStyleLst>
     </a:fmtScheme>
   </a:themeElements>
+  <a:objectDefaults/>
+  <a:extraClrSchemeLst/>
 </a:theme>
 </file>